--- a/Dokumentacja/Prezentacja_1_HMLLM.pptx
+++ b/Dokumentacja/Prezentacja_1_HMLLM.pptx
@@ -1,42 +1,47 @@
 
 <file path=ppt/presentation.xml><?xml version="1.0" encoding="utf-8"?>
-<p:presentation xmlns:a="http://schemas.openxmlformats.org/drawingml/2006/main" xmlns:r="http://schemas.openxmlformats.org/officeDocument/2006/relationships" xmlns:mc="http://schemas.openxmlformats.org/markup-compatibility/2006" xmlns:mv="urn:schemas-microsoft-com:mac:vml" xmlns:p="http://schemas.openxmlformats.org/presentationml/2006/main" xmlns:c="http://schemas.openxmlformats.org/drawingml/2006/chart" xmlns:dgm="http://schemas.openxmlformats.org/drawingml/2006/diagram" xmlns:o="urn:schemas-microsoft-com:office:office" xmlns:v="urn:schemas-microsoft-com:vml" xmlns:pvml="urn:schemas-microsoft-com:office:powerpoint" xmlns:com="http://schemas.openxmlformats.org/drawingml/2006/compatibility" xmlns:p14="http://schemas.microsoft.com/office/powerpoint/2010/main" xmlns:p15="http://schemas.microsoft.com/office/powerpoint/2012/main" xmlns:ahyp="http://schemas.microsoft.com/office/drawing/2018/hyperlinkcolor" autoCompressPictures="0" embedTrueTypeFonts="1" strictFirstAndLastChars="0" saveSubsetFonts="1">
+<p:presentation xmlns:a="http://schemas.openxmlformats.org/drawingml/2006/main" xmlns:r="http://schemas.openxmlformats.org/officeDocument/2006/relationships" xmlns:p="http://schemas.openxmlformats.org/presentationml/2006/main" strictFirstAndLastChars="0" embedTrueTypeFonts="1" saveSubsetFonts="1" autoCompressPictures="0">
   <p:sldMasterIdLst>
-    <p:sldMasterId id="2147483659" r:id="rId4"/>
+    <p:sldMasterId id="2147483659" r:id="rId1"/>
   </p:sldMasterIdLst>
   <p:notesMasterIdLst>
-    <p:notesMasterId r:id="rId5"/>
+    <p:notesMasterId r:id="rId15"/>
   </p:notesMasterIdLst>
   <p:sldIdLst>
-    <p:sldId id="256" r:id="rId6"/>
-    <p:sldId id="257" r:id="rId7"/>
-    <p:sldId id="258" r:id="rId8"/>
-    <p:sldId id="259" r:id="rId9"/>
-    <p:sldId id="260" r:id="rId10"/>
-    <p:sldId id="261" r:id="rId11"/>
-    <p:sldId id="262" r:id="rId12"/>
-    <p:sldId id="263" r:id="rId13"/>
+    <p:sldId id="256" r:id="rId2"/>
+    <p:sldId id="257" r:id="rId3"/>
+    <p:sldId id="258" r:id="rId4"/>
+    <p:sldId id="259" r:id="rId5"/>
+    <p:sldId id="260" r:id="rId6"/>
+    <p:sldId id="261" r:id="rId7"/>
+    <p:sldId id="264" r:id="rId8"/>
+    <p:sldId id="265" r:id="rId9"/>
+    <p:sldId id="266" r:id="rId10"/>
+    <p:sldId id="267" r:id="rId11"/>
+    <p:sldId id="268" r:id="rId12"/>
+    <p:sldId id="262" r:id="rId13"/>
+    <p:sldId id="263" r:id="rId14"/>
   </p:sldIdLst>
-  <p:sldSz cy="5143500" cx="9144000"/>
+  <p:sldSz cx="9144000" cy="5143500" type="screen16x9"/>
   <p:notesSz cx="6858000" cy="9144000"/>
   <p:embeddedFontLst>
     <p:embeddedFont>
-      <p:font typeface="Roboto Mono Medium"/>
-      <p:regular r:id="rId14"/>
-      <p:bold r:id="rId15"/>
-      <p:italic r:id="rId16"/>
-      <p:boldItalic r:id="rId17"/>
+      <p:font typeface="Roboto Mono" panose="00000009000000000000" pitchFamily="49" charset="0"/>
+      <p:regular r:id="rId16"/>
+      <p:bold r:id="rId17"/>
+      <p:italic r:id="rId18"/>
+      <p:boldItalic r:id="rId19"/>
     </p:embeddedFont>
     <p:embeddedFont>
-      <p:font typeface="Roboto Mono"/>
-      <p:regular r:id="rId18"/>
-      <p:bold r:id="rId19"/>
-      <p:italic r:id="rId20"/>
-      <p:boldItalic r:id="rId21"/>
+      <p:font typeface="Roboto Mono Medium" panose="00000009000000000000" pitchFamily="49" charset="0"/>
+      <p:regular r:id="rId20"/>
+      <p:bold r:id="rId21"/>
+      <p:italic r:id="rId22"/>
+      <p:boldItalic r:id="rId23"/>
     </p:embeddedFont>
   </p:embeddedFontLst>
   <p:defaultTextStyle>
-    <a:defPPr lvl="0" marR="0" rtl="0" algn="l">
+    <a:defPPr marR="0" lvl="0" algn="l" rtl="0">
       <a:lnSpc>
         <a:spcPct val="100000"/>
       </a:lnSpc>
@@ -47,7 +52,7 @@
         <a:spcPts val="0"/>
       </a:spcAft>
     </a:defPPr>
-    <a:lvl1pPr lvl="0" marR="0" rtl="0" algn="l">
+    <a:lvl1pPr marR="0" lvl="0" algn="l" rtl="0">
       <a:lnSpc>
         <a:spcPct val="100000"/>
       </a:lnSpc>
@@ -61,7 +66,7 @@
         <a:srgbClr val="000000"/>
       </a:buClr>
       <a:buFont typeface="Arial"/>
-      <a:defRPr b="0" i="0" sz="1400" u="none" cap="none" strike="noStrike">
+      <a:defRPr sz="1400" b="0" i="0" u="none" strike="noStrike" cap="none">
         <a:solidFill>
           <a:srgbClr val="000000"/>
         </a:solidFill>
@@ -71,7 +76,7 @@
         <a:sym typeface="Arial"/>
       </a:defRPr>
     </a:lvl1pPr>
-    <a:lvl2pPr lvl="1" marR="0" rtl="0" algn="l">
+    <a:lvl2pPr marR="0" lvl="1" algn="l" rtl="0">
       <a:lnSpc>
         <a:spcPct val="100000"/>
       </a:lnSpc>
@@ -85,7 +90,7 @@
         <a:srgbClr val="000000"/>
       </a:buClr>
       <a:buFont typeface="Arial"/>
-      <a:defRPr b="0" i="0" sz="1400" u="none" cap="none" strike="noStrike">
+      <a:defRPr sz="1400" b="0" i="0" u="none" strike="noStrike" cap="none">
         <a:solidFill>
           <a:srgbClr val="000000"/>
         </a:solidFill>
@@ -95,7 +100,7 @@
         <a:sym typeface="Arial"/>
       </a:defRPr>
     </a:lvl2pPr>
-    <a:lvl3pPr lvl="2" marR="0" rtl="0" algn="l">
+    <a:lvl3pPr marR="0" lvl="2" algn="l" rtl="0">
       <a:lnSpc>
         <a:spcPct val="100000"/>
       </a:lnSpc>
@@ -109,7 +114,7 @@
         <a:srgbClr val="000000"/>
       </a:buClr>
       <a:buFont typeface="Arial"/>
-      <a:defRPr b="0" i="0" sz="1400" u="none" cap="none" strike="noStrike">
+      <a:defRPr sz="1400" b="0" i="0" u="none" strike="noStrike" cap="none">
         <a:solidFill>
           <a:srgbClr val="000000"/>
         </a:solidFill>
@@ -119,7 +124,7 @@
         <a:sym typeface="Arial"/>
       </a:defRPr>
     </a:lvl3pPr>
-    <a:lvl4pPr lvl="3" marR="0" rtl="0" algn="l">
+    <a:lvl4pPr marR="0" lvl="3" algn="l" rtl="0">
       <a:lnSpc>
         <a:spcPct val="100000"/>
       </a:lnSpc>
@@ -133,7 +138,7 @@
         <a:srgbClr val="000000"/>
       </a:buClr>
       <a:buFont typeface="Arial"/>
-      <a:defRPr b="0" i="0" sz="1400" u="none" cap="none" strike="noStrike">
+      <a:defRPr sz="1400" b="0" i="0" u="none" strike="noStrike" cap="none">
         <a:solidFill>
           <a:srgbClr val="000000"/>
         </a:solidFill>
@@ -143,7 +148,7 @@
         <a:sym typeface="Arial"/>
       </a:defRPr>
     </a:lvl4pPr>
-    <a:lvl5pPr lvl="4" marR="0" rtl="0" algn="l">
+    <a:lvl5pPr marR="0" lvl="4" algn="l" rtl="0">
       <a:lnSpc>
         <a:spcPct val="100000"/>
       </a:lnSpc>
@@ -157,7 +162,7 @@
         <a:srgbClr val="000000"/>
       </a:buClr>
       <a:buFont typeface="Arial"/>
-      <a:defRPr b="0" i="0" sz="1400" u="none" cap="none" strike="noStrike">
+      <a:defRPr sz="1400" b="0" i="0" u="none" strike="noStrike" cap="none">
         <a:solidFill>
           <a:srgbClr val="000000"/>
         </a:solidFill>
@@ -167,7 +172,7 @@
         <a:sym typeface="Arial"/>
       </a:defRPr>
     </a:lvl5pPr>
-    <a:lvl6pPr lvl="5" marR="0" rtl="0" algn="l">
+    <a:lvl6pPr marR="0" lvl="5" algn="l" rtl="0">
       <a:lnSpc>
         <a:spcPct val="100000"/>
       </a:lnSpc>
@@ -181,7 +186,7 @@
         <a:srgbClr val="000000"/>
       </a:buClr>
       <a:buFont typeface="Arial"/>
-      <a:defRPr b="0" i="0" sz="1400" u="none" cap="none" strike="noStrike">
+      <a:defRPr sz="1400" b="0" i="0" u="none" strike="noStrike" cap="none">
         <a:solidFill>
           <a:srgbClr val="000000"/>
         </a:solidFill>
@@ -191,7 +196,7 @@
         <a:sym typeface="Arial"/>
       </a:defRPr>
     </a:lvl6pPr>
-    <a:lvl7pPr lvl="6" marR="0" rtl="0" algn="l">
+    <a:lvl7pPr marR="0" lvl="6" algn="l" rtl="0">
       <a:lnSpc>
         <a:spcPct val="100000"/>
       </a:lnSpc>
@@ -205,7 +210,7 @@
         <a:srgbClr val="000000"/>
       </a:buClr>
       <a:buFont typeface="Arial"/>
-      <a:defRPr b="0" i="0" sz="1400" u="none" cap="none" strike="noStrike">
+      <a:defRPr sz="1400" b="0" i="0" u="none" strike="noStrike" cap="none">
         <a:solidFill>
           <a:srgbClr val="000000"/>
         </a:solidFill>
@@ -215,7 +220,7 @@
         <a:sym typeface="Arial"/>
       </a:defRPr>
     </a:lvl7pPr>
-    <a:lvl8pPr lvl="7" marR="0" rtl="0" algn="l">
+    <a:lvl8pPr marR="0" lvl="7" algn="l" rtl="0">
       <a:lnSpc>
         <a:spcPct val="100000"/>
       </a:lnSpc>
@@ -229,7 +234,7 @@
         <a:srgbClr val="000000"/>
       </a:buClr>
       <a:buFont typeface="Arial"/>
-      <a:defRPr b="0" i="0" sz="1400" u="none" cap="none" strike="noStrike">
+      <a:defRPr sz="1400" b="0" i="0" u="none" strike="noStrike" cap="none">
         <a:solidFill>
           <a:srgbClr val="000000"/>
         </a:solidFill>
@@ -239,7 +244,7 @@
         <a:sym typeface="Arial"/>
       </a:defRPr>
     </a:lvl8pPr>
-    <a:lvl9pPr lvl="8" marR="0" rtl="0" algn="l">
+    <a:lvl9pPr marR="0" lvl="8" algn="l" rtl="0">
       <a:lnSpc>
         <a:spcPct val="100000"/>
       </a:lnSpc>
@@ -253,7 +258,7 @@
         <a:srgbClr val="000000"/>
       </a:buClr>
       <a:buFont typeface="Arial"/>
-      <a:defRPr b="0" i="0" sz="1400" u="none" cap="none" strike="noStrike">
+      <a:defRPr sz="1400" b="0" i="0" u="none" strike="noStrike" cap="none">
         <a:solidFill>
           <a:srgbClr val="000000"/>
         </a:solidFill>
@@ -266,7 +271,7 @@
   </p:defaultTextStyle>
   <p:extLst>
     <p:ext uri="{EFAFB233-063F-42B5-8137-9DF3F51BA10A}">
-      <p15:sldGuideLst>
+      <p15:sldGuideLst xmlns:p15="http://schemas.microsoft.com/office/powerpoint/2012/main">
         <p15:guide id="1" orient="horz" pos="1620">
           <p15:clr>
             <a:srgbClr val="747775"/>
@@ -283,12 +288,26 @@
 </p:presentation>
 </file>
 
+<file path=ppt/revisionInfo.xml><?xml version="1.0" encoding="utf-8"?>
+<p1510:revInfo xmlns:a="http://schemas.openxmlformats.org/drawingml/2006/main" xmlns:r="http://schemas.openxmlformats.org/officeDocument/2006/relationships" xmlns:p1510="http://schemas.microsoft.com/office/powerpoint/2015/10/main">
+  <p1510:revLst>
+    <p1510:client id="{082AB48A-230B-6419-C9CF-53B6FD59654F}" v="168" dt="2026-01-29T14:59:02.349"/>
+    <p1510:client id="{15EE85DD-AE7D-1E24-9DEB-A7009D84CD8F}" v="11" dt="2026-01-29T18:00:52.047"/>
+  </p1510:revLst>
+</p1510:revInfo>
+</file>
+
 <file path=ppt/notesMasters/notesMaster1.xml><?xml version="1.0" encoding="utf-8"?>
-<p:notesMaster xmlns:a="http://schemas.openxmlformats.org/drawingml/2006/main" xmlns:r="http://schemas.openxmlformats.org/officeDocument/2006/relationships" xmlns:mc="http://schemas.openxmlformats.org/markup-compatibility/2006" xmlns:mv="urn:schemas-microsoft-com:mac:vml" xmlns:p="http://schemas.openxmlformats.org/presentationml/2006/main" xmlns:c="http://schemas.openxmlformats.org/drawingml/2006/chart" xmlns:dgm="http://schemas.openxmlformats.org/drawingml/2006/diagram" xmlns:o="urn:schemas-microsoft-com:office:office" xmlns:v="urn:schemas-microsoft-com:vml" xmlns:pvml="urn:schemas-microsoft-com:office:powerpoint" xmlns:com="http://schemas.openxmlformats.org/drawingml/2006/compatibility" xmlns:p14="http://schemas.microsoft.com/office/powerpoint/2010/main" xmlns:p15="http://schemas.microsoft.com/office/powerpoint/2012/main" xmlns:ahyp="http://schemas.microsoft.com/office/drawing/2018/hyperlinkcolor">
+<p:notesMaster xmlns:a="http://schemas.openxmlformats.org/drawingml/2006/main" xmlns:r="http://schemas.openxmlformats.org/officeDocument/2006/relationships" xmlns:p="http://schemas.openxmlformats.org/presentationml/2006/main">
   <p:cSld>
+    <p:bg>
+      <p:bgRef idx="1001">
+        <a:schemeClr val="bg1"/>
+      </p:bgRef>
+    </p:bg>
     <p:spTree>
       <p:nvGrpSpPr>
-        <p:cNvPr id="2" name="Shape 2"/>
+        <p:cNvPr id="1" name="Shape 2"/>
         <p:cNvGrpSpPr/>
         <p:nvPr/>
       </p:nvGrpSpPr>
@@ -303,9 +322,11 @@
       <p:sp>
         <p:nvSpPr>
           <p:cNvPr id="3" name="Google Shape;3;n"/>
-          <p:cNvSpPr/>
+          <p:cNvSpPr>
+            <a:spLocks noGrp="1" noRot="1" noChangeAspect="1"/>
+          </p:cNvSpPr>
           <p:nvPr>
-            <p:ph idx="2" type="sldImg"/>
+            <p:ph type="sldImg" idx="2"/>
           </p:nvPr>
         </p:nvSpPr>
         <p:spPr>
@@ -314,9 +335,13 @@
             <a:ext cx="6096075" cy="3429000"/>
           </a:xfrm>
           <a:custGeom>
-            <a:rect b="b" l="l" r="r" t="t"/>
+            <a:avLst/>
+            <a:gdLst/>
+            <a:ahLst/>
+            <a:cxnLst/>
+            <a:rect l="l" t="t" r="r" b="b"/>
             <a:pathLst>
-              <a:path extrusionOk="0" h="120000" w="120000">
+              <a:path w="120000" h="120000" extrusionOk="0">
                 <a:moveTo>
                   <a:pt x="0" y="0"/>
                 </a:moveTo>
@@ -334,23 +359,25 @@
             </a:pathLst>
           </a:custGeom>
           <a:noFill/>
-          <a:ln cap="flat" cmpd="sng" w="9525">
+          <a:ln w="9525" cap="flat" cmpd="sng">
             <a:solidFill>
               <a:srgbClr val="000000"/>
             </a:solidFill>
             <a:prstDash val="solid"/>
             <a:round/>
-            <a:headEnd len="sm" w="sm" type="none"/>
-            <a:tailEnd len="sm" w="sm" type="none"/>
+            <a:headEnd type="none" w="sm" len="sm"/>
+            <a:tailEnd type="none" w="sm" len="sm"/>
           </a:ln>
         </p:spPr>
       </p:sp>
       <p:sp>
         <p:nvSpPr>
           <p:cNvPr id="4" name="Google Shape;4;n"/>
-          <p:cNvSpPr txBox="1"/>
+          <p:cNvSpPr txBox="1">
+            <a:spLocks noGrp="1"/>
+          </p:cNvSpPr>
           <p:nvPr>
-            <p:ph idx="1" type="body"/>
+            <p:ph type="body" idx="1"/>
           </p:nvPr>
         </p:nvSpPr>
         <p:spPr>
@@ -367,11 +394,11 @@
           </a:ln>
         </p:spPr>
         <p:txBody>
-          <a:bodyPr anchorCtr="0" anchor="t" bIns="91425" lIns="91425" spcFirstLastPara="1" rIns="91425" wrap="square" tIns="91425">
+          <a:bodyPr spcFirstLastPara="1" wrap="square" lIns="91425" tIns="91425" rIns="91425" bIns="91425" anchor="t" anchorCtr="0">
             <a:noAutofit/>
           </a:bodyPr>
           <a:lstStyle>
-            <a:lvl1pPr indent="-298450" lvl="0" marL="457200">
+            <a:lvl1pPr marL="457200" lvl="0" indent="-298450">
               <a:spcBef>
                 <a:spcPts val="0"/>
               </a:spcBef>
@@ -382,7 +409,7 @@
               <a:buChar char="●"/>
               <a:defRPr sz="1100"/>
             </a:lvl1pPr>
-            <a:lvl2pPr indent="-298450" lvl="1" marL="914400">
+            <a:lvl2pPr marL="914400" lvl="1" indent="-298450">
               <a:spcBef>
                 <a:spcPts val="0"/>
               </a:spcBef>
@@ -393,7 +420,7 @@
               <a:buChar char="○"/>
               <a:defRPr sz="1100"/>
             </a:lvl2pPr>
-            <a:lvl3pPr indent="-298450" lvl="2" marL="1371600">
+            <a:lvl3pPr marL="1371600" lvl="2" indent="-298450">
               <a:spcBef>
                 <a:spcPts val="0"/>
               </a:spcBef>
@@ -404,7 +431,7 @@
               <a:buChar char="■"/>
               <a:defRPr sz="1100"/>
             </a:lvl3pPr>
-            <a:lvl4pPr indent="-298450" lvl="3" marL="1828800">
+            <a:lvl4pPr marL="1828800" lvl="3" indent="-298450">
               <a:spcBef>
                 <a:spcPts val="0"/>
               </a:spcBef>
@@ -415,7 +442,7 @@
               <a:buChar char="●"/>
               <a:defRPr sz="1100"/>
             </a:lvl4pPr>
-            <a:lvl5pPr indent="-298450" lvl="4" marL="2286000">
+            <a:lvl5pPr marL="2286000" lvl="4" indent="-298450">
               <a:spcBef>
                 <a:spcPts val="0"/>
               </a:spcBef>
@@ -426,7 +453,7 @@
               <a:buChar char="○"/>
               <a:defRPr sz="1100"/>
             </a:lvl5pPr>
-            <a:lvl6pPr indent="-298450" lvl="5" marL="2743200">
+            <a:lvl6pPr marL="2743200" lvl="5" indent="-298450">
               <a:spcBef>
                 <a:spcPts val="0"/>
               </a:spcBef>
@@ -437,7 +464,7 @@
               <a:buChar char="■"/>
               <a:defRPr sz="1100"/>
             </a:lvl6pPr>
-            <a:lvl7pPr indent="-298450" lvl="6" marL="3200400">
+            <a:lvl7pPr marL="3200400" lvl="6" indent="-298450">
               <a:spcBef>
                 <a:spcPts val="0"/>
               </a:spcBef>
@@ -448,7 +475,7 @@
               <a:buChar char="●"/>
               <a:defRPr sz="1100"/>
             </a:lvl7pPr>
-            <a:lvl8pPr indent="-298450" lvl="7" marL="3657600">
+            <a:lvl8pPr marL="3657600" lvl="7" indent="-298450">
               <a:spcBef>
                 <a:spcPts val="0"/>
               </a:spcBef>
@@ -459,7 +486,7 @@
               <a:buChar char="○"/>
               <a:defRPr sz="1100"/>
             </a:lvl8pPr>
-            <a:lvl9pPr indent="-298450" lvl="8" marL="4114800">
+            <a:lvl9pPr marL="4114800" lvl="8" indent="-298450">
               <a:spcBef>
                 <a:spcPts val="0"/>
               </a:spcBef>
@@ -471,14 +498,16 @@
               <a:defRPr sz="1100"/>
             </a:lvl9pPr>
           </a:lstStyle>
-          <a:p/>
+          <a:p>
+            <a:endParaRPr/>
+          </a:p>
         </p:txBody>
       </p:sp>
     </p:spTree>
   </p:cSld>
-  <p:clrMap accent1="accent1" accent2="accent2" accent3="accent3" accent4="accent4" accent5="accent5" accent6="accent6" bg1="lt1" bg2="dk2" tx1="dk1" tx2="lt2" folHlink="folHlink" hlink="hlink"/>
+  <p:clrMap bg1="lt1" tx1="dk1" bg2="dk2" tx2="lt2" accent1="accent1" accent2="accent2" accent3="accent3" accent4="accent4" accent5="accent5" accent6="accent6" hlink="hlink" folHlink="folHlink"/>
   <p:notesStyle>
-    <a:defPPr lvl="0" marR="0" rtl="0" algn="l">
+    <a:defPPr marR="0" lvl="0" algn="l" rtl="0">
       <a:lnSpc>
         <a:spcPct val="100000"/>
       </a:lnSpc>
@@ -489,7 +518,7 @@
         <a:spcPts val="0"/>
       </a:spcAft>
     </a:defPPr>
-    <a:lvl1pPr lvl="0" marR="0" rtl="0" algn="l">
+    <a:lvl1pPr marR="0" lvl="0" algn="l" rtl="0">
       <a:lnSpc>
         <a:spcPct val="100000"/>
       </a:lnSpc>
@@ -503,7 +532,7 @@
         <a:srgbClr val="000000"/>
       </a:buClr>
       <a:buFont typeface="Arial"/>
-      <a:defRPr b="0" i="0" sz="1400" u="none" cap="none" strike="noStrike">
+      <a:defRPr sz="1400" b="0" i="0" u="none" strike="noStrike" cap="none">
         <a:solidFill>
           <a:srgbClr val="000000"/>
         </a:solidFill>
@@ -513,7 +542,7 @@
         <a:sym typeface="Arial"/>
       </a:defRPr>
     </a:lvl1pPr>
-    <a:lvl2pPr lvl="1" marR="0" rtl="0" algn="l">
+    <a:lvl2pPr marR="0" lvl="1" algn="l" rtl="0">
       <a:lnSpc>
         <a:spcPct val="100000"/>
       </a:lnSpc>
@@ -527,7 +556,7 @@
         <a:srgbClr val="000000"/>
       </a:buClr>
       <a:buFont typeface="Arial"/>
-      <a:defRPr b="0" i="0" sz="1400" u="none" cap="none" strike="noStrike">
+      <a:defRPr sz="1400" b="0" i="0" u="none" strike="noStrike" cap="none">
         <a:solidFill>
           <a:srgbClr val="000000"/>
         </a:solidFill>
@@ -537,7 +566,7 @@
         <a:sym typeface="Arial"/>
       </a:defRPr>
     </a:lvl2pPr>
-    <a:lvl3pPr lvl="2" marR="0" rtl="0" algn="l">
+    <a:lvl3pPr marR="0" lvl="2" algn="l" rtl="0">
       <a:lnSpc>
         <a:spcPct val="100000"/>
       </a:lnSpc>
@@ -551,7 +580,7 @@
         <a:srgbClr val="000000"/>
       </a:buClr>
       <a:buFont typeface="Arial"/>
-      <a:defRPr b="0" i="0" sz="1400" u="none" cap="none" strike="noStrike">
+      <a:defRPr sz="1400" b="0" i="0" u="none" strike="noStrike" cap="none">
         <a:solidFill>
           <a:srgbClr val="000000"/>
         </a:solidFill>
@@ -561,7 +590,7 @@
         <a:sym typeface="Arial"/>
       </a:defRPr>
     </a:lvl3pPr>
-    <a:lvl4pPr lvl="3" marR="0" rtl="0" algn="l">
+    <a:lvl4pPr marR="0" lvl="3" algn="l" rtl="0">
       <a:lnSpc>
         <a:spcPct val="100000"/>
       </a:lnSpc>
@@ -575,7 +604,7 @@
         <a:srgbClr val="000000"/>
       </a:buClr>
       <a:buFont typeface="Arial"/>
-      <a:defRPr b="0" i="0" sz="1400" u="none" cap="none" strike="noStrike">
+      <a:defRPr sz="1400" b="0" i="0" u="none" strike="noStrike" cap="none">
         <a:solidFill>
           <a:srgbClr val="000000"/>
         </a:solidFill>
@@ -585,7 +614,7 @@
         <a:sym typeface="Arial"/>
       </a:defRPr>
     </a:lvl4pPr>
-    <a:lvl5pPr lvl="4" marR="0" rtl="0" algn="l">
+    <a:lvl5pPr marR="0" lvl="4" algn="l" rtl="0">
       <a:lnSpc>
         <a:spcPct val="100000"/>
       </a:lnSpc>
@@ -599,7 +628,7 @@
         <a:srgbClr val="000000"/>
       </a:buClr>
       <a:buFont typeface="Arial"/>
-      <a:defRPr b="0" i="0" sz="1400" u="none" cap="none" strike="noStrike">
+      <a:defRPr sz="1400" b="0" i="0" u="none" strike="noStrike" cap="none">
         <a:solidFill>
           <a:srgbClr val="000000"/>
         </a:solidFill>
@@ -609,7 +638,7 @@
         <a:sym typeface="Arial"/>
       </a:defRPr>
     </a:lvl5pPr>
-    <a:lvl6pPr lvl="5" marR="0" rtl="0" algn="l">
+    <a:lvl6pPr marR="0" lvl="5" algn="l" rtl="0">
       <a:lnSpc>
         <a:spcPct val="100000"/>
       </a:lnSpc>
@@ -623,7 +652,7 @@
         <a:srgbClr val="000000"/>
       </a:buClr>
       <a:buFont typeface="Arial"/>
-      <a:defRPr b="0" i="0" sz="1400" u="none" cap="none" strike="noStrike">
+      <a:defRPr sz="1400" b="0" i="0" u="none" strike="noStrike" cap="none">
         <a:solidFill>
           <a:srgbClr val="000000"/>
         </a:solidFill>
@@ -633,7 +662,7 @@
         <a:sym typeface="Arial"/>
       </a:defRPr>
     </a:lvl6pPr>
-    <a:lvl7pPr lvl="6" marR="0" rtl="0" algn="l">
+    <a:lvl7pPr marR="0" lvl="6" algn="l" rtl="0">
       <a:lnSpc>
         <a:spcPct val="100000"/>
       </a:lnSpc>
@@ -647,7 +676,7 @@
         <a:srgbClr val="000000"/>
       </a:buClr>
       <a:buFont typeface="Arial"/>
-      <a:defRPr b="0" i="0" sz="1400" u="none" cap="none" strike="noStrike">
+      <a:defRPr sz="1400" b="0" i="0" u="none" strike="noStrike" cap="none">
         <a:solidFill>
           <a:srgbClr val="000000"/>
         </a:solidFill>
@@ -657,7 +686,7 @@
         <a:sym typeface="Arial"/>
       </a:defRPr>
     </a:lvl7pPr>
-    <a:lvl8pPr lvl="7" marR="0" rtl="0" algn="l">
+    <a:lvl8pPr marR="0" lvl="7" algn="l" rtl="0">
       <a:lnSpc>
         <a:spcPct val="100000"/>
       </a:lnSpc>
@@ -671,7 +700,7 @@
         <a:srgbClr val="000000"/>
       </a:buClr>
       <a:buFont typeface="Arial"/>
-      <a:defRPr b="0" i="0" sz="1400" u="none" cap="none" strike="noStrike">
+      <a:defRPr sz="1400" b="0" i="0" u="none" strike="noStrike" cap="none">
         <a:solidFill>
           <a:srgbClr val="000000"/>
         </a:solidFill>
@@ -681,7 +710,7 @@
         <a:sym typeface="Arial"/>
       </a:defRPr>
     </a:lvl8pPr>
-    <a:lvl9pPr lvl="8" marR="0" rtl="0" algn="l">
+    <a:lvl9pPr marR="0" lvl="8" algn="l" rtl="0">
       <a:lnSpc>
         <a:spcPct val="100000"/>
       </a:lnSpc>
@@ -695,7 +724,7 @@
         <a:srgbClr val="000000"/>
       </a:buClr>
       <a:buFont typeface="Arial"/>
-      <a:defRPr b="0" i="0" sz="1400" u="none" cap="none" strike="noStrike">
+      <a:defRPr sz="1400" b="0" i="0" u="none" strike="noStrike" cap="none">
         <a:solidFill>
           <a:srgbClr val="000000"/>
         </a:solidFill>
@@ -710,11 +739,11 @@
 </file>
 
 <file path=ppt/notesSlides/notesSlide1.xml><?xml version="1.0" encoding="utf-8"?>
-<p:notes xmlns:a="http://schemas.openxmlformats.org/drawingml/2006/main" xmlns:r="http://schemas.openxmlformats.org/officeDocument/2006/relationships" xmlns:mc="http://schemas.openxmlformats.org/markup-compatibility/2006" xmlns:mv="urn:schemas-microsoft-com:mac:vml" xmlns:p="http://schemas.openxmlformats.org/presentationml/2006/main" xmlns:c="http://schemas.openxmlformats.org/drawingml/2006/chart" xmlns:dgm="http://schemas.openxmlformats.org/drawingml/2006/diagram" xmlns:o="urn:schemas-microsoft-com:office:office" xmlns:v="urn:schemas-microsoft-com:vml" xmlns:pvml="urn:schemas-microsoft-com:office:powerpoint" xmlns:com="http://schemas.openxmlformats.org/drawingml/2006/compatibility" xmlns:p14="http://schemas.microsoft.com/office/powerpoint/2010/main" xmlns:p15="http://schemas.microsoft.com/office/powerpoint/2012/main" xmlns:ahyp="http://schemas.microsoft.com/office/drawing/2018/hyperlinkcolor" showMasterPhAnim="0" showMasterSp="0">
+<p:notes xmlns:a="http://schemas.openxmlformats.org/drawingml/2006/main" xmlns:r="http://schemas.openxmlformats.org/officeDocument/2006/relationships" xmlns:p="http://schemas.openxmlformats.org/presentationml/2006/main" showMasterSp="0" showMasterPhAnim="0">
   <p:cSld>
     <p:spTree>
       <p:nvGrpSpPr>
-        <p:cNvPr id="52" name="Shape 52"/>
+        <p:cNvPr id="1" name="Shape 52"/>
         <p:cNvGrpSpPr/>
         <p:nvPr/>
       </p:nvGrpSpPr>
@@ -729,9 +758,11 @@
       <p:sp>
         <p:nvSpPr>
           <p:cNvPr id="53" name="Google Shape;53;p:notes"/>
-          <p:cNvSpPr/>
+          <p:cNvSpPr>
+            <a:spLocks noGrp="1" noRot="1" noChangeAspect="1"/>
+          </p:cNvSpPr>
           <p:nvPr>
-            <p:ph idx="2" type="sldImg"/>
+            <p:ph type="sldImg" idx="2"/>
           </p:nvPr>
         </p:nvSpPr>
         <p:spPr>
@@ -740,9 +771,13 @@
             <a:ext cx="6096075" cy="3429000"/>
           </a:xfrm>
           <a:custGeom>
-            <a:rect b="b" l="l" r="r" t="t"/>
+            <a:avLst/>
+            <a:gdLst/>
+            <a:ahLst/>
+            <a:cxnLst/>
+            <a:rect l="l" t="t" r="r" b="b"/>
             <a:pathLst>
-              <a:path extrusionOk="0" h="120000" w="120000">
+              <a:path w="120000" h="120000" extrusionOk="0">
                 <a:moveTo>
                   <a:pt x="0" y="0"/>
                 </a:moveTo>
@@ -764,9 +799,11 @@
       <p:sp>
         <p:nvSpPr>
           <p:cNvPr id="54" name="Google Shape;54;p:notes"/>
-          <p:cNvSpPr txBox="1"/>
+          <p:cNvSpPr txBox="1">
+            <a:spLocks noGrp="1"/>
+          </p:cNvSpPr>
           <p:nvPr>
-            <p:ph idx="1" type="body"/>
+            <p:ph type="body" idx="1"/>
           </p:nvPr>
         </p:nvSpPr>
         <p:spPr>
@@ -779,12 +816,12 @@
           </a:prstGeom>
         </p:spPr>
         <p:txBody>
-          <a:bodyPr anchorCtr="0" anchor="t" bIns="91425" lIns="91425" spcFirstLastPara="1" rIns="91425" wrap="square" tIns="91425">
+          <a:bodyPr spcFirstLastPara="1" wrap="square" lIns="91425" tIns="91425" rIns="91425" bIns="91425" anchor="t" anchorCtr="0">
             <a:noAutofit/>
           </a:bodyPr>
           <a:lstStyle/>
           <a:p>
-            <a:pPr indent="0" lvl="0" marL="0" rtl="0" algn="l">
+            <a:pPr marL="0" lvl="0" indent="0" algn="l" rtl="0">
               <a:spcBef>
                 <a:spcPts val="0"/>
               </a:spcBef>
@@ -793,9 +830,468 @@
               </a:spcAft>
               <a:buNone/>
             </a:pPr>
-            <a:r>
-              <a:t/>
-            </a:r>
+            <a:endParaRPr/>
+          </a:p>
+        </p:txBody>
+      </p:sp>
+    </p:spTree>
+  </p:cSld>
+  <p:clrMapOvr>
+    <a:masterClrMapping/>
+  </p:clrMapOvr>
+</p:notes>
+</file>
+
+<file path=ppt/notesSlides/notesSlide10.xml><?xml version="1.0" encoding="utf-8"?>
+<p:notes xmlns:a="http://schemas.openxmlformats.org/drawingml/2006/main" xmlns:r="http://schemas.openxmlformats.org/officeDocument/2006/relationships" xmlns:p="http://schemas.openxmlformats.org/presentationml/2006/main" showMasterSp="0" showMasterPhAnim="0">
+  <p:cSld>
+    <p:spTree>
+      <p:nvGrpSpPr>
+        <p:cNvPr id="1" name="Shape 85">
+          <a:extLst>
+            <a:ext uri="{FF2B5EF4-FFF2-40B4-BE49-F238E27FC236}">
+              <a16:creationId xmlns:a16="http://schemas.microsoft.com/office/drawing/2014/main" id="{6D7903BB-6835-7FCA-8BE0-D06DFA33C49B}"/>
+            </a:ext>
+          </a:extLst>
+        </p:cNvPr>
+        <p:cNvGrpSpPr/>
+        <p:nvPr/>
+      </p:nvGrpSpPr>
+      <p:grpSpPr>
+        <a:xfrm>
+          <a:off x="0" y="0"/>
+          <a:ext cx="0" cy="0"/>
+          <a:chOff x="0" y="0"/>
+          <a:chExt cx="0" cy="0"/>
+        </a:xfrm>
+      </p:grpSpPr>
+      <p:sp>
+        <p:nvSpPr>
+          <p:cNvPr id="86" name="Google Shape;86;g392daf70c38_0_26:notes">
+            <a:extLst>
+              <a:ext uri="{FF2B5EF4-FFF2-40B4-BE49-F238E27FC236}">
+                <a16:creationId xmlns:a16="http://schemas.microsoft.com/office/drawing/2014/main" id="{034B0CF6-CB3B-9A03-F121-603A77F3A5E9}"/>
+              </a:ext>
+            </a:extLst>
+          </p:cNvPr>
+          <p:cNvSpPr>
+            <a:spLocks noGrp="1" noRot="1" noChangeAspect="1"/>
+          </p:cNvSpPr>
+          <p:nvPr>
+            <p:ph type="sldImg" idx="2"/>
+          </p:nvPr>
+        </p:nvSpPr>
+        <p:spPr>
+          <a:xfrm>
+            <a:off x="381000" y="685800"/>
+            <a:ext cx="6096000" cy="3429000"/>
+          </a:xfrm>
+          <a:custGeom>
+            <a:avLst/>
+            <a:gdLst/>
+            <a:ahLst/>
+            <a:cxnLst/>
+            <a:rect l="l" t="t" r="r" b="b"/>
+            <a:pathLst>
+              <a:path w="120000" h="120000" extrusionOk="0">
+                <a:moveTo>
+                  <a:pt x="0" y="0"/>
+                </a:moveTo>
+                <a:lnTo>
+                  <a:pt x="120000" y="0"/>
+                </a:lnTo>
+                <a:lnTo>
+                  <a:pt x="120000" y="120000"/>
+                </a:lnTo>
+                <a:lnTo>
+                  <a:pt x="0" y="120000"/>
+                </a:lnTo>
+                <a:close/>
+              </a:path>
+            </a:pathLst>
+          </a:custGeom>
+        </p:spPr>
+      </p:sp>
+      <p:sp>
+        <p:nvSpPr>
+          <p:cNvPr id="87" name="Google Shape;87;g392daf70c38_0_26:notes">
+            <a:extLst>
+              <a:ext uri="{FF2B5EF4-FFF2-40B4-BE49-F238E27FC236}">
+                <a16:creationId xmlns:a16="http://schemas.microsoft.com/office/drawing/2014/main" id="{757CB28C-F7EB-1C5E-3366-8A3C60988187}"/>
+              </a:ext>
+            </a:extLst>
+          </p:cNvPr>
+          <p:cNvSpPr txBox="1">
+            <a:spLocks noGrp="1"/>
+          </p:cNvSpPr>
+          <p:nvPr>
+            <p:ph type="body" idx="1"/>
+          </p:nvPr>
+        </p:nvSpPr>
+        <p:spPr>
+          <a:xfrm>
+            <a:off x="685800" y="4343400"/>
+            <a:ext cx="5486400" cy="4114800"/>
+          </a:xfrm>
+          <a:prstGeom prst="rect">
+            <a:avLst/>
+          </a:prstGeom>
+        </p:spPr>
+        <p:txBody>
+          <a:bodyPr spcFirstLastPara="1" wrap="square" lIns="91425" tIns="91425" rIns="91425" bIns="91425" anchor="t" anchorCtr="0">
+            <a:noAutofit/>
+          </a:bodyPr>
+          <a:lstStyle/>
+          <a:p>
+            <a:pPr marL="0" lvl="0" indent="0" algn="l" rtl="0">
+              <a:spcBef>
+                <a:spcPts val="0"/>
+              </a:spcBef>
+              <a:spcAft>
+                <a:spcPts val="0"/>
+              </a:spcAft>
+              <a:buNone/>
+            </a:pPr>
+            <a:endParaRPr/>
+          </a:p>
+        </p:txBody>
+      </p:sp>
+    </p:spTree>
+    <p:extLst>
+      <p:ext uri="{BB962C8B-B14F-4D97-AF65-F5344CB8AC3E}">
+        <p14:creationId xmlns:p14="http://schemas.microsoft.com/office/powerpoint/2010/main" val="2156924084"/>
+      </p:ext>
+    </p:extLst>
+  </p:cSld>
+  <p:clrMapOvr>
+    <a:masterClrMapping/>
+  </p:clrMapOvr>
+</p:notes>
+</file>
+
+<file path=ppt/notesSlides/notesSlide11.xml><?xml version="1.0" encoding="utf-8"?>
+<p:notes xmlns:a="http://schemas.openxmlformats.org/drawingml/2006/main" xmlns:r="http://schemas.openxmlformats.org/officeDocument/2006/relationships" xmlns:p="http://schemas.openxmlformats.org/presentationml/2006/main" showMasterSp="0" showMasterPhAnim="0">
+  <p:cSld>
+    <p:spTree>
+      <p:nvGrpSpPr>
+        <p:cNvPr id="1" name="Shape 85">
+          <a:extLst>
+            <a:ext uri="{FF2B5EF4-FFF2-40B4-BE49-F238E27FC236}">
+              <a16:creationId xmlns:a16="http://schemas.microsoft.com/office/drawing/2014/main" id="{FBDB2165-3C28-9A44-0C3E-F2EA90CA59D7}"/>
+            </a:ext>
+          </a:extLst>
+        </p:cNvPr>
+        <p:cNvGrpSpPr/>
+        <p:nvPr/>
+      </p:nvGrpSpPr>
+      <p:grpSpPr>
+        <a:xfrm>
+          <a:off x="0" y="0"/>
+          <a:ext cx="0" cy="0"/>
+          <a:chOff x="0" y="0"/>
+          <a:chExt cx="0" cy="0"/>
+        </a:xfrm>
+      </p:grpSpPr>
+      <p:sp>
+        <p:nvSpPr>
+          <p:cNvPr id="86" name="Google Shape;86;g392daf70c38_0_26:notes">
+            <a:extLst>
+              <a:ext uri="{FF2B5EF4-FFF2-40B4-BE49-F238E27FC236}">
+                <a16:creationId xmlns:a16="http://schemas.microsoft.com/office/drawing/2014/main" id="{046ED8F4-CE3F-A95C-C00C-3EC4A2D64421}"/>
+              </a:ext>
+            </a:extLst>
+          </p:cNvPr>
+          <p:cNvSpPr>
+            <a:spLocks noGrp="1" noRot="1" noChangeAspect="1"/>
+          </p:cNvSpPr>
+          <p:nvPr>
+            <p:ph type="sldImg" idx="2"/>
+          </p:nvPr>
+        </p:nvSpPr>
+        <p:spPr>
+          <a:xfrm>
+            <a:off x="381000" y="685800"/>
+            <a:ext cx="6096000" cy="3429000"/>
+          </a:xfrm>
+          <a:custGeom>
+            <a:avLst/>
+            <a:gdLst/>
+            <a:ahLst/>
+            <a:cxnLst/>
+            <a:rect l="l" t="t" r="r" b="b"/>
+            <a:pathLst>
+              <a:path w="120000" h="120000" extrusionOk="0">
+                <a:moveTo>
+                  <a:pt x="0" y="0"/>
+                </a:moveTo>
+                <a:lnTo>
+                  <a:pt x="120000" y="0"/>
+                </a:lnTo>
+                <a:lnTo>
+                  <a:pt x="120000" y="120000"/>
+                </a:lnTo>
+                <a:lnTo>
+                  <a:pt x="0" y="120000"/>
+                </a:lnTo>
+                <a:close/>
+              </a:path>
+            </a:pathLst>
+          </a:custGeom>
+        </p:spPr>
+      </p:sp>
+      <p:sp>
+        <p:nvSpPr>
+          <p:cNvPr id="87" name="Google Shape;87;g392daf70c38_0_26:notes">
+            <a:extLst>
+              <a:ext uri="{FF2B5EF4-FFF2-40B4-BE49-F238E27FC236}">
+                <a16:creationId xmlns:a16="http://schemas.microsoft.com/office/drawing/2014/main" id="{25640EFB-D781-0038-BA9C-2D06D49A793B}"/>
+              </a:ext>
+            </a:extLst>
+          </p:cNvPr>
+          <p:cNvSpPr txBox="1">
+            <a:spLocks noGrp="1"/>
+          </p:cNvSpPr>
+          <p:nvPr>
+            <p:ph type="body" idx="1"/>
+          </p:nvPr>
+        </p:nvSpPr>
+        <p:spPr>
+          <a:xfrm>
+            <a:off x="685800" y="4343400"/>
+            <a:ext cx="5486400" cy="4114800"/>
+          </a:xfrm>
+          <a:prstGeom prst="rect">
+            <a:avLst/>
+          </a:prstGeom>
+        </p:spPr>
+        <p:txBody>
+          <a:bodyPr spcFirstLastPara="1" wrap="square" lIns="91425" tIns="91425" rIns="91425" bIns="91425" anchor="t" anchorCtr="0">
+            <a:noAutofit/>
+          </a:bodyPr>
+          <a:lstStyle/>
+          <a:p>
+            <a:pPr marL="0" lvl="0" indent="0" algn="l" rtl="0">
+              <a:spcBef>
+                <a:spcPts val="0"/>
+              </a:spcBef>
+              <a:spcAft>
+                <a:spcPts val="0"/>
+              </a:spcAft>
+              <a:buNone/>
+            </a:pPr>
+            <a:endParaRPr/>
+          </a:p>
+        </p:txBody>
+      </p:sp>
+    </p:spTree>
+    <p:extLst>
+      <p:ext uri="{BB962C8B-B14F-4D97-AF65-F5344CB8AC3E}">
+        <p14:creationId xmlns:p14="http://schemas.microsoft.com/office/powerpoint/2010/main" val="3576708690"/>
+      </p:ext>
+    </p:extLst>
+  </p:cSld>
+  <p:clrMapOvr>
+    <a:masterClrMapping/>
+  </p:clrMapOvr>
+</p:notes>
+</file>
+
+<file path=ppt/notesSlides/notesSlide12.xml><?xml version="1.0" encoding="utf-8"?>
+<p:notes xmlns:a="http://schemas.openxmlformats.org/drawingml/2006/main" xmlns:r="http://schemas.openxmlformats.org/officeDocument/2006/relationships" xmlns:p="http://schemas.openxmlformats.org/presentationml/2006/main" showMasterSp="0" showMasterPhAnim="0">
+  <p:cSld>
+    <p:spTree>
+      <p:nvGrpSpPr>
+        <p:cNvPr id="1" name="Shape 91"/>
+        <p:cNvGrpSpPr/>
+        <p:nvPr/>
+      </p:nvGrpSpPr>
+      <p:grpSpPr>
+        <a:xfrm>
+          <a:off x="0" y="0"/>
+          <a:ext cx="0" cy="0"/>
+          <a:chOff x="0" y="0"/>
+          <a:chExt cx="0" cy="0"/>
+        </a:xfrm>
+      </p:grpSpPr>
+      <p:sp>
+        <p:nvSpPr>
+          <p:cNvPr id="92" name="Google Shape;92;g392daf70c38_0_36:notes"/>
+          <p:cNvSpPr>
+            <a:spLocks noGrp="1" noRot="1" noChangeAspect="1"/>
+          </p:cNvSpPr>
+          <p:nvPr>
+            <p:ph type="sldImg" idx="2"/>
+          </p:nvPr>
+        </p:nvSpPr>
+        <p:spPr>
+          <a:xfrm>
+            <a:off x="381300" y="685800"/>
+            <a:ext cx="6096000" cy="3429000"/>
+          </a:xfrm>
+          <a:custGeom>
+            <a:avLst/>
+            <a:gdLst/>
+            <a:ahLst/>
+            <a:cxnLst/>
+            <a:rect l="l" t="t" r="r" b="b"/>
+            <a:pathLst>
+              <a:path w="120000" h="120000" extrusionOk="0">
+                <a:moveTo>
+                  <a:pt x="0" y="0"/>
+                </a:moveTo>
+                <a:lnTo>
+                  <a:pt x="120000" y="0"/>
+                </a:lnTo>
+                <a:lnTo>
+                  <a:pt x="120000" y="120000"/>
+                </a:lnTo>
+                <a:lnTo>
+                  <a:pt x="0" y="120000"/>
+                </a:lnTo>
+                <a:close/>
+              </a:path>
+            </a:pathLst>
+          </a:custGeom>
+        </p:spPr>
+      </p:sp>
+      <p:sp>
+        <p:nvSpPr>
+          <p:cNvPr id="93" name="Google Shape;93;g392daf70c38_0_36:notes"/>
+          <p:cNvSpPr txBox="1">
+            <a:spLocks noGrp="1"/>
+          </p:cNvSpPr>
+          <p:nvPr>
+            <p:ph type="body" idx="1"/>
+          </p:nvPr>
+        </p:nvSpPr>
+        <p:spPr>
+          <a:xfrm>
+            <a:off x="685800" y="4343400"/>
+            <a:ext cx="5486400" cy="4114800"/>
+          </a:xfrm>
+          <a:prstGeom prst="rect">
+            <a:avLst/>
+          </a:prstGeom>
+        </p:spPr>
+        <p:txBody>
+          <a:bodyPr spcFirstLastPara="1" wrap="square" lIns="91425" tIns="91425" rIns="91425" bIns="91425" anchor="t" anchorCtr="0">
+            <a:noAutofit/>
+          </a:bodyPr>
+          <a:lstStyle/>
+          <a:p>
+            <a:pPr marL="0" lvl="0" indent="0" algn="l" rtl="0">
+              <a:spcBef>
+                <a:spcPts val="0"/>
+              </a:spcBef>
+              <a:spcAft>
+                <a:spcPts val="0"/>
+              </a:spcAft>
+              <a:buNone/>
+            </a:pPr>
+            <a:endParaRPr/>
+          </a:p>
+        </p:txBody>
+      </p:sp>
+    </p:spTree>
+  </p:cSld>
+  <p:clrMapOvr>
+    <a:masterClrMapping/>
+  </p:clrMapOvr>
+</p:notes>
+</file>
+
+<file path=ppt/notesSlides/notesSlide13.xml><?xml version="1.0" encoding="utf-8"?>
+<p:notes xmlns:a="http://schemas.openxmlformats.org/drawingml/2006/main" xmlns:r="http://schemas.openxmlformats.org/officeDocument/2006/relationships" xmlns:p="http://schemas.openxmlformats.org/presentationml/2006/main" showMasterSp="0" showMasterPhAnim="0">
+  <p:cSld>
+    <p:spTree>
+      <p:nvGrpSpPr>
+        <p:cNvPr id="1" name="Shape 97"/>
+        <p:cNvGrpSpPr/>
+        <p:nvPr/>
+      </p:nvGrpSpPr>
+      <p:grpSpPr>
+        <a:xfrm>
+          <a:off x="0" y="0"/>
+          <a:ext cx="0" cy="0"/>
+          <a:chOff x="0" y="0"/>
+          <a:chExt cx="0" cy="0"/>
+        </a:xfrm>
+      </p:grpSpPr>
+      <p:sp>
+        <p:nvSpPr>
+          <p:cNvPr id="98" name="Google Shape;98;g3be16f26d6e_1_11:notes"/>
+          <p:cNvSpPr>
+            <a:spLocks noGrp="1" noRot="1" noChangeAspect="1"/>
+          </p:cNvSpPr>
+          <p:nvPr>
+            <p:ph type="sldImg" idx="2"/>
+          </p:nvPr>
+        </p:nvSpPr>
+        <p:spPr>
+          <a:xfrm>
+            <a:off x="381300" y="685800"/>
+            <a:ext cx="6096000" cy="3429000"/>
+          </a:xfrm>
+          <a:custGeom>
+            <a:avLst/>
+            <a:gdLst/>
+            <a:ahLst/>
+            <a:cxnLst/>
+            <a:rect l="l" t="t" r="r" b="b"/>
+            <a:pathLst>
+              <a:path w="120000" h="120000" extrusionOk="0">
+                <a:moveTo>
+                  <a:pt x="0" y="0"/>
+                </a:moveTo>
+                <a:lnTo>
+                  <a:pt x="120000" y="0"/>
+                </a:lnTo>
+                <a:lnTo>
+                  <a:pt x="120000" y="120000"/>
+                </a:lnTo>
+                <a:lnTo>
+                  <a:pt x="0" y="120000"/>
+                </a:lnTo>
+                <a:close/>
+              </a:path>
+            </a:pathLst>
+          </a:custGeom>
+        </p:spPr>
+      </p:sp>
+      <p:sp>
+        <p:nvSpPr>
+          <p:cNvPr id="99" name="Google Shape;99;g3be16f26d6e_1_11:notes"/>
+          <p:cNvSpPr txBox="1">
+            <a:spLocks noGrp="1"/>
+          </p:cNvSpPr>
+          <p:nvPr>
+            <p:ph type="body" idx="1"/>
+          </p:nvPr>
+        </p:nvSpPr>
+        <p:spPr>
+          <a:xfrm>
+            <a:off x="685800" y="4343400"/>
+            <a:ext cx="5486400" cy="4114800"/>
+          </a:xfrm>
+          <a:prstGeom prst="rect">
+            <a:avLst/>
+          </a:prstGeom>
+        </p:spPr>
+        <p:txBody>
+          <a:bodyPr spcFirstLastPara="1" wrap="square" lIns="91425" tIns="91425" rIns="91425" bIns="91425" anchor="t" anchorCtr="0">
+            <a:noAutofit/>
+          </a:bodyPr>
+          <a:lstStyle/>
+          <a:p>
+            <a:pPr marL="0" lvl="0" indent="0" algn="l" rtl="0">
+              <a:spcBef>
+                <a:spcPts val="0"/>
+              </a:spcBef>
+              <a:spcAft>
+                <a:spcPts val="0"/>
+              </a:spcAft>
+              <a:buNone/>
+            </a:pPr>
             <a:endParaRPr/>
           </a:p>
         </p:txBody>
@@ -809,11 +1305,11 @@
 </file>
 
 <file path=ppt/notesSlides/notesSlide2.xml><?xml version="1.0" encoding="utf-8"?>
-<p:notes xmlns:a="http://schemas.openxmlformats.org/drawingml/2006/main" xmlns:r="http://schemas.openxmlformats.org/officeDocument/2006/relationships" xmlns:mc="http://schemas.openxmlformats.org/markup-compatibility/2006" xmlns:mv="urn:schemas-microsoft-com:mac:vml" xmlns:p="http://schemas.openxmlformats.org/presentationml/2006/main" xmlns:c="http://schemas.openxmlformats.org/drawingml/2006/chart" xmlns:dgm="http://schemas.openxmlformats.org/drawingml/2006/diagram" xmlns:o="urn:schemas-microsoft-com:office:office" xmlns:v="urn:schemas-microsoft-com:vml" xmlns:pvml="urn:schemas-microsoft-com:office:powerpoint" xmlns:com="http://schemas.openxmlformats.org/drawingml/2006/compatibility" xmlns:p14="http://schemas.microsoft.com/office/powerpoint/2010/main" xmlns:p15="http://schemas.microsoft.com/office/powerpoint/2012/main" xmlns:ahyp="http://schemas.microsoft.com/office/drawing/2018/hyperlinkcolor" showMasterPhAnim="0" showMasterSp="0">
+<p:notes xmlns:a="http://schemas.openxmlformats.org/drawingml/2006/main" xmlns:r="http://schemas.openxmlformats.org/officeDocument/2006/relationships" xmlns:p="http://schemas.openxmlformats.org/presentationml/2006/main" showMasterSp="0" showMasterPhAnim="0">
   <p:cSld>
     <p:spTree>
       <p:nvGrpSpPr>
-        <p:cNvPr id="58" name="Shape 58"/>
+        <p:cNvPr id="1" name="Shape 58"/>
         <p:cNvGrpSpPr/>
         <p:nvPr/>
       </p:nvGrpSpPr>
@@ -828,9 +1324,11 @@
       <p:sp>
         <p:nvSpPr>
           <p:cNvPr id="59" name="Google Shape;59;g392daf70c38_0_1:notes"/>
-          <p:cNvSpPr/>
+          <p:cNvSpPr>
+            <a:spLocks noGrp="1" noRot="1" noChangeAspect="1"/>
+          </p:cNvSpPr>
           <p:nvPr>
-            <p:ph idx="2" type="sldImg"/>
+            <p:ph type="sldImg" idx="2"/>
           </p:nvPr>
         </p:nvSpPr>
         <p:spPr>
@@ -839,9 +1337,13 @@
             <a:ext cx="6096000" cy="3429000"/>
           </a:xfrm>
           <a:custGeom>
-            <a:rect b="b" l="l" r="r" t="t"/>
+            <a:avLst/>
+            <a:gdLst/>
+            <a:ahLst/>
+            <a:cxnLst/>
+            <a:rect l="l" t="t" r="r" b="b"/>
             <a:pathLst>
-              <a:path extrusionOk="0" h="120000" w="120000">
+              <a:path w="120000" h="120000" extrusionOk="0">
                 <a:moveTo>
                   <a:pt x="0" y="0"/>
                 </a:moveTo>
@@ -863,9 +1365,11 @@
       <p:sp>
         <p:nvSpPr>
           <p:cNvPr id="60" name="Google Shape;60;g392daf70c38_0_1:notes"/>
-          <p:cNvSpPr txBox="1"/>
+          <p:cNvSpPr txBox="1">
+            <a:spLocks noGrp="1"/>
+          </p:cNvSpPr>
           <p:nvPr>
-            <p:ph idx="1" type="body"/>
+            <p:ph type="body" idx="1"/>
           </p:nvPr>
         </p:nvSpPr>
         <p:spPr>
@@ -878,12 +1382,12 @@
           </a:prstGeom>
         </p:spPr>
         <p:txBody>
-          <a:bodyPr anchorCtr="0" anchor="t" bIns="91425" lIns="91425" spcFirstLastPara="1" rIns="91425" wrap="square" tIns="91425">
+          <a:bodyPr spcFirstLastPara="1" wrap="square" lIns="91425" tIns="91425" rIns="91425" bIns="91425" anchor="t" anchorCtr="0">
             <a:noAutofit/>
           </a:bodyPr>
           <a:lstStyle/>
           <a:p>
-            <a:pPr indent="0" lvl="0" marL="0" rtl="0" algn="l">
+            <a:pPr marL="0" lvl="0" indent="0" algn="l" rtl="0">
               <a:spcBef>
                 <a:spcPts val="0"/>
               </a:spcBef>
@@ -892,9 +1396,6 @@
               </a:spcAft>
               <a:buNone/>
             </a:pPr>
-            <a:r>
-              <a:t/>
-            </a:r>
             <a:endParaRPr/>
           </a:p>
         </p:txBody>
@@ -908,11 +1409,11 @@
 </file>
 
 <file path=ppt/notesSlides/notesSlide3.xml><?xml version="1.0" encoding="utf-8"?>
-<p:notes xmlns:a="http://schemas.openxmlformats.org/drawingml/2006/main" xmlns:r="http://schemas.openxmlformats.org/officeDocument/2006/relationships" xmlns:mc="http://schemas.openxmlformats.org/markup-compatibility/2006" xmlns:mv="urn:schemas-microsoft-com:mac:vml" xmlns:p="http://schemas.openxmlformats.org/presentationml/2006/main" xmlns:c="http://schemas.openxmlformats.org/drawingml/2006/chart" xmlns:dgm="http://schemas.openxmlformats.org/drawingml/2006/diagram" xmlns:o="urn:schemas-microsoft-com:office:office" xmlns:v="urn:schemas-microsoft-com:vml" xmlns:pvml="urn:schemas-microsoft-com:office:powerpoint" xmlns:com="http://schemas.openxmlformats.org/drawingml/2006/compatibility" xmlns:p14="http://schemas.microsoft.com/office/powerpoint/2010/main" xmlns:p15="http://schemas.microsoft.com/office/powerpoint/2012/main" xmlns:ahyp="http://schemas.microsoft.com/office/drawing/2018/hyperlinkcolor" showMasterPhAnim="0" showMasterSp="0">
+<p:notes xmlns:a="http://schemas.openxmlformats.org/drawingml/2006/main" xmlns:r="http://schemas.openxmlformats.org/officeDocument/2006/relationships" xmlns:p="http://schemas.openxmlformats.org/presentationml/2006/main" showMasterSp="0" showMasterPhAnim="0">
   <p:cSld>
     <p:spTree>
       <p:nvGrpSpPr>
-        <p:cNvPr id="64" name="Shape 64"/>
+        <p:cNvPr id="1" name="Shape 64"/>
         <p:cNvGrpSpPr/>
         <p:nvPr/>
       </p:nvGrpSpPr>
@@ -927,9 +1428,11 @@
       <p:sp>
         <p:nvSpPr>
           <p:cNvPr id="65" name="Google Shape;65;g3be16f26d6e_1_1:notes"/>
-          <p:cNvSpPr/>
+          <p:cNvSpPr>
+            <a:spLocks noGrp="1" noRot="1" noChangeAspect="1"/>
+          </p:cNvSpPr>
           <p:nvPr>
-            <p:ph idx="2" type="sldImg"/>
+            <p:ph type="sldImg" idx="2"/>
           </p:nvPr>
         </p:nvSpPr>
         <p:spPr>
@@ -938,9 +1441,13 @@
             <a:ext cx="6096000" cy="3429000"/>
           </a:xfrm>
           <a:custGeom>
-            <a:rect b="b" l="l" r="r" t="t"/>
+            <a:avLst/>
+            <a:gdLst/>
+            <a:ahLst/>
+            <a:cxnLst/>
+            <a:rect l="l" t="t" r="r" b="b"/>
             <a:pathLst>
-              <a:path extrusionOk="0" h="120000" w="120000">
+              <a:path w="120000" h="120000" extrusionOk="0">
                 <a:moveTo>
                   <a:pt x="0" y="0"/>
                 </a:moveTo>
@@ -962,9 +1469,11 @@
       <p:sp>
         <p:nvSpPr>
           <p:cNvPr id="66" name="Google Shape;66;g3be16f26d6e_1_1:notes"/>
-          <p:cNvSpPr txBox="1"/>
+          <p:cNvSpPr txBox="1">
+            <a:spLocks noGrp="1"/>
+          </p:cNvSpPr>
           <p:nvPr>
-            <p:ph idx="1" type="body"/>
+            <p:ph type="body" idx="1"/>
           </p:nvPr>
         </p:nvSpPr>
         <p:spPr>
@@ -977,12 +1486,12 @@
           </a:prstGeom>
         </p:spPr>
         <p:txBody>
-          <a:bodyPr anchorCtr="0" anchor="t" bIns="91425" lIns="91425" spcFirstLastPara="1" rIns="91425" wrap="square" tIns="91425">
+          <a:bodyPr spcFirstLastPara="1" wrap="square" lIns="91425" tIns="91425" rIns="91425" bIns="91425" anchor="t" anchorCtr="0">
             <a:noAutofit/>
           </a:bodyPr>
           <a:lstStyle/>
           <a:p>
-            <a:pPr indent="0" lvl="0" marL="0" rtl="0" algn="l">
+            <a:pPr marL="0" lvl="0" indent="0" algn="l" rtl="0">
               <a:spcBef>
                 <a:spcPts val="0"/>
               </a:spcBef>
@@ -991,9 +1500,6 @@
               </a:spcAft>
               <a:buNone/>
             </a:pPr>
-            <a:r>
-              <a:t/>
-            </a:r>
             <a:endParaRPr/>
           </a:p>
         </p:txBody>
@@ -1007,11 +1513,11 @@
 </file>
 
 <file path=ppt/notesSlides/notesSlide4.xml><?xml version="1.0" encoding="utf-8"?>
-<p:notes xmlns:a="http://schemas.openxmlformats.org/drawingml/2006/main" xmlns:r="http://schemas.openxmlformats.org/officeDocument/2006/relationships" xmlns:mc="http://schemas.openxmlformats.org/markup-compatibility/2006" xmlns:mv="urn:schemas-microsoft-com:mac:vml" xmlns:p="http://schemas.openxmlformats.org/presentationml/2006/main" xmlns:c="http://schemas.openxmlformats.org/drawingml/2006/chart" xmlns:dgm="http://schemas.openxmlformats.org/drawingml/2006/diagram" xmlns:o="urn:schemas-microsoft-com:office:office" xmlns:v="urn:schemas-microsoft-com:vml" xmlns:pvml="urn:schemas-microsoft-com:office:powerpoint" xmlns:com="http://schemas.openxmlformats.org/drawingml/2006/compatibility" xmlns:p14="http://schemas.microsoft.com/office/powerpoint/2010/main" xmlns:p15="http://schemas.microsoft.com/office/powerpoint/2012/main" xmlns:ahyp="http://schemas.microsoft.com/office/drawing/2018/hyperlinkcolor" showMasterPhAnim="0" showMasterSp="0">
+<p:notes xmlns:a="http://schemas.openxmlformats.org/drawingml/2006/main" xmlns:r="http://schemas.openxmlformats.org/officeDocument/2006/relationships" xmlns:p="http://schemas.openxmlformats.org/presentationml/2006/main" showMasterSp="0" showMasterPhAnim="0">
   <p:cSld>
     <p:spTree>
       <p:nvGrpSpPr>
-        <p:cNvPr id="70" name="Shape 70"/>
+        <p:cNvPr id="1" name="Shape 70"/>
         <p:cNvGrpSpPr/>
         <p:nvPr/>
       </p:nvGrpSpPr>
@@ -1026,9 +1532,11 @@
       <p:sp>
         <p:nvSpPr>
           <p:cNvPr id="71" name="Google Shape;71;g3be16f26d6e_1_6:notes"/>
-          <p:cNvSpPr/>
+          <p:cNvSpPr>
+            <a:spLocks noGrp="1" noRot="1" noChangeAspect="1"/>
+          </p:cNvSpPr>
           <p:nvPr>
-            <p:ph idx="2" type="sldImg"/>
+            <p:ph type="sldImg" idx="2"/>
           </p:nvPr>
         </p:nvSpPr>
         <p:spPr>
@@ -1037,9 +1545,13 @@
             <a:ext cx="6096000" cy="3429000"/>
           </a:xfrm>
           <a:custGeom>
-            <a:rect b="b" l="l" r="r" t="t"/>
+            <a:avLst/>
+            <a:gdLst/>
+            <a:ahLst/>
+            <a:cxnLst/>
+            <a:rect l="l" t="t" r="r" b="b"/>
             <a:pathLst>
-              <a:path extrusionOk="0" h="120000" w="120000">
+              <a:path w="120000" h="120000" extrusionOk="0">
                 <a:moveTo>
                   <a:pt x="0" y="0"/>
                 </a:moveTo>
@@ -1061,9 +1573,11 @@
       <p:sp>
         <p:nvSpPr>
           <p:cNvPr id="72" name="Google Shape;72;g3be16f26d6e_1_6:notes"/>
-          <p:cNvSpPr txBox="1"/>
+          <p:cNvSpPr txBox="1">
+            <a:spLocks noGrp="1"/>
+          </p:cNvSpPr>
           <p:nvPr>
-            <p:ph idx="1" type="body"/>
+            <p:ph type="body" idx="1"/>
           </p:nvPr>
         </p:nvSpPr>
         <p:spPr>
@@ -1076,12 +1590,12 @@
           </a:prstGeom>
         </p:spPr>
         <p:txBody>
-          <a:bodyPr anchorCtr="0" anchor="t" bIns="91425" lIns="91425" spcFirstLastPara="1" rIns="91425" wrap="square" tIns="91425">
+          <a:bodyPr spcFirstLastPara="1" wrap="square" lIns="91425" tIns="91425" rIns="91425" bIns="91425" anchor="t" anchorCtr="0">
             <a:noAutofit/>
           </a:bodyPr>
           <a:lstStyle/>
           <a:p>
-            <a:pPr indent="0" lvl="0" marL="0" rtl="0" algn="l">
+            <a:pPr marL="0" lvl="0" indent="0" algn="l" rtl="0">
               <a:spcBef>
                 <a:spcPts val="0"/>
               </a:spcBef>
@@ -1090,9 +1604,6 @@
               </a:spcAft>
               <a:buNone/>
             </a:pPr>
-            <a:r>
-              <a:t/>
-            </a:r>
             <a:endParaRPr/>
           </a:p>
         </p:txBody>
@@ -1106,11 +1617,11 @@
 </file>
 
 <file path=ppt/notesSlides/notesSlide5.xml><?xml version="1.0" encoding="utf-8"?>
-<p:notes xmlns:a="http://schemas.openxmlformats.org/drawingml/2006/main" xmlns:r="http://schemas.openxmlformats.org/officeDocument/2006/relationships" xmlns:mc="http://schemas.openxmlformats.org/markup-compatibility/2006" xmlns:mv="urn:schemas-microsoft-com:mac:vml" xmlns:p="http://schemas.openxmlformats.org/presentationml/2006/main" xmlns:c="http://schemas.openxmlformats.org/drawingml/2006/chart" xmlns:dgm="http://schemas.openxmlformats.org/drawingml/2006/diagram" xmlns:o="urn:schemas-microsoft-com:office:office" xmlns:v="urn:schemas-microsoft-com:vml" xmlns:pvml="urn:schemas-microsoft-com:office:powerpoint" xmlns:com="http://schemas.openxmlformats.org/drawingml/2006/compatibility" xmlns:p14="http://schemas.microsoft.com/office/powerpoint/2010/main" xmlns:p15="http://schemas.microsoft.com/office/powerpoint/2012/main" xmlns:ahyp="http://schemas.microsoft.com/office/drawing/2018/hyperlinkcolor" showMasterPhAnim="0" showMasterSp="0">
+<p:notes xmlns:a="http://schemas.openxmlformats.org/drawingml/2006/main" xmlns:r="http://schemas.openxmlformats.org/officeDocument/2006/relationships" xmlns:p="http://schemas.openxmlformats.org/presentationml/2006/main" showMasterSp="0" showMasterPhAnim="0">
   <p:cSld>
     <p:spTree>
       <p:nvGrpSpPr>
-        <p:cNvPr id="76" name="Shape 76"/>
+        <p:cNvPr id="1" name="Shape 76"/>
         <p:cNvGrpSpPr/>
         <p:nvPr/>
       </p:nvGrpSpPr>
@@ -1125,9 +1636,11 @@
       <p:sp>
         <p:nvSpPr>
           <p:cNvPr id="77" name="Google Shape;77;g392daf70c38_0_21:notes"/>
-          <p:cNvSpPr/>
+          <p:cNvSpPr>
+            <a:spLocks noGrp="1" noRot="1" noChangeAspect="1"/>
+          </p:cNvSpPr>
           <p:nvPr>
-            <p:ph idx="2" type="sldImg"/>
+            <p:ph type="sldImg" idx="2"/>
           </p:nvPr>
         </p:nvSpPr>
         <p:spPr>
@@ -1136,9 +1649,13 @@
             <a:ext cx="6096000" cy="3429000"/>
           </a:xfrm>
           <a:custGeom>
-            <a:rect b="b" l="l" r="r" t="t"/>
+            <a:avLst/>
+            <a:gdLst/>
+            <a:ahLst/>
+            <a:cxnLst/>
+            <a:rect l="l" t="t" r="r" b="b"/>
             <a:pathLst>
-              <a:path extrusionOk="0" h="120000" w="120000">
+              <a:path w="120000" h="120000" extrusionOk="0">
                 <a:moveTo>
                   <a:pt x="0" y="0"/>
                 </a:moveTo>
@@ -1160,9 +1677,11 @@
       <p:sp>
         <p:nvSpPr>
           <p:cNvPr id="78" name="Google Shape;78;g392daf70c38_0_21:notes"/>
-          <p:cNvSpPr txBox="1"/>
+          <p:cNvSpPr txBox="1">
+            <a:spLocks noGrp="1"/>
+          </p:cNvSpPr>
           <p:nvPr>
-            <p:ph idx="1" type="body"/>
+            <p:ph type="body" idx="1"/>
           </p:nvPr>
         </p:nvSpPr>
         <p:spPr>
@@ -1175,12 +1694,12 @@
           </a:prstGeom>
         </p:spPr>
         <p:txBody>
-          <a:bodyPr anchorCtr="0" anchor="t" bIns="91425" lIns="91425" spcFirstLastPara="1" rIns="91425" wrap="square" tIns="91425">
+          <a:bodyPr spcFirstLastPara="1" wrap="square" lIns="91425" tIns="91425" rIns="91425" bIns="91425" anchor="t" anchorCtr="0">
             <a:noAutofit/>
           </a:bodyPr>
           <a:lstStyle/>
           <a:p>
-            <a:pPr indent="0" lvl="0" marL="0" rtl="0" algn="l">
+            <a:pPr marL="0" lvl="0" indent="0" algn="l" rtl="0">
               <a:spcBef>
                 <a:spcPts val="0"/>
               </a:spcBef>
@@ -1189,9 +1708,6 @@
               </a:spcAft>
               <a:buNone/>
             </a:pPr>
-            <a:r>
-              <a:t/>
-            </a:r>
             <a:endParaRPr/>
           </a:p>
         </p:txBody>
@@ -1205,11 +1721,11 @@
 </file>
 
 <file path=ppt/notesSlides/notesSlide6.xml><?xml version="1.0" encoding="utf-8"?>
-<p:notes xmlns:a="http://schemas.openxmlformats.org/drawingml/2006/main" xmlns:r="http://schemas.openxmlformats.org/officeDocument/2006/relationships" xmlns:mc="http://schemas.openxmlformats.org/markup-compatibility/2006" xmlns:mv="urn:schemas-microsoft-com:mac:vml" xmlns:p="http://schemas.openxmlformats.org/presentationml/2006/main" xmlns:c="http://schemas.openxmlformats.org/drawingml/2006/chart" xmlns:dgm="http://schemas.openxmlformats.org/drawingml/2006/diagram" xmlns:o="urn:schemas-microsoft-com:office:office" xmlns:v="urn:schemas-microsoft-com:vml" xmlns:pvml="urn:schemas-microsoft-com:office:powerpoint" xmlns:com="http://schemas.openxmlformats.org/drawingml/2006/compatibility" xmlns:p14="http://schemas.microsoft.com/office/powerpoint/2010/main" xmlns:p15="http://schemas.microsoft.com/office/powerpoint/2012/main" xmlns:ahyp="http://schemas.microsoft.com/office/drawing/2018/hyperlinkcolor" showMasterPhAnim="0" showMasterSp="0">
+<p:notes xmlns:a="http://schemas.openxmlformats.org/drawingml/2006/main" xmlns:r="http://schemas.openxmlformats.org/officeDocument/2006/relationships" xmlns:p="http://schemas.openxmlformats.org/presentationml/2006/main" showMasterSp="0" showMasterPhAnim="0">
   <p:cSld>
     <p:spTree>
       <p:nvGrpSpPr>
-        <p:cNvPr id="85" name="Shape 85"/>
+        <p:cNvPr id="1" name="Shape 85"/>
         <p:cNvGrpSpPr/>
         <p:nvPr/>
       </p:nvGrpSpPr>
@@ -1224,9 +1740,11 @@
       <p:sp>
         <p:nvSpPr>
           <p:cNvPr id="86" name="Google Shape;86;g392daf70c38_0_26:notes"/>
-          <p:cNvSpPr/>
+          <p:cNvSpPr>
+            <a:spLocks noGrp="1" noRot="1" noChangeAspect="1"/>
+          </p:cNvSpPr>
           <p:nvPr>
-            <p:ph idx="2" type="sldImg"/>
+            <p:ph type="sldImg" idx="2"/>
           </p:nvPr>
         </p:nvSpPr>
         <p:spPr>
@@ -1235,9 +1753,13 @@
             <a:ext cx="6096000" cy="3429000"/>
           </a:xfrm>
           <a:custGeom>
-            <a:rect b="b" l="l" r="r" t="t"/>
+            <a:avLst/>
+            <a:gdLst/>
+            <a:ahLst/>
+            <a:cxnLst/>
+            <a:rect l="l" t="t" r="r" b="b"/>
             <a:pathLst>
-              <a:path extrusionOk="0" h="120000" w="120000">
+              <a:path w="120000" h="120000" extrusionOk="0">
                 <a:moveTo>
                   <a:pt x="0" y="0"/>
                 </a:moveTo>
@@ -1259,9 +1781,11 @@
       <p:sp>
         <p:nvSpPr>
           <p:cNvPr id="87" name="Google Shape;87;g392daf70c38_0_26:notes"/>
-          <p:cNvSpPr txBox="1"/>
+          <p:cNvSpPr txBox="1">
+            <a:spLocks noGrp="1"/>
+          </p:cNvSpPr>
           <p:nvPr>
-            <p:ph idx="1" type="body"/>
+            <p:ph type="body" idx="1"/>
           </p:nvPr>
         </p:nvSpPr>
         <p:spPr>
@@ -1274,12 +1798,12 @@
           </a:prstGeom>
         </p:spPr>
         <p:txBody>
-          <a:bodyPr anchorCtr="0" anchor="t" bIns="91425" lIns="91425" spcFirstLastPara="1" rIns="91425" wrap="square" tIns="91425">
+          <a:bodyPr spcFirstLastPara="1" wrap="square" lIns="91425" tIns="91425" rIns="91425" bIns="91425" anchor="t" anchorCtr="0">
             <a:noAutofit/>
           </a:bodyPr>
           <a:lstStyle/>
           <a:p>
-            <a:pPr indent="0" lvl="0" marL="0" rtl="0" algn="l">
+            <a:pPr marL="0" lvl="0" indent="0" algn="l" rtl="0">
               <a:spcBef>
                 <a:spcPts val="0"/>
               </a:spcBef>
@@ -1288,9 +1812,6 @@
               </a:spcAft>
               <a:buNone/>
             </a:pPr>
-            <a:r>
-              <a:t/>
-            </a:r>
             <a:endParaRPr/>
           </a:p>
         </p:txBody>
@@ -1304,11 +1825,17 @@
 </file>
 
 <file path=ppt/notesSlides/notesSlide7.xml><?xml version="1.0" encoding="utf-8"?>
-<p:notes xmlns:a="http://schemas.openxmlformats.org/drawingml/2006/main" xmlns:r="http://schemas.openxmlformats.org/officeDocument/2006/relationships" xmlns:mc="http://schemas.openxmlformats.org/markup-compatibility/2006" xmlns:mv="urn:schemas-microsoft-com:mac:vml" xmlns:p="http://schemas.openxmlformats.org/presentationml/2006/main" xmlns:c="http://schemas.openxmlformats.org/drawingml/2006/chart" xmlns:dgm="http://schemas.openxmlformats.org/drawingml/2006/diagram" xmlns:o="urn:schemas-microsoft-com:office:office" xmlns:v="urn:schemas-microsoft-com:vml" xmlns:pvml="urn:schemas-microsoft-com:office:powerpoint" xmlns:com="http://schemas.openxmlformats.org/drawingml/2006/compatibility" xmlns:p14="http://schemas.microsoft.com/office/powerpoint/2010/main" xmlns:p15="http://schemas.microsoft.com/office/powerpoint/2012/main" xmlns:ahyp="http://schemas.microsoft.com/office/drawing/2018/hyperlinkcolor" showMasterPhAnim="0" showMasterSp="0">
+<p:notes xmlns:a="http://schemas.openxmlformats.org/drawingml/2006/main" xmlns:r="http://schemas.openxmlformats.org/officeDocument/2006/relationships" xmlns:p="http://schemas.openxmlformats.org/presentationml/2006/main" showMasterSp="0" showMasterPhAnim="0">
   <p:cSld>
     <p:spTree>
       <p:nvGrpSpPr>
-        <p:cNvPr id="91" name="Shape 91"/>
+        <p:cNvPr id="1" name="Shape 85">
+          <a:extLst>
+            <a:ext uri="{FF2B5EF4-FFF2-40B4-BE49-F238E27FC236}">
+              <a16:creationId xmlns:a16="http://schemas.microsoft.com/office/drawing/2014/main" id="{6133E1C9-3014-AAE9-E9D8-DB1E77BA059F}"/>
+            </a:ext>
+          </a:extLst>
+        </p:cNvPr>
         <p:cNvGrpSpPr/>
         <p:nvPr/>
       </p:nvGrpSpPr>
@@ -1322,21 +1849,33 @@
       </p:grpSpPr>
       <p:sp>
         <p:nvSpPr>
-          <p:cNvPr id="92" name="Google Shape;92;g392daf70c38_0_36:notes"/>
-          <p:cNvSpPr/>
+          <p:cNvPr id="86" name="Google Shape;86;g392daf70c38_0_26:notes">
+            <a:extLst>
+              <a:ext uri="{FF2B5EF4-FFF2-40B4-BE49-F238E27FC236}">
+                <a16:creationId xmlns:a16="http://schemas.microsoft.com/office/drawing/2014/main" id="{FB9F7A49-D571-0F2D-FF24-6EDD20A29E54}"/>
+              </a:ext>
+            </a:extLst>
+          </p:cNvPr>
+          <p:cNvSpPr>
+            <a:spLocks noGrp="1" noRot="1" noChangeAspect="1"/>
+          </p:cNvSpPr>
           <p:nvPr>
-            <p:ph idx="2" type="sldImg"/>
+            <p:ph type="sldImg" idx="2"/>
           </p:nvPr>
         </p:nvSpPr>
         <p:spPr>
           <a:xfrm>
-            <a:off x="381300" y="685800"/>
+            <a:off x="381000" y="685800"/>
             <a:ext cx="6096000" cy="3429000"/>
           </a:xfrm>
           <a:custGeom>
-            <a:rect b="b" l="l" r="r" t="t"/>
+            <a:avLst/>
+            <a:gdLst/>
+            <a:ahLst/>
+            <a:cxnLst/>
+            <a:rect l="l" t="t" r="r" b="b"/>
             <a:pathLst>
-              <a:path extrusionOk="0" h="120000" w="120000">
+              <a:path w="120000" h="120000" extrusionOk="0">
                 <a:moveTo>
                   <a:pt x="0" y="0"/>
                 </a:moveTo>
@@ -1357,10 +1896,18 @@
       </p:sp>
       <p:sp>
         <p:nvSpPr>
-          <p:cNvPr id="93" name="Google Shape;93;g392daf70c38_0_36:notes"/>
-          <p:cNvSpPr txBox="1"/>
+          <p:cNvPr id="87" name="Google Shape;87;g392daf70c38_0_26:notes">
+            <a:extLst>
+              <a:ext uri="{FF2B5EF4-FFF2-40B4-BE49-F238E27FC236}">
+                <a16:creationId xmlns:a16="http://schemas.microsoft.com/office/drawing/2014/main" id="{6C6285F0-64CF-D491-C4B1-D51918B11C7D}"/>
+              </a:ext>
+            </a:extLst>
+          </p:cNvPr>
+          <p:cNvSpPr txBox="1">
+            <a:spLocks noGrp="1"/>
+          </p:cNvSpPr>
           <p:nvPr>
-            <p:ph idx="1" type="body"/>
+            <p:ph type="body" idx="1"/>
           </p:nvPr>
         </p:nvSpPr>
         <p:spPr>
@@ -1373,12 +1920,12 @@
           </a:prstGeom>
         </p:spPr>
         <p:txBody>
-          <a:bodyPr anchorCtr="0" anchor="t" bIns="91425" lIns="91425" spcFirstLastPara="1" rIns="91425" wrap="square" tIns="91425">
+          <a:bodyPr spcFirstLastPara="1" wrap="square" lIns="91425" tIns="91425" rIns="91425" bIns="91425" anchor="t" anchorCtr="0">
             <a:noAutofit/>
           </a:bodyPr>
           <a:lstStyle/>
           <a:p>
-            <a:pPr indent="0" lvl="0" marL="0" rtl="0" algn="l">
+            <a:pPr marL="0" lvl="0" indent="0" algn="l" rtl="0">
               <a:spcBef>
                 <a:spcPts val="0"/>
               </a:spcBef>
@@ -1387,14 +1934,16 @@
               </a:spcAft>
               <a:buNone/>
             </a:pPr>
-            <a:r>
-              <a:t/>
-            </a:r>
             <a:endParaRPr/>
           </a:p>
         </p:txBody>
       </p:sp>
     </p:spTree>
+    <p:extLst>
+      <p:ext uri="{BB962C8B-B14F-4D97-AF65-F5344CB8AC3E}">
+        <p14:creationId xmlns:p14="http://schemas.microsoft.com/office/powerpoint/2010/main" val="2602026510"/>
+      </p:ext>
+    </p:extLst>
   </p:cSld>
   <p:clrMapOvr>
     <a:masterClrMapping/>
@@ -1403,11 +1952,17 @@
 </file>
 
 <file path=ppt/notesSlides/notesSlide8.xml><?xml version="1.0" encoding="utf-8"?>
-<p:notes xmlns:a="http://schemas.openxmlformats.org/drawingml/2006/main" xmlns:r="http://schemas.openxmlformats.org/officeDocument/2006/relationships" xmlns:mc="http://schemas.openxmlformats.org/markup-compatibility/2006" xmlns:mv="urn:schemas-microsoft-com:mac:vml" xmlns:p="http://schemas.openxmlformats.org/presentationml/2006/main" xmlns:c="http://schemas.openxmlformats.org/drawingml/2006/chart" xmlns:dgm="http://schemas.openxmlformats.org/drawingml/2006/diagram" xmlns:o="urn:schemas-microsoft-com:office:office" xmlns:v="urn:schemas-microsoft-com:vml" xmlns:pvml="urn:schemas-microsoft-com:office:powerpoint" xmlns:com="http://schemas.openxmlformats.org/drawingml/2006/compatibility" xmlns:p14="http://schemas.microsoft.com/office/powerpoint/2010/main" xmlns:p15="http://schemas.microsoft.com/office/powerpoint/2012/main" xmlns:ahyp="http://schemas.microsoft.com/office/drawing/2018/hyperlinkcolor" showMasterPhAnim="0" showMasterSp="0">
+<p:notes xmlns:a="http://schemas.openxmlformats.org/drawingml/2006/main" xmlns:r="http://schemas.openxmlformats.org/officeDocument/2006/relationships" xmlns:p="http://schemas.openxmlformats.org/presentationml/2006/main" showMasterSp="0" showMasterPhAnim="0">
   <p:cSld>
     <p:spTree>
       <p:nvGrpSpPr>
-        <p:cNvPr id="97" name="Shape 97"/>
+        <p:cNvPr id="1" name="Shape 85">
+          <a:extLst>
+            <a:ext uri="{FF2B5EF4-FFF2-40B4-BE49-F238E27FC236}">
+              <a16:creationId xmlns:a16="http://schemas.microsoft.com/office/drawing/2014/main" id="{01527C6B-8B96-64DF-3564-E1B71B39FFB4}"/>
+            </a:ext>
+          </a:extLst>
+        </p:cNvPr>
         <p:cNvGrpSpPr/>
         <p:nvPr/>
       </p:nvGrpSpPr>
@@ -1421,21 +1976,33 @@
       </p:grpSpPr>
       <p:sp>
         <p:nvSpPr>
-          <p:cNvPr id="98" name="Google Shape;98;g3be16f26d6e_1_11:notes"/>
-          <p:cNvSpPr/>
+          <p:cNvPr id="86" name="Google Shape;86;g392daf70c38_0_26:notes">
+            <a:extLst>
+              <a:ext uri="{FF2B5EF4-FFF2-40B4-BE49-F238E27FC236}">
+                <a16:creationId xmlns:a16="http://schemas.microsoft.com/office/drawing/2014/main" id="{88D709D0-12E4-FABB-7E08-3F49FDF00769}"/>
+              </a:ext>
+            </a:extLst>
+          </p:cNvPr>
+          <p:cNvSpPr>
+            <a:spLocks noGrp="1" noRot="1" noChangeAspect="1"/>
+          </p:cNvSpPr>
           <p:nvPr>
-            <p:ph idx="2" type="sldImg"/>
+            <p:ph type="sldImg" idx="2"/>
           </p:nvPr>
         </p:nvSpPr>
         <p:spPr>
           <a:xfrm>
-            <a:off x="381300" y="685800"/>
+            <a:off x="381000" y="685800"/>
             <a:ext cx="6096000" cy="3429000"/>
           </a:xfrm>
           <a:custGeom>
-            <a:rect b="b" l="l" r="r" t="t"/>
+            <a:avLst/>
+            <a:gdLst/>
+            <a:ahLst/>
+            <a:cxnLst/>
+            <a:rect l="l" t="t" r="r" b="b"/>
             <a:pathLst>
-              <a:path extrusionOk="0" h="120000" w="120000">
+              <a:path w="120000" h="120000" extrusionOk="0">
                 <a:moveTo>
                   <a:pt x="0" y="0"/>
                 </a:moveTo>
@@ -1456,10 +2023,18 @@
       </p:sp>
       <p:sp>
         <p:nvSpPr>
-          <p:cNvPr id="99" name="Google Shape;99;g3be16f26d6e_1_11:notes"/>
-          <p:cNvSpPr txBox="1"/>
+          <p:cNvPr id="87" name="Google Shape;87;g392daf70c38_0_26:notes">
+            <a:extLst>
+              <a:ext uri="{FF2B5EF4-FFF2-40B4-BE49-F238E27FC236}">
+                <a16:creationId xmlns:a16="http://schemas.microsoft.com/office/drawing/2014/main" id="{F1AE93F5-9E50-E0F2-1D71-94C95EB5EF23}"/>
+              </a:ext>
+            </a:extLst>
+          </p:cNvPr>
+          <p:cNvSpPr txBox="1">
+            <a:spLocks noGrp="1"/>
+          </p:cNvSpPr>
           <p:nvPr>
-            <p:ph idx="1" type="body"/>
+            <p:ph type="body" idx="1"/>
           </p:nvPr>
         </p:nvSpPr>
         <p:spPr>
@@ -1472,12 +2047,12 @@
           </a:prstGeom>
         </p:spPr>
         <p:txBody>
-          <a:bodyPr anchorCtr="0" anchor="t" bIns="91425" lIns="91425" spcFirstLastPara="1" rIns="91425" wrap="square" tIns="91425">
+          <a:bodyPr spcFirstLastPara="1" wrap="square" lIns="91425" tIns="91425" rIns="91425" bIns="91425" anchor="t" anchorCtr="0">
             <a:noAutofit/>
           </a:bodyPr>
           <a:lstStyle/>
           <a:p>
-            <a:pPr indent="0" lvl="0" marL="0" rtl="0" algn="l">
+            <a:pPr marL="0" lvl="0" indent="0" algn="l" rtl="0">
               <a:spcBef>
                 <a:spcPts val="0"/>
               </a:spcBef>
@@ -1486,14 +2061,143 @@
               </a:spcAft>
               <a:buNone/>
             </a:pPr>
-            <a:r>
-              <a:t/>
-            </a:r>
             <a:endParaRPr/>
           </a:p>
         </p:txBody>
       </p:sp>
     </p:spTree>
+    <p:extLst>
+      <p:ext uri="{BB962C8B-B14F-4D97-AF65-F5344CB8AC3E}">
+        <p14:creationId xmlns:p14="http://schemas.microsoft.com/office/powerpoint/2010/main" val="1985314134"/>
+      </p:ext>
+    </p:extLst>
+  </p:cSld>
+  <p:clrMapOvr>
+    <a:masterClrMapping/>
+  </p:clrMapOvr>
+</p:notes>
+</file>
+
+<file path=ppt/notesSlides/notesSlide9.xml><?xml version="1.0" encoding="utf-8"?>
+<p:notes xmlns:a="http://schemas.openxmlformats.org/drawingml/2006/main" xmlns:r="http://schemas.openxmlformats.org/officeDocument/2006/relationships" xmlns:p="http://schemas.openxmlformats.org/presentationml/2006/main" showMasterSp="0" showMasterPhAnim="0">
+  <p:cSld>
+    <p:spTree>
+      <p:nvGrpSpPr>
+        <p:cNvPr id="1" name="Shape 85">
+          <a:extLst>
+            <a:ext uri="{FF2B5EF4-FFF2-40B4-BE49-F238E27FC236}">
+              <a16:creationId xmlns:a16="http://schemas.microsoft.com/office/drawing/2014/main" id="{4B881313-1233-70A9-D502-521077C070BA}"/>
+            </a:ext>
+          </a:extLst>
+        </p:cNvPr>
+        <p:cNvGrpSpPr/>
+        <p:nvPr/>
+      </p:nvGrpSpPr>
+      <p:grpSpPr>
+        <a:xfrm>
+          <a:off x="0" y="0"/>
+          <a:ext cx="0" cy="0"/>
+          <a:chOff x="0" y="0"/>
+          <a:chExt cx="0" cy="0"/>
+        </a:xfrm>
+      </p:grpSpPr>
+      <p:sp>
+        <p:nvSpPr>
+          <p:cNvPr id="86" name="Google Shape;86;g392daf70c38_0_26:notes">
+            <a:extLst>
+              <a:ext uri="{FF2B5EF4-FFF2-40B4-BE49-F238E27FC236}">
+                <a16:creationId xmlns:a16="http://schemas.microsoft.com/office/drawing/2014/main" id="{5FBE4260-91F8-A162-BFF9-FC93E3104172}"/>
+              </a:ext>
+            </a:extLst>
+          </p:cNvPr>
+          <p:cNvSpPr>
+            <a:spLocks noGrp="1" noRot="1" noChangeAspect="1"/>
+          </p:cNvSpPr>
+          <p:nvPr>
+            <p:ph type="sldImg" idx="2"/>
+          </p:nvPr>
+        </p:nvSpPr>
+        <p:spPr>
+          <a:xfrm>
+            <a:off x="381000" y="685800"/>
+            <a:ext cx="6096000" cy="3429000"/>
+          </a:xfrm>
+          <a:custGeom>
+            <a:avLst/>
+            <a:gdLst/>
+            <a:ahLst/>
+            <a:cxnLst/>
+            <a:rect l="l" t="t" r="r" b="b"/>
+            <a:pathLst>
+              <a:path w="120000" h="120000" extrusionOk="0">
+                <a:moveTo>
+                  <a:pt x="0" y="0"/>
+                </a:moveTo>
+                <a:lnTo>
+                  <a:pt x="120000" y="0"/>
+                </a:lnTo>
+                <a:lnTo>
+                  <a:pt x="120000" y="120000"/>
+                </a:lnTo>
+                <a:lnTo>
+                  <a:pt x="0" y="120000"/>
+                </a:lnTo>
+                <a:close/>
+              </a:path>
+            </a:pathLst>
+          </a:custGeom>
+        </p:spPr>
+      </p:sp>
+      <p:sp>
+        <p:nvSpPr>
+          <p:cNvPr id="87" name="Google Shape;87;g392daf70c38_0_26:notes">
+            <a:extLst>
+              <a:ext uri="{FF2B5EF4-FFF2-40B4-BE49-F238E27FC236}">
+                <a16:creationId xmlns:a16="http://schemas.microsoft.com/office/drawing/2014/main" id="{39BB9F50-B326-7C4A-2AD3-017CE29815D5}"/>
+              </a:ext>
+            </a:extLst>
+          </p:cNvPr>
+          <p:cNvSpPr txBox="1">
+            <a:spLocks noGrp="1"/>
+          </p:cNvSpPr>
+          <p:nvPr>
+            <p:ph type="body" idx="1"/>
+          </p:nvPr>
+        </p:nvSpPr>
+        <p:spPr>
+          <a:xfrm>
+            <a:off x="685800" y="4343400"/>
+            <a:ext cx="5486400" cy="4114800"/>
+          </a:xfrm>
+          <a:prstGeom prst="rect">
+            <a:avLst/>
+          </a:prstGeom>
+        </p:spPr>
+        <p:txBody>
+          <a:bodyPr spcFirstLastPara="1" wrap="square" lIns="91425" tIns="91425" rIns="91425" bIns="91425" anchor="t" anchorCtr="0">
+            <a:noAutofit/>
+          </a:bodyPr>
+          <a:lstStyle/>
+          <a:p>
+            <a:pPr marL="0" lvl="0" indent="0" algn="l" rtl="0">
+              <a:spcBef>
+                <a:spcPts val="0"/>
+              </a:spcBef>
+              <a:spcAft>
+                <a:spcPts val="0"/>
+              </a:spcAft>
+              <a:buNone/>
+            </a:pPr>
+            <a:endParaRPr/>
+          </a:p>
+        </p:txBody>
+      </p:sp>
+    </p:spTree>
+    <p:extLst>
+      <p:ext uri="{BB962C8B-B14F-4D97-AF65-F5344CB8AC3E}">
+        <p14:creationId xmlns:p14="http://schemas.microsoft.com/office/powerpoint/2010/main" val="832332736"/>
+      </p:ext>
+    </p:extLst>
   </p:cSld>
   <p:clrMapOvr>
     <a:masterClrMapping/>
@@ -1502,11 +2206,11 @@
 </file>
 
 <file path=ppt/slideLayouts/slideLayout1.xml><?xml version="1.0" encoding="utf-8"?>
-<p:sldLayout xmlns:a="http://schemas.openxmlformats.org/drawingml/2006/main" xmlns:r="http://schemas.openxmlformats.org/officeDocument/2006/relationships" xmlns:mc="http://schemas.openxmlformats.org/markup-compatibility/2006" xmlns:mv="urn:schemas-microsoft-com:mac:vml" xmlns:p="http://schemas.openxmlformats.org/presentationml/2006/main" xmlns:c="http://schemas.openxmlformats.org/drawingml/2006/chart" xmlns:dgm="http://schemas.openxmlformats.org/drawingml/2006/diagram" xmlns:o="urn:schemas-microsoft-com:office:office" xmlns:v="urn:schemas-microsoft-com:vml" xmlns:pvml="urn:schemas-microsoft-com:office:powerpoint" xmlns:com="http://schemas.openxmlformats.org/drawingml/2006/compatibility" xmlns:p14="http://schemas.microsoft.com/office/powerpoint/2010/main" xmlns:p15="http://schemas.microsoft.com/office/powerpoint/2012/main" xmlns:ahyp="http://schemas.microsoft.com/office/drawing/2018/hyperlinkcolor" matchingName="Title slide" type="title">
+<p:sldLayout xmlns:a="http://schemas.openxmlformats.org/drawingml/2006/main" xmlns:r="http://schemas.openxmlformats.org/officeDocument/2006/relationships" xmlns:p="http://schemas.openxmlformats.org/presentationml/2006/main" matchingName="Title slide" type="title">
   <p:cSld name="TITLE">
     <p:spTree>
       <p:nvGrpSpPr>
-        <p:cNvPr id="9" name="Shape 9"/>
+        <p:cNvPr id="1" name="Shape 9"/>
         <p:cNvGrpSpPr/>
         <p:nvPr/>
       </p:nvGrpSpPr>
@@ -1521,7 +2225,9 @@
       <p:sp>
         <p:nvSpPr>
           <p:cNvPr id="10" name="Google Shape;10;p2"/>
-          <p:cNvSpPr txBox="1"/>
+          <p:cNvSpPr txBox="1">
+            <a:spLocks noGrp="1"/>
+          </p:cNvSpPr>
           <p:nvPr>
             <p:ph type="ctrTitle"/>
           </p:nvPr>
@@ -1536,7 +2242,7 @@
           </a:prstGeom>
         </p:spPr>
         <p:txBody>
-          <a:bodyPr anchorCtr="0" anchor="b" bIns="91425" lIns="91425" spcFirstLastPara="1" rIns="91425" wrap="square" tIns="91425">
+          <a:bodyPr spcFirstLastPara="1" wrap="square" lIns="91425" tIns="91425" rIns="91425" bIns="91425" anchor="b" anchorCtr="0">
             <a:normAutofit/>
           </a:bodyPr>
           <a:lstStyle>
@@ -1640,15 +2346,19 @@
               <a:defRPr sz="5200"/>
             </a:lvl9pPr>
           </a:lstStyle>
-          <a:p/>
+          <a:p>
+            <a:endParaRPr/>
+          </a:p>
         </p:txBody>
       </p:sp>
       <p:sp>
         <p:nvSpPr>
           <p:cNvPr id="11" name="Google Shape;11;p2"/>
-          <p:cNvSpPr txBox="1"/>
+          <p:cNvSpPr txBox="1">
+            <a:spLocks noGrp="1"/>
+          </p:cNvSpPr>
           <p:nvPr>
-            <p:ph idx="1" type="subTitle"/>
+            <p:ph type="subTitle" idx="1"/>
           </p:nvPr>
         </p:nvSpPr>
         <p:spPr>
@@ -1661,7 +2371,7 @@
           </a:prstGeom>
         </p:spPr>
         <p:txBody>
-          <a:bodyPr anchorCtr="0" anchor="t" bIns="91425" lIns="91425" spcFirstLastPara="1" rIns="91425" wrap="square" tIns="91425">
+          <a:bodyPr spcFirstLastPara="1" wrap="square" lIns="91425" tIns="91425" rIns="91425" bIns="91425" anchor="t" anchorCtr="0">
             <a:normAutofit/>
           </a:bodyPr>
           <a:lstStyle>
@@ -1792,15 +2502,19 @@
               <a:defRPr sz="2800"/>
             </a:lvl9pPr>
           </a:lstStyle>
-          <a:p/>
+          <a:p>
+            <a:endParaRPr/>
+          </a:p>
         </p:txBody>
       </p:sp>
       <p:sp>
         <p:nvSpPr>
           <p:cNvPr id="12" name="Google Shape;12;p2"/>
-          <p:cNvSpPr txBox="1"/>
+          <p:cNvSpPr txBox="1">
+            <a:spLocks noGrp="1"/>
+          </p:cNvSpPr>
           <p:nvPr>
-            <p:ph idx="12" type="sldNum"/>
+            <p:ph type="sldNum" idx="12"/>
           </p:nvPr>
         </p:nvSpPr>
         <p:spPr>
@@ -1813,7 +2527,7 @@
           </a:prstGeom>
         </p:spPr>
         <p:txBody>
-          <a:bodyPr anchorCtr="0" anchor="ctr" bIns="91425" lIns="91425" spcFirstLastPara="1" rIns="91425" wrap="square" tIns="91425">
+          <a:bodyPr spcFirstLastPara="1" wrap="square" lIns="91425" tIns="91425" rIns="91425" bIns="91425" anchor="ctr" anchorCtr="0">
             <a:normAutofit/>
           </a:bodyPr>
           <a:lstStyle>
@@ -1855,7 +2569,7 @@
             </a:lvl9pPr>
           </a:lstStyle>
           <a:p>
-            <a:pPr indent="0" lvl="0" marL="0" rtl="0" algn="r">
+            <a:pPr marL="0" lvl="0" indent="0" algn="r" rtl="0">
               <a:spcBef>
                 <a:spcPts val="0"/>
               </a:spcBef>
@@ -1885,7 +2599,7 @@
           </a:xfrm>
           <a:prstGeom prst="roundRect">
             <a:avLst>
-              <a:gd fmla="val 16667" name="adj"/>
+              <a:gd name="adj" fmla="val 16667"/>
             </a:avLst>
           </a:prstGeom>
           <a:solidFill>
@@ -1898,12 +2612,12 @@
           </a:ln>
         </p:spPr>
         <p:txBody>
-          <a:bodyPr anchorCtr="0" anchor="ctr" bIns="91425" lIns="91425" spcFirstLastPara="1" rIns="91425" wrap="square" tIns="91425">
+          <a:bodyPr spcFirstLastPara="1" wrap="square" lIns="91425" tIns="91425" rIns="91425" bIns="91425" anchor="ctr" anchorCtr="0">
             <a:noAutofit/>
           </a:bodyPr>
           <a:lstStyle/>
           <a:p>
-            <a:pPr indent="0" lvl="0" marL="0" rtl="0" algn="ctr">
+            <a:pPr marL="0" lvl="0" indent="0" algn="ctr" rtl="0">
               <a:spcBef>
                 <a:spcPts val="0"/>
               </a:spcBef>
@@ -1912,9 +2626,6 @@
               </a:spcAft>
               <a:buNone/>
             </a:pPr>
-            <a:r>
-              <a:t/>
-            </a:r>
             <a:endParaRPr/>
           </a:p>
         </p:txBody>
@@ -1928,11 +2639,11 @@
 </file>
 
 <file path=ppt/slideLayouts/slideLayout10.xml><?xml version="1.0" encoding="utf-8"?>
-<p:sldLayout xmlns:a="http://schemas.openxmlformats.org/drawingml/2006/main" xmlns:r="http://schemas.openxmlformats.org/officeDocument/2006/relationships" xmlns:mc="http://schemas.openxmlformats.org/markup-compatibility/2006" xmlns:mv="urn:schemas-microsoft-com:mac:vml" xmlns:p="http://schemas.openxmlformats.org/presentationml/2006/main" xmlns:c="http://schemas.openxmlformats.org/drawingml/2006/chart" xmlns:dgm="http://schemas.openxmlformats.org/drawingml/2006/diagram" xmlns:o="urn:schemas-microsoft-com:office:office" xmlns:v="urn:schemas-microsoft-com:vml" xmlns:pvml="urn:schemas-microsoft-com:office:powerpoint" xmlns:com="http://schemas.openxmlformats.org/drawingml/2006/compatibility" xmlns:p14="http://schemas.microsoft.com/office/powerpoint/2010/main" xmlns:p15="http://schemas.microsoft.com/office/powerpoint/2012/main" xmlns:ahyp="http://schemas.microsoft.com/office/drawing/2018/hyperlinkcolor" matchingName="Big number">
+<p:sldLayout xmlns:a="http://schemas.openxmlformats.org/drawingml/2006/main" xmlns:r="http://schemas.openxmlformats.org/officeDocument/2006/relationships" xmlns:p="http://schemas.openxmlformats.org/presentationml/2006/main" matchingName="Big number">
   <p:cSld name="BIG_NUMBER">
     <p:spTree>
       <p:nvGrpSpPr>
-        <p:cNvPr id="46" name="Shape 46"/>
+        <p:cNvPr id="1" name="Shape 46"/>
         <p:cNvGrpSpPr/>
         <p:nvPr/>
       </p:nvGrpSpPr>
@@ -1947,9 +2658,11 @@
       <p:sp>
         <p:nvSpPr>
           <p:cNvPr id="47" name="Google Shape;47;p11"/>
-          <p:cNvSpPr txBox="1"/>
+          <p:cNvSpPr txBox="1">
+            <a:spLocks noGrp="1"/>
+          </p:cNvSpPr>
           <p:nvPr>
-            <p:ph hasCustomPrompt="1" type="title"/>
+            <p:ph type="title" hasCustomPrompt="1"/>
           </p:nvPr>
         </p:nvSpPr>
         <p:spPr>
@@ -1962,7 +2675,7 @@
           </a:prstGeom>
         </p:spPr>
         <p:txBody>
-          <a:bodyPr anchorCtr="0" anchor="b" bIns="91425" lIns="91425" spcFirstLastPara="1" rIns="91425" wrap="square" tIns="91425">
+          <a:bodyPr spcFirstLastPara="1" wrap="square" lIns="91425" tIns="91425" rIns="91425" bIns="91425" anchor="b" anchorCtr="0">
             <a:normAutofit/>
           </a:bodyPr>
           <a:lstStyle>
@@ -2076,9 +2789,11 @@
       <p:sp>
         <p:nvSpPr>
           <p:cNvPr id="48" name="Google Shape;48;p11"/>
-          <p:cNvSpPr txBox="1"/>
+          <p:cNvSpPr txBox="1">
+            <a:spLocks noGrp="1"/>
+          </p:cNvSpPr>
           <p:nvPr>
-            <p:ph idx="1" type="body"/>
+            <p:ph type="body" idx="1"/>
           </p:nvPr>
         </p:nvSpPr>
         <p:spPr>
@@ -2091,11 +2806,11 @@
           </a:prstGeom>
         </p:spPr>
         <p:txBody>
-          <a:bodyPr anchorCtr="0" anchor="t" bIns="91425" lIns="91425" spcFirstLastPara="1" rIns="91425" wrap="square" tIns="91425">
+          <a:bodyPr spcFirstLastPara="1" wrap="square" lIns="91425" tIns="91425" rIns="91425" bIns="91425" anchor="t" anchorCtr="0">
             <a:normAutofit/>
           </a:bodyPr>
           <a:lstStyle>
-            <a:lvl1pPr indent="-342900" lvl="0" marL="457200" algn="ctr">
+            <a:lvl1pPr marL="457200" lvl="0" indent="-342900" algn="ctr">
               <a:spcBef>
                 <a:spcPts val="0"/>
               </a:spcBef>
@@ -2106,7 +2821,7 @@
               <a:buChar char="●"/>
               <a:defRPr/>
             </a:lvl1pPr>
-            <a:lvl2pPr indent="-317500" lvl="1" marL="914400" algn="ctr">
+            <a:lvl2pPr marL="914400" lvl="1" indent="-317500" algn="ctr">
               <a:spcBef>
                 <a:spcPts val="0"/>
               </a:spcBef>
@@ -2117,7 +2832,7 @@
               <a:buChar char="○"/>
               <a:defRPr/>
             </a:lvl2pPr>
-            <a:lvl3pPr indent="-317500" lvl="2" marL="1371600" algn="ctr">
+            <a:lvl3pPr marL="1371600" lvl="2" indent="-317500" algn="ctr">
               <a:spcBef>
                 <a:spcPts val="0"/>
               </a:spcBef>
@@ -2128,7 +2843,7 @@
               <a:buChar char="■"/>
               <a:defRPr/>
             </a:lvl3pPr>
-            <a:lvl4pPr indent="-317500" lvl="3" marL="1828800" algn="ctr">
+            <a:lvl4pPr marL="1828800" lvl="3" indent="-317500" algn="ctr">
               <a:spcBef>
                 <a:spcPts val="0"/>
               </a:spcBef>
@@ -2139,7 +2854,7 @@
               <a:buChar char="●"/>
               <a:defRPr/>
             </a:lvl4pPr>
-            <a:lvl5pPr indent="-317500" lvl="4" marL="2286000" algn="ctr">
+            <a:lvl5pPr marL="2286000" lvl="4" indent="-317500" algn="ctr">
               <a:spcBef>
                 <a:spcPts val="0"/>
               </a:spcBef>
@@ -2150,7 +2865,7 @@
               <a:buChar char="○"/>
               <a:defRPr/>
             </a:lvl5pPr>
-            <a:lvl6pPr indent="-317500" lvl="5" marL="2743200" algn="ctr">
+            <a:lvl6pPr marL="2743200" lvl="5" indent="-317500" algn="ctr">
               <a:spcBef>
                 <a:spcPts val="0"/>
               </a:spcBef>
@@ -2161,7 +2876,7 @@
               <a:buChar char="■"/>
               <a:defRPr/>
             </a:lvl6pPr>
-            <a:lvl7pPr indent="-317500" lvl="6" marL="3200400" algn="ctr">
+            <a:lvl7pPr marL="3200400" lvl="6" indent="-317500" algn="ctr">
               <a:spcBef>
                 <a:spcPts val="0"/>
               </a:spcBef>
@@ -2172,7 +2887,7 @@
               <a:buChar char="●"/>
               <a:defRPr/>
             </a:lvl7pPr>
-            <a:lvl8pPr indent="-317500" lvl="7" marL="3657600" algn="ctr">
+            <a:lvl8pPr marL="3657600" lvl="7" indent="-317500" algn="ctr">
               <a:spcBef>
                 <a:spcPts val="0"/>
               </a:spcBef>
@@ -2183,7 +2898,7 @@
               <a:buChar char="○"/>
               <a:defRPr/>
             </a:lvl8pPr>
-            <a:lvl9pPr indent="-317500" lvl="8" marL="4114800" algn="ctr">
+            <a:lvl9pPr marL="4114800" lvl="8" indent="-317500" algn="ctr">
               <a:spcBef>
                 <a:spcPts val="0"/>
               </a:spcBef>
@@ -2195,15 +2910,19 @@
               <a:defRPr/>
             </a:lvl9pPr>
           </a:lstStyle>
-          <a:p/>
+          <a:p>
+            <a:endParaRPr/>
+          </a:p>
         </p:txBody>
       </p:sp>
       <p:sp>
         <p:nvSpPr>
           <p:cNvPr id="49" name="Google Shape;49;p11"/>
-          <p:cNvSpPr txBox="1"/>
+          <p:cNvSpPr txBox="1">
+            <a:spLocks noGrp="1"/>
+          </p:cNvSpPr>
           <p:nvPr>
-            <p:ph idx="12" type="sldNum"/>
+            <p:ph type="sldNum" idx="12"/>
           </p:nvPr>
         </p:nvSpPr>
         <p:spPr>
@@ -2216,7 +2935,7 @@
           </a:prstGeom>
         </p:spPr>
         <p:txBody>
-          <a:bodyPr anchorCtr="0" anchor="ctr" bIns="91425" lIns="91425" spcFirstLastPara="1" rIns="91425" wrap="square" tIns="91425">
+          <a:bodyPr spcFirstLastPara="1" wrap="square" lIns="91425" tIns="91425" rIns="91425" bIns="91425" anchor="ctr" anchorCtr="0">
             <a:normAutofit/>
           </a:bodyPr>
           <a:lstStyle>
@@ -2258,7 +2977,7 @@
             </a:lvl9pPr>
           </a:lstStyle>
           <a:p>
-            <a:pPr indent="0" lvl="0" marL="0" rtl="0" algn="r">
+            <a:pPr marL="0" lvl="0" indent="0" algn="r" rtl="0">
               <a:spcBef>
                 <a:spcPts val="0"/>
               </a:spcBef>
@@ -2284,11 +3003,11 @@
 </file>
 
 <file path=ppt/slideLayouts/slideLayout11.xml><?xml version="1.0" encoding="utf-8"?>
-<p:sldLayout xmlns:a="http://schemas.openxmlformats.org/drawingml/2006/main" xmlns:r="http://schemas.openxmlformats.org/officeDocument/2006/relationships" xmlns:mc="http://schemas.openxmlformats.org/markup-compatibility/2006" xmlns:mv="urn:schemas-microsoft-com:mac:vml" xmlns:p="http://schemas.openxmlformats.org/presentationml/2006/main" xmlns:c="http://schemas.openxmlformats.org/drawingml/2006/chart" xmlns:dgm="http://schemas.openxmlformats.org/drawingml/2006/diagram" xmlns:o="urn:schemas-microsoft-com:office:office" xmlns:v="urn:schemas-microsoft-com:vml" xmlns:pvml="urn:schemas-microsoft-com:office:powerpoint" xmlns:com="http://schemas.openxmlformats.org/drawingml/2006/compatibility" xmlns:p14="http://schemas.microsoft.com/office/powerpoint/2010/main" xmlns:p15="http://schemas.microsoft.com/office/powerpoint/2012/main" xmlns:ahyp="http://schemas.microsoft.com/office/drawing/2018/hyperlinkcolor" matchingName="Blank" type="blank">
+<p:sldLayout xmlns:a="http://schemas.openxmlformats.org/drawingml/2006/main" xmlns:r="http://schemas.openxmlformats.org/officeDocument/2006/relationships" xmlns:p="http://schemas.openxmlformats.org/presentationml/2006/main" matchingName="Blank" type="blank">
   <p:cSld name="BLANK">
     <p:spTree>
       <p:nvGrpSpPr>
-        <p:cNvPr id="50" name="Shape 50"/>
+        <p:cNvPr id="1" name="Shape 50"/>
         <p:cNvGrpSpPr/>
         <p:nvPr/>
       </p:nvGrpSpPr>
@@ -2303,9 +3022,11 @@
       <p:sp>
         <p:nvSpPr>
           <p:cNvPr id="51" name="Google Shape;51;p12"/>
-          <p:cNvSpPr txBox="1"/>
+          <p:cNvSpPr txBox="1">
+            <a:spLocks noGrp="1"/>
+          </p:cNvSpPr>
           <p:nvPr>
-            <p:ph idx="12" type="sldNum"/>
+            <p:ph type="sldNum" idx="12"/>
           </p:nvPr>
         </p:nvSpPr>
         <p:spPr>
@@ -2318,7 +3039,7 @@
           </a:prstGeom>
         </p:spPr>
         <p:txBody>
-          <a:bodyPr anchorCtr="0" anchor="ctr" bIns="91425" lIns="91425" spcFirstLastPara="1" rIns="91425" wrap="square" tIns="91425">
+          <a:bodyPr spcFirstLastPara="1" wrap="square" lIns="91425" tIns="91425" rIns="91425" bIns="91425" anchor="ctr" anchorCtr="0">
             <a:normAutofit/>
           </a:bodyPr>
           <a:lstStyle>
@@ -2360,7 +3081,7 @@
             </a:lvl9pPr>
           </a:lstStyle>
           <a:p>
-            <a:pPr indent="0" lvl="0" marL="0" rtl="0" algn="r">
+            <a:pPr marL="0" lvl="0" indent="0" algn="r" rtl="0">
               <a:spcBef>
                 <a:spcPts val="0"/>
               </a:spcBef>
@@ -2386,11 +3107,11 @@
 </file>
 
 <file path=ppt/slideLayouts/slideLayout2.xml><?xml version="1.0" encoding="utf-8"?>
-<p:sldLayout xmlns:a="http://schemas.openxmlformats.org/drawingml/2006/main" xmlns:r="http://schemas.openxmlformats.org/officeDocument/2006/relationships" xmlns:mc="http://schemas.openxmlformats.org/markup-compatibility/2006" xmlns:mv="urn:schemas-microsoft-com:mac:vml" xmlns:p="http://schemas.openxmlformats.org/presentationml/2006/main" xmlns:c="http://schemas.openxmlformats.org/drawingml/2006/chart" xmlns:dgm="http://schemas.openxmlformats.org/drawingml/2006/diagram" xmlns:o="urn:schemas-microsoft-com:office:office" xmlns:v="urn:schemas-microsoft-com:vml" xmlns:pvml="urn:schemas-microsoft-com:office:powerpoint" xmlns:com="http://schemas.openxmlformats.org/drawingml/2006/compatibility" xmlns:p14="http://schemas.microsoft.com/office/powerpoint/2010/main" xmlns:p15="http://schemas.microsoft.com/office/powerpoint/2012/main" xmlns:ahyp="http://schemas.microsoft.com/office/drawing/2018/hyperlinkcolor" matchingName="Section header" type="secHead">
+<p:sldLayout xmlns:a="http://schemas.openxmlformats.org/drawingml/2006/main" xmlns:r="http://schemas.openxmlformats.org/officeDocument/2006/relationships" xmlns:p="http://schemas.openxmlformats.org/presentationml/2006/main" matchingName="Section header" type="secHead">
   <p:cSld name="SECTION_HEADER">
     <p:spTree>
       <p:nvGrpSpPr>
-        <p:cNvPr id="14" name="Shape 14"/>
+        <p:cNvPr id="1" name="Shape 14"/>
         <p:cNvGrpSpPr/>
         <p:nvPr/>
       </p:nvGrpSpPr>
@@ -2405,7 +3126,9 @@
       <p:sp>
         <p:nvSpPr>
           <p:cNvPr id="15" name="Google Shape;15;p3"/>
-          <p:cNvSpPr txBox="1"/>
+          <p:cNvSpPr txBox="1">
+            <a:spLocks noGrp="1"/>
+          </p:cNvSpPr>
           <p:nvPr>
             <p:ph type="title"/>
           </p:nvPr>
@@ -2420,7 +3143,7 @@
           </a:prstGeom>
         </p:spPr>
         <p:txBody>
-          <a:bodyPr anchorCtr="0" anchor="ctr" bIns="91425" lIns="91425" spcFirstLastPara="1" rIns="91425" wrap="square" tIns="91425">
+          <a:bodyPr spcFirstLastPara="1" wrap="square" lIns="91425" tIns="91425" rIns="91425" bIns="91425" anchor="ctr" anchorCtr="0">
             <a:normAutofit/>
           </a:bodyPr>
           <a:lstStyle>
@@ -2524,15 +3247,19 @@
               <a:defRPr sz="3600"/>
             </a:lvl9pPr>
           </a:lstStyle>
-          <a:p/>
+          <a:p>
+            <a:endParaRPr/>
+          </a:p>
         </p:txBody>
       </p:sp>
       <p:sp>
         <p:nvSpPr>
           <p:cNvPr id="16" name="Google Shape;16;p3"/>
-          <p:cNvSpPr txBox="1"/>
+          <p:cNvSpPr txBox="1">
+            <a:spLocks noGrp="1"/>
+          </p:cNvSpPr>
           <p:nvPr>
-            <p:ph idx="12" type="sldNum"/>
+            <p:ph type="sldNum" idx="12"/>
           </p:nvPr>
         </p:nvSpPr>
         <p:spPr>
@@ -2545,7 +3272,7 @@
           </a:prstGeom>
         </p:spPr>
         <p:txBody>
-          <a:bodyPr anchorCtr="0" anchor="ctr" bIns="91425" lIns="91425" spcFirstLastPara="1" rIns="91425" wrap="square" tIns="91425">
+          <a:bodyPr spcFirstLastPara="1" wrap="square" lIns="91425" tIns="91425" rIns="91425" bIns="91425" anchor="ctr" anchorCtr="0">
             <a:normAutofit/>
           </a:bodyPr>
           <a:lstStyle>
@@ -2587,7 +3314,7 @@
             </a:lvl9pPr>
           </a:lstStyle>
           <a:p>
-            <a:pPr indent="0" lvl="0" marL="0" rtl="0" algn="r">
+            <a:pPr marL="0" lvl="0" indent="0" algn="r" rtl="0">
               <a:spcBef>
                 <a:spcPts val="0"/>
               </a:spcBef>
@@ -2613,11 +3340,11 @@
 </file>
 
 <file path=ppt/slideLayouts/slideLayout3.xml><?xml version="1.0" encoding="utf-8"?>
-<p:sldLayout xmlns:a="http://schemas.openxmlformats.org/drawingml/2006/main" xmlns:r="http://schemas.openxmlformats.org/officeDocument/2006/relationships" xmlns:mc="http://schemas.openxmlformats.org/markup-compatibility/2006" xmlns:mv="urn:schemas-microsoft-com:mac:vml" xmlns:p="http://schemas.openxmlformats.org/presentationml/2006/main" xmlns:c="http://schemas.openxmlformats.org/drawingml/2006/chart" xmlns:dgm="http://schemas.openxmlformats.org/drawingml/2006/diagram" xmlns:o="urn:schemas-microsoft-com:office:office" xmlns:v="urn:schemas-microsoft-com:vml" xmlns:pvml="urn:schemas-microsoft-com:office:powerpoint" xmlns:com="http://schemas.openxmlformats.org/drawingml/2006/compatibility" xmlns:p14="http://schemas.microsoft.com/office/powerpoint/2010/main" xmlns:p15="http://schemas.microsoft.com/office/powerpoint/2012/main" xmlns:ahyp="http://schemas.microsoft.com/office/drawing/2018/hyperlinkcolor" matchingName="Title and body" type="tx">
+<p:sldLayout xmlns:a="http://schemas.openxmlformats.org/drawingml/2006/main" xmlns:r="http://schemas.openxmlformats.org/officeDocument/2006/relationships" xmlns:p="http://schemas.openxmlformats.org/presentationml/2006/main" matchingName="Title and body" type="tx">
   <p:cSld name="TITLE_AND_BODY">
     <p:spTree>
       <p:nvGrpSpPr>
-        <p:cNvPr id="17" name="Shape 17"/>
+        <p:cNvPr id="1" name="Shape 17"/>
         <p:cNvGrpSpPr/>
         <p:nvPr/>
       </p:nvGrpSpPr>
@@ -2632,7 +3359,9 @@
       <p:sp>
         <p:nvSpPr>
           <p:cNvPr id="18" name="Google Shape;18;p4"/>
-          <p:cNvSpPr txBox="1"/>
+          <p:cNvSpPr txBox="1">
+            <a:spLocks noGrp="1"/>
+          </p:cNvSpPr>
           <p:nvPr>
             <p:ph type="title"/>
           </p:nvPr>
@@ -2647,7 +3376,7 @@
           </a:prstGeom>
         </p:spPr>
         <p:txBody>
-          <a:bodyPr anchorCtr="0" anchor="t" bIns="91425" lIns="91425" spcFirstLastPara="1" rIns="91425" wrap="square" tIns="91425">
+          <a:bodyPr spcFirstLastPara="1" wrap="square" lIns="91425" tIns="91425" rIns="91425" bIns="91425" anchor="t" anchorCtr="0">
             <a:normAutofit/>
           </a:bodyPr>
           <a:lstStyle>
@@ -2751,15 +3480,19 @@
               <a:defRPr/>
             </a:lvl9pPr>
           </a:lstStyle>
-          <a:p/>
+          <a:p>
+            <a:endParaRPr/>
+          </a:p>
         </p:txBody>
       </p:sp>
       <p:sp>
         <p:nvSpPr>
           <p:cNvPr id="19" name="Google Shape;19;p4"/>
-          <p:cNvSpPr txBox="1"/>
+          <p:cNvSpPr txBox="1">
+            <a:spLocks noGrp="1"/>
+          </p:cNvSpPr>
           <p:nvPr>
-            <p:ph idx="1" type="body"/>
+            <p:ph type="body" idx="1"/>
           </p:nvPr>
         </p:nvSpPr>
         <p:spPr>
@@ -2772,11 +3505,11 @@
           </a:prstGeom>
         </p:spPr>
         <p:txBody>
-          <a:bodyPr anchorCtr="0" anchor="t" bIns="91425" lIns="91425" spcFirstLastPara="1" rIns="91425" wrap="square" tIns="91425">
+          <a:bodyPr spcFirstLastPara="1" wrap="square" lIns="91425" tIns="91425" rIns="91425" bIns="91425" anchor="t" anchorCtr="0">
             <a:normAutofit/>
           </a:bodyPr>
           <a:lstStyle>
-            <a:lvl1pPr indent="-342900" lvl="0" marL="457200">
+            <a:lvl1pPr marL="457200" lvl="0" indent="-342900">
               <a:spcBef>
                 <a:spcPts val="0"/>
               </a:spcBef>
@@ -2787,7 +3520,7 @@
               <a:buChar char="●"/>
               <a:defRPr/>
             </a:lvl1pPr>
-            <a:lvl2pPr indent="-317500" lvl="1" marL="914400">
+            <a:lvl2pPr marL="914400" lvl="1" indent="-317500">
               <a:spcBef>
                 <a:spcPts val="0"/>
               </a:spcBef>
@@ -2798,7 +3531,7 @@
               <a:buChar char="○"/>
               <a:defRPr/>
             </a:lvl2pPr>
-            <a:lvl3pPr indent="-317500" lvl="2" marL="1371600">
+            <a:lvl3pPr marL="1371600" lvl="2" indent="-317500">
               <a:spcBef>
                 <a:spcPts val="0"/>
               </a:spcBef>
@@ -2809,7 +3542,7 @@
               <a:buChar char="■"/>
               <a:defRPr/>
             </a:lvl3pPr>
-            <a:lvl4pPr indent="-317500" lvl="3" marL="1828800">
+            <a:lvl4pPr marL="1828800" lvl="3" indent="-317500">
               <a:spcBef>
                 <a:spcPts val="0"/>
               </a:spcBef>
@@ -2820,7 +3553,7 @@
               <a:buChar char="●"/>
               <a:defRPr/>
             </a:lvl4pPr>
-            <a:lvl5pPr indent="-317500" lvl="4" marL="2286000">
+            <a:lvl5pPr marL="2286000" lvl="4" indent="-317500">
               <a:spcBef>
                 <a:spcPts val="0"/>
               </a:spcBef>
@@ -2831,7 +3564,7 @@
               <a:buChar char="○"/>
               <a:defRPr/>
             </a:lvl5pPr>
-            <a:lvl6pPr indent="-317500" lvl="5" marL="2743200">
+            <a:lvl6pPr marL="2743200" lvl="5" indent="-317500">
               <a:spcBef>
                 <a:spcPts val="0"/>
               </a:spcBef>
@@ -2842,7 +3575,7 @@
               <a:buChar char="■"/>
               <a:defRPr/>
             </a:lvl6pPr>
-            <a:lvl7pPr indent="-317500" lvl="6" marL="3200400">
+            <a:lvl7pPr marL="3200400" lvl="6" indent="-317500">
               <a:spcBef>
                 <a:spcPts val="0"/>
               </a:spcBef>
@@ -2853,7 +3586,7 @@
               <a:buChar char="●"/>
               <a:defRPr/>
             </a:lvl7pPr>
-            <a:lvl8pPr indent="-317500" lvl="7" marL="3657600">
+            <a:lvl8pPr marL="3657600" lvl="7" indent="-317500">
               <a:spcBef>
                 <a:spcPts val="0"/>
               </a:spcBef>
@@ -2864,7 +3597,7 @@
               <a:buChar char="○"/>
               <a:defRPr/>
             </a:lvl8pPr>
-            <a:lvl9pPr indent="-317500" lvl="8" marL="4114800">
+            <a:lvl9pPr marL="4114800" lvl="8" indent="-317500">
               <a:spcBef>
                 <a:spcPts val="0"/>
               </a:spcBef>
@@ -2876,15 +3609,19 @@
               <a:defRPr/>
             </a:lvl9pPr>
           </a:lstStyle>
-          <a:p/>
+          <a:p>
+            <a:endParaRPr/>
+          </a:p>
         </p:txBody>
       </p:sp>
       <p:sp>
         <p:nvSpPr>
           <p:cNvPr id="20" name="Google Shape;20;p4"/>
-          <p:cNvSpPr txBox="1"/>
+          <p:cNvSpPr txBox="1">
+            <a:spLocks noGrp="1"/>
+          </p:cNvSpPr>
           <p:nvPr>
-            <p:ph idx="12" type="sldNum"/>
+            <p:ph type="sldNum" idx="12"/>
           </p:nvPr>
         </p:nvSpPr>
         <p:spPr>
@@ -2897,7 +3634,7 @@
           </a:prstGeom>
         </p:spPr>
         <p:txBody>
-          <a:bodyPr anchorCtr="0" anchor="ctr" bIns="91425" lIns="91425" spcFirstLastPara="1" rIns="91425" wrap="square" tIns="91425">
+          <a:bodyPr spcFirstLastPara="1" wrap="square" lIns="91425" tIns="91425" rIns="91425" bIns="91425" anchor="ctr" anchorCtr="0">
             <a:normAutofit/>
           </a:bodyPr>
           <a:lstStyle>
@@ -2939,7 +3676,7 @@
             </a:lvl9pPr>
           </a:lstStyle>
           <a:p>
-            <a:pPr indent="0" lvl="0" marL="0" rtl="0" algn="r">
+            <a:pPr marL="0" lvl="0" indent="0" algn="r" rtl="0">
               <a:spcBef>
                 <a:spcPts val="0"/>
               </a:spcBef>
@@ -2965,11 +3702,11 @@
 </file>
 
 <file path=ppt/slideLayouts/slideLayout4.xml><?xml version="1.0" encoding="utf-8"?>
-<p:sldLayout xmlns:a="http://schemas.openxmlformats.org/drawingml/2006/main" xmlns:r="http://schemas.openxmlformats.org/officeDocument/2006/relationships" xmlns:mc="http://schemas.openxmlformats.org/markup-compatibility/2006" xmlns:mv="urn:schemas-microsoft-com:mac:vml" xmlns:p="http://schemas.openxmlformats.org/presentationml/2006/main" xmlns:c="http://schemas.openxmlformats.org/drawingml/2006/chart" xmlns:dgm="http://schemas.openxmlformats.org/drawingml/2006/diagram" xmlns:o="urn:schemas-microsoft-com:office:office" xmlns:v="urn:schemas-microsoft-com:vml" xmlns:pvml="urn:schemas-microsoft-com:office:powerpoint" xmlns:com="http://schemas.openxmlformats.org/drawingml/2006/compatibility" xmlns:p14="http://schemas.microsoft.com/office/powerpoint/2010/main" xmlns:p15="http://schemas.microsoft.com/office/powerpoint/2012/main" xmlns:ahyp="http://schemas.microsoft.com/office/drawing/2018/hyperlinkcolor" matchingName="Title and two columns" type="twoColTx">
+<p:sldLayout xmlns:a="http://schemas.openxmlformats.org/drawingml/2006/main" xmlns:r="http://schemas.openxmlformats.org/officeDocument/2006/relationships" xmlns:p="http://schemas.openxmlformats.org/presentationml/2006/main" matchingName="Title and two columns" type="twoColTx">
   <p:cSld name="TITLE_AND_TWO_COLUMNS">
     <p:spTree>
       <p:nvGrpSpPr>
-        <p:cNvPr id="21" name="Shape 21"/>
+        <p:cNvPr id="1" name="Shape 21"/>
         <p:cNvGrpSpPr/>
         <p:nvPr/>
       </p:nvGrpSpPr>
@@ -2984,7 +3721,9 @@
       <p:sp>
         <p:nvSpPr>
           <p:cNvPr id="22" name="Google Shape;22;p5"/>
-          <p:cNvSpPr txBox="1"/>
+          <p:cNvSpPr txBox="1">
+            <a:spLocks noGrp="1"/>
+          </p:cNvSpPr>
           <p:nvPr>
             <p:ph type="title"/>
           </p:nvPr>
@@ -2999,7 +3738,7 @@
           </a:prstGeom>
         </p:spPr>
         <p:txBody>
-          <a:bodyPr anchorCtr="0" anchor="t" bIns="91425" lIns="91425" spcFirstLastPara="1" rIns="91425" wrap="square" tIns="91425">
+          <a:bodyPr spcFirstLastPara="1" wrap="square" lIns="91425" tIns="91425" rIns="91425" bIns="91425" anchor="t" anchorCtr="0">
             <a:normAutofit/>
           </a:bodyPr>
           <a:lstStyle>
@@ -3103,15 +3842,19 @@
               <a:defRPr/>
             </a:lvl9pPr>
           </a:lstStyle>
-          <a:p/>
+          <a:p>
+            <a:endParaRPr/>
+          </a:p>
         </p:txBody>
       </p:sp>
       <p:sp>
         <p:nvSpPr>
           <p:cNvPr id="23" name="Google Shape;23;p5"/>
-          <p:cNvSpPr txBox="1"/>
+          <p:cNvSpPr txBox="1">
+            <a:spLocks noGrp="1"/>
+          </p:cNvSpPr>
           <p:nvPr>
-            <p:ph idx="1" type="body"/>
+            <p:ph type="body" idx="1"/>
           </p:nvPr>
         </p:nvSpPr>
         <p:spPr>
@@ -3124,11 +3867,11 @@
           </a:prstGeom>
         </p:spPr>
         <p:txBody>
-          <a:bodyPr anchorCtr="0" anchor="t" bIns="91425" lIns="91425" spcFirstLastPara="1" rIns="91425" wrap="square" tIns="91425">
+          <a:bodyPr spcFirstLastPara="1" wrap="square" lIns="91425" tIns="91425" rIns="91425" bIns="91425" anchor="t" anchorCtr="0">
             <a:normAutofit/>
           </a:bodyPr>
           <a:lstStyle>
-            <a:lvl1pPr indent="-317500" lvl="0" marL="457200">
+            <a:lvl1pPr marL="457200" lvl="0" indent="-317500">
               <a:spcBef>
                 <a:spcPts val="0"/>
               </a:spcBef>
@@ -3139,7 +3882,7 @@
               <a:buChar char="●"/>
               <a:defRPr sz="1400"/>
             </a:lvl1pPr>
-            <a:lvl2pPr indent="-304800" lvl="1" marL="914400">
+            <a:lvl2pPr marL="914400" lvl="1" indent="-304800">
               <a:spcBef>
                 <a:spcPts val="0"/>
               </a:spcBef>
@@ -3150,7 +3893,7 @@
               <a:buChar char="○"/>
               <a:defRPr sz="1200"/>
             </a:lvl2pPr>
-            <a:lvl3pPr indent="-304800" lvl="2" marL="1371600">
+            <a:lvl3pPr marL="1371600" lvl="2" indent="-304800">
               <a:spcBef>
                 <a:spcPts val="0"/>
               </a:spcBef>
@@ -3161,7 +3904,7 @@
               <a:buChar char="■"/>
               <a:defRPr sz="1200"/>
             </a:lvl3pPr>
-            <a:lvl4pPr indent="-304800" lvl="3" marL="1828800">
+            <a:lvl4pPr marL="1828800" lvl="3" indent="-304800">
               <a:spcBef>
                 <a:spcPts val="0"/>
               </a:spcBef>
@@ -3172,7 +3915,7 @@
               <a:buChar char="●"/>
               <a:defRPr sz="1200"/>
             </a:lvl4pPr>
-            <a:lvl5pPr indent="-304800" lvl="4" marL="2286000">
+            <a:lvl5pPr marL="2286000" lvl="4" indent="-304800">
               <a:spcBef>
                 <a:spcPts val="0"/>
               </a:spcBef>
@@ -3183,7 +3926,7 @@
               <a:buChar char="○"/>
               <a:defRPr sz="1200"/>
             </a:lvl5pPr>
-            <a:lvl6pPr indent="-304800" lvl="5" marL="2743200">
+            <a:lvl6pPr marL="2743200" lvl="5" indent="-304800">
               <a:spcBef>
                 <a:spcPts val="0"/>
               </a:spcBef>
@@ -3194,7 +3937,7 @@
               <a:buChar char="■"/>
               <a:defRPr sz="1200"/>
             </a:lvl6pPr>
-            <a:lvl7pPr indent="-304800" lvl="6" marL="3200400">
+            <a:lvl7pPr marL="3200400" lvl="6" indent="-304800">
               <a:spcBef>
                 <a:spcPts val="0"/>
               </a:spcBef>
@@ -3205,7 +3948,7 @@
               <a:buChar char="●"/>
               <a:defRPr sz="1200"/>
             </a:lvl7pPr>
-            <a:lvl8pPr indent="-304800" lvl="7" marL="3657600">
+            <a:lvl8pPr marL="3657600" lvl="7" indent="-304800">
               <a:spcBef>
                 <a:spcPts val="0"/>
               </a:spcBef>
@@ -3216,7 +3959,7 @@
               <a:buChar char="○"/>
               <a:defRPr sz="1200"/>
             </a:lvl8pPr>
-            <a:lvl9pPr indent="-304800" lvl="8" marL="4114800">
+            <a:lvl9pPr marL="4114800" lvl="8" indent="-304800">
               <a:spcBef>
                 <a:spcPts val="0"/>
               </a:spcBef>
@@ -3228,15 +3971,19 @@
               <a:defRPr sz="1200"/>
             </a:lvl9pPr>
           </a:lstStyle>
-          <a:p/>
+          <a:p>
+            <a:endParaRPr/>
+          </a:p>
         </p:txBody>
       </p:sp>
       <p:sp>
         <p:nvSpPr>
           <p:cNvPr id="24" name="Google Shape;24;p5"/>
-          <p:cNvSpPr txBox="1"/>
+          <p:cNvSpPr txBox="1">
+            <a:spLocks noGrp="1"/>
+          </p:cNvSpPr>
           <p:nvPr>
-            <p:ph idx="2" type="body"/>
+            <p:ph type="body" idx="2"/>
           </p:nvPr>
         </p:nvSpPr>
         <p:spPr>
@@ -3249,11 +3996,11 @@
           </a:prstGeom>
         </p:spPr>
         <p:txBody>
-          <a:bodyPr anchorCtr="0" anchor="t" bIns="91425" lIns="91425" spcFirstLastPara="1" rIns="91425" wrap="square" tIns="91425">
+          <a:bodyPr spcFirstLastPara="1" wrap="square" lIns="91425" tIns="91425" rIns="91425" bIns="91425" anchor="t" anchorCtr="0">
             <a:normAutofit/>
           </a:bodyPr>
           <a:lstStyle>
-            <a:lvl1pPr indent="-317500" lvl="0" marL="457200">
+            <a:lvl1pPr marL="457200" lvl="0" indent="-317500">
               <a:spcBef>
                 <a:spcPts val="0"/>
               </a:spcBef>
@@ -3264,7 +4011,7 @@
               <a:buChar char="●"/>
               <a:defRPr sz="1400"/>
             </a:lvl1pPr>
-            <a:lvl2pPr indent="-304800" lvl="1" marL="914400">
+            <a:lvl2pPr marL="914400" lvl="1" indent="-304800">
               <a:spcBef>
                 <a:spcPts val="0"/>
               </a:spcBef>
@@ -3275,7 +4022,7 @@
               <a:buChar char="○"/>
               <a:defRPr sz="1200"/>
             </a:lvl2pPr>
-            <a:lvl3pPr indent="-304800" lvl="2" marL="1371600">
+            <a:lvl3pPr marL="1371600" lvl="2" indent="-304800">
               <a:spcBef>
                 <a:spcPts val="0"/>
               </a:spcBef>
@@ -3286,7 +4033,7 @@
               <a:buChar char="■"/>
               <a:defRPr sz="1200"/>
             </a:lvl3pPr>
-            <a:lvl4pPr indent="-304800" lvl="3" marL="1828800">
+            <a:lvl4pPr marL="1828800" lvl="3" indent="-304800">
               <a:spcBef>
                 <a:spcPts val="0"/>
               </a:spcBef>
@@ -3297,7 +4044,7 @@
               <a:buChar char="●"/>
               <a:defRPr sz="1200"/>
             </a:lvl4pPr>
-            <a:lvl5pPr indent="-304800" lvl="4" marL="2286000">
+            <a:lvl5pPr marL="2286000" lvl="4" indent="-304800">
               <a:spcBef>
                 <a:spcPts val="0"/>
               </a:spcBef>
@@ -3308,7 +4055,7 @@
               <a:buChar char="○"/>
               <a:defRPr sz="1200"/>
             </a:lvl5pPr>
-            <a:lvl6pPr indent="-304800" lvl="5" marL="2743200">
+            <a:lvl6pPr marL="2743200" lvl="5" indent="-304800">
               <a:spcBef>
                 <a:spcPts val="0"/>
               </a:spcBef>
@@ -3319,7 +4066,7 @@
               <a:buChar char="■"/>
               <a:defRPr sz="1200"/>
             </a:lvl6pPr>
-            <a:lvl7pPr indent="-304800" lvl="6" marL="3200400">
+            <a:lvl7pPr marL="3200400" lvl="6" indent="-304800">
               <a:spcBef>
                 <a:spcPts val="0"/>
               </a:spcBef>
@@ -3330,7 +4077,7 @@
               <a:buChar char="●"/>
               <a:defRPr sz="1200"/>
             </a:lvl7pPr>
-            <a:lvl8pPr indent="-304800" lvl="7" marL="3657600">
+            <a:lvl8pPr marL="3657600" lvl="7" indent="-304800">
               <a:spcBef>
                 <a:spcPts val="0"/>
               </a:spcBef>
@@ -3341,7 +4088,7 @@
               <a:buChar char="○"/>
               <a:defRPr sz="1200"/>
             </a:lvl8pPr>
-            <a:lvl9pPr indent="-304800" lvl="8" marL="4114800">
+            <a:lvl9pPr marL="4114800" lvl="8" indent="-304800">
               <a:spcBef>
                 <a:spcPts val="0"/>
               </a:spcBef>
@@ -3353,15 +4100,19 @@
               <a:defRPr sz="1200"/>
             </a:lvl9pPr>
           </a:lstStyle>
-          <a:p/>
+          <a:p>
+            <a:endParaRPr/>
+          </a:p>
         </p:txBody>
       </p:sp>
       <p:sp>
         <p:nvSpPr>
           <p:cNvPr id="25" name="Google Shape;25;p5"/>
-          <p:cNvSpPr txBox="1"/>
+          <p:cNvSpPr txBox="1">
+            <a:spLocks noGrp="1"/>
+          </p:cNvSpPr>
           <p:nvPr>
-            <p:ph idx="12" type="sldNum"/>
+            <p:ph type="sldNum" idx="12"/>
           </p:nvPr>
         </p:nvSpPr>
         <p:spPr>
@@ -3374,7 +4125,7 @@
           </a:prstGeom>
         </p:spPr>
         <p:txBody>
-          <a:bodyPr anchorCtr="0" anchor="ctr" bIns="91425" lIns="91425" spcFirstLastPara="1" rIns="91425" wrap="square" tIns="91425">
+          <a:bodyPr spcFirstLastPara="1" wrap="square" lIns="91425" tIns="91425" rIns="91425" bIns="91425" anchor="ctr" anchorCtr="0">
             <a:normAutofit/>
           </a:bodyPr>
           <a:lstStyle>
@@ -3416,7 +4167,7 @@
             </a:lvl9pPr>
           </a:lstStyle>
           <a:p>
-            <a:pPr indent="0" lvl="0" marL="0" rtl="0" algn="r">
+            <a:pPr marL="0" lvl="0" indent="0" algn="r" rtl="0">
               <a:spcBef>
                 <a:spcPts val="0"/>
               </a:spcBef>
@@ -3442,11 +4193,11 @@
 </file>
 
 <file path=ppt/slideLayouts/slideLayout5.xml><?xml version="1.0" encoding="utf-8"?>
-<p:sldLayout xmlns:a="http://schemas.openxmlformats.org/drawingml/2006/main" xmlns:r="http://schemas.openxmlformats.org/officeDocument/2006/relationships" xmlns:mc="http://schemas.openxmlformats.org/markup-compatibility/2006" xmlns:mv="urn:schemas-microsoft-com:mac:vml" xmlns:p="http://schemas.openxmlformats.org/presentationml/2006/main" xmlns:c="http://schemas.openxmlformats.org/drawingml/2006/chart" xmlns:dgm="http://schemas.openxmlformats.org/drawingml/2006/diagram" xmlns:o="urn:schemas-microsoft-com:office:office" xmlns:v="urn:schemas-microsoft-com:vml" xmlns:pvml="urn:schemas-microsoft-com:office:powerpoint" xmlns:com="http://schemas.openxmlformats.org/drawingml/2006/compatibility" xmlns:p14="http://schemas.microsoft.com/office/powerpoint/2010/main" xmlns:p15="http://schemas.microsoft.com/office/powerpoint/2012/main" xmlns:ahyp="http://schemas.microsoft.com/office/drawing/2018/hyperlinkcolor" matchingName="Title only" type="titleOnly">
+<p:sldLayout xmlns:a="http://schemas.openxmlformats.org/drawingml/2006/main" xmlns:r="http://schemas.openxmlformats.org/officeDocument/2006/relationships" xmlns:p="http://schemas.openxmlformats.org/presentationml/2006/main" matchingName="Title only" type="titleOnly">
   <p:cSld name="TITLE_ONLY">
     <p:spTree>
       <p:nvGrpSpPr>
-        <p:cNvPr id="26" name="Shape 26"/>
+        <p:cNvPr id="1" name="Shape 26"/>
         <p:cNvGrpSpPr/>
         <p:nvPr/>
       </p:nvGrpSpPr>
@@ -3461,7 +4212,9 @@
       <p:sp>
         <p:nvSpPr>
           <p:cNvPr id="27" name="Google Shape;27;p6"/>
-          <p:cNvSpPr txBox="1"/>
+          <p:cNvSpPr txBox="1">
+            <a:spLocks noGrp="1"/>
+          </p:cNvSpPr>
           <p:nvPr>
             <p:ph type="title"/>
           </p:nvPr>
@@ -3476,7 +4229,7 @@
           </a:prstGeom>
         </p:spPr>
         <p:txBody>
-          <a:bodyPr anchorCtr="0" anchor="t" bIns="91425" lIns="91425" spcFirstLastPara="1" rIns="91425" wrap="square" tIns="91425">
+          <a:bodyPr spcFirstLastPara="1" wrap="square" lIns="91425" tIns="91425" rIns="91425" bIns="91425" anchor="t" anchorCtr="0">
             <a:normAutofit/>
           </a:bodyPr>
           <a:lstStyle>
@@ -3580,15 +4333,19 @@
               <a:defRPr/>
             </a:lvl9pPr>
           </a:lstStyle>
-          <a:p/>
+          <a:p>
+            <a:endParaRPr/>
+          </a:p>
         </p:txBody>
       </p:sp>
       <p:sp>
         <p:nvSpPr>
           <p:cNvPr id="28" name="Google Shape;28;p6"/>
-          <p:cNvSpPr txBox="1"/>
+          <p:cNvSpPr txBox="1">
+            <a:spLocks noGrp="1"/>
+          </p:cNvSpPr>
           <p:nvPr>
-            <p:ph idx="12" type="sldNum"/>
+            <p:ph type="sldNum" idx="12"/>
           </p:nvPr>
         </p:nvSpPr>
         <p:spPr>
@@ -3601,7 +4358,7 @@
           </a:prstGeom>
         </p:spPr>
         <p:txBody>
-          <a:bodyPr anchorCtr="0" anchor="ctr" bIns="91425" lIns="91425" spcFirstLastPara="1" rIns="91425" wrap="square" tIns="91425">
+          <a:bodyPr spcFirstLastPara="1" wrap="square" lIns="91425" tIns="91425" rIns="91425" bIns="91425" anchor="ctr" anchorCtr="0">
             <a:normAutofit/>
           </a:bodyPr>
           <a:lstStyle>
@@ -3643,7 +4400,7 @@
             </a:lvl9pPr>
           </a:lstStyle>
           <a:p>
-            <a:pPr indent="0" lvl="0" marL="0" rtl="0" algn="r">
+            <a:pPr marL="0" lvl="0" indent="0" algn="r" rtl="0">
               <a:spcBef>
                 <a:spcPts val="0"/>
               </a:spcBef>
@@ -3673,7 +4430,7 @@
           </a:xfrm>
           <a:prstGeom prst="roundRect">
             <a:avLst>
-              <a:gd fmla="val 16667" name="adj"/>
+              <a:gd name="adj" fmla="val 16667"/>
             </a:avLst>
           </a:prstGeom>
           <a:solidFill>
@@ -3686,12 +4443,12 @@
           </a:ln>
         </p:spPr>
         <p:txBody>
-          <a:bodyPr anchorCtr="0" anchor="ctr" bIns="91425" lIns="91425" spcFirstLastPara="1" rIns="91425" wrap="square" tIns="91425">
+          <a:bodyPr spcFirstLastPara="1" wrap="square" lIns="91425" tIns="91425" rIns="91425" bIns="91425" anchor="ctr" anchorCtr="0">
             <a:noAutofit/>
           </a:bodyPr>
           <a:lstStyle/>
           <a:p>
-            <a:pPr indent="0" lvl="0" marL="0" rtl="0" algn="ctr">
+            <a:pPr marL="0" lvl="0" indent="0" algn="ctr" rtl="0">
               <a:spcBef>
                 <a:spcPts val="0"/>
               </a:spcBef>
@@ -3700,9 +4457,6 @@
               </a:spcAft>
               <a:buNone/>
             </a:pPr>
-            <a:r>
-              <a:t/>
-            </a:r>
             <a:endParaRPr/>
           </a:p>
         </p:txBody>
@@ -3716,11 +4470,11 @@
 </file>
 
 <file path=ppt/slideLayouts/slideLayout6.xml><?xml version="1.0" encoding="utf-8"?>
-<p:sldLayout xmlns:a="http://schemas.openxmlformats.org/drawingml/2006/main" xmlns:r="http://schemas.openxmlformats.org/officeDocument/2006/relationships" xmlns:mc="http://schemas.openxmlformats.org/markup-compatibility/2006" xmlns:mv="urn:schemas-microsoft-com:mac:vml" xmlns:p="http://schemas.openxmlformats.org/presentationml/2006/main" xmlns:c="http://schemas.openxmlformats.org/drawingml/2006/chart" xmlns:dgm="http://schemas.openxmlformats.org/drawingml/2006/diagram" xmlns:o="urn:schemas-microsoft-com:office:office" xmlns:v="urn:schemas-microsoft-com:vml" xmlns:pvml="urn:schemas-microsoft-com:office:powerpoint" xmlns:com="http://schemas.openxmlformats.org/drawingml/2006/compatibility" xmlns:p14="http://schemas.microsoft.com/office/powerpoint/2010/main" xmlns:p15="http://schemas.microsoft.com/office/powerpoint/2012/main" xmlns:ahyp="http://schemas.microsoft.com/office/drawing/2018/hyperlinkcolor" matchingName="One column text">
+<p:sldLayout xmlns:a="http://schemas.openxmlformats.org/drawingml/2006/main" xmlns:r="http://schemas.openxmlformats.org/officeDocument/2006/relationships" xmlns:p="http://schemas.openxmlformats.org/presentationml/2006/main" matchingName="One column text">
   <p:cSld name="ONE_COLUMN_TEXT">
     <p:spTree>
       <p:nvGrpSpPr>
-        <p:cNvPr id="30" name="Shape 30"/>
+        <p:cNvPr id="1" name="Shape 30"/>
         <p:cNvGrpSpPr/>
         <p:nvPr/>
       </p:nvGrpSpPr>
@@ -3735,7 +4489,9 @@
       <p:sp>
         <p:nvSpPr>
           <p:cNvPr id="31" name="Google Shape;31;p7"/>
-          <p:cNvSpPr txBox="1"/>
+          <p:cNvSpPr txBox="1">
+            <a:spLocks noGrp="1"/>
+          </p:cNvSpPr>
           <p:nvPr>
             <p:ph type="title"/>
           </p:nvPr>
@@ -3750,7 +4506,7 @@
           </a:prstGeom>
         </p:spPr>
         <p:txBody>
-          <a:bodyPr anchorCtr="0" anchor="b" bIns="91425" lIns="91425" spcFirstLastPara="1" rIns="91425" wrap="square" tIns="91425">
+          <a:bodyPr spcFirstLastPara="1" wrap="square" lIns="91425" tIns="91425" rIns="91425" bIns="91425" anchor="b" anchorCtr="0">
             <a:normAutofit/>
           </a:bodyPr>
           <a:lstStyle>
@@ -3854,15 +4610,19 @@
               <a:defRPr sz="2400"/>
             </a:lvl9pPr>
           </a:lstStyle>
-          <a:p/>
+          <a:p>
+            <a:endParaRPr/>
+          </a:p>
         </p:txBody>
       </p:sp>
       <p:sp>
         <p:nvSpPr>
           <p:cNvPr id="32" name="Google Shape;32;p7"/>
-          <p:cNvSpPr txBox="1"/>
+          <p:cNvSpPr txBox="1">
+            <a:spLocks noGrp="1"/>
+          </p:cNvSpPr>
           <p:nvPr>
-            <p:ph idx="1" type="body"/>
+            <p:ph type="body" idx="1"/>
           </p:nvPr>
         </p:nvSpPr>
         <p:spPr>
@@ -3875,11 +4635,11 @@
           </a:prstGeom>
         </p:spPr>
         <p:txBody>
-          <a:bodyPr anchorCtr="0" anchor="t" bIns="91425" lIns="91425" spcFirstLastPara="1" rIns="91425" wrap="square" tIns="91425">
+          <a:bodyPr spcFirstLastPara="1" wrap="square" lIns="91425" tIns="91425" rIns="91425" bIns="91425" anchor="t" anchorCtr="0">
             <a:normAutofit/>
           </a:bodyPr>
           <a:lstStyle>
-            <a:lvl1pPr indent="-304800" lvl="0" marL="457200">
+            <a:lvl1pPr marL="457200" lvl="0" indent="-304800">
               <a:spcBef>
                 <a:spcPts val="0"/>
               </a:spcBef>
@@ -3890,7 +4650,7 @@
               <a:buChar char="●"/>
               <a:defRPr sz="1200"/>
             </a:lvl1pPr>
-            <a:lvl2pPr indent="-304800" lvl="1" marL="914400">
+            <a:lvl2pPr marL="914400" lvl="1" indent="-304800">
               <a:spcBef>
                 <a:spcPts val="0"/>
               </a:spcBef>
@@ -3901,7 +4661,7 @@
               <a:buChar char="○"/>
               <a:defRPr sz="1200"/>
             </a:lvl2pPr>
-            <a:lvl3pPr indent="-304800" lvl="2" marL="1371600">
+            <a:lvl3pPr marL="1371600" lvl="2" indent="-304800">
               <a:spcBef>
                 <a:spcPts val="0"/>
               </a:spcBef>
@@ -3912,7 +4672,7 @@
               <a:buChar char="■"/>
               <a:defRPr sz="1200"/>
             </a:lvl3pPr>
-            <a:lvl4pPr indent="-304800" lvl="3" marL="1828800">
+            <a:lvl4pPr marL="1828800" lvl="3" indent="-304800">
               <a:spcBef>
                 <a:spcPts val="0"/>
               </a:spcBef>
@@ -3923,7 +4683,7 @@
               <a:buChar char="●"/>
               <a:defRPr sz="1200"/>
             </a:lvl4pPr>
-            <a:lvl5pPr indent="-304800" lvl="4" marL="2286000">
+            <a:lvl5pPr marL="2286000" lvl="4" indent="-304800">
               <a:spcBef>
                 <a:spcPts val="0"/>
               </a:spcBef>
@@ -3934,7 +4694,7 @@
               <a:buChar char="○"/>
               <a:defRPr sz="1200"/>
             </a:lvl5pPr>
-            <a:lvl6pPr indent="-304800" lvl="5" marL="2743200">
+            <a:lvl6pPr marL="2743200" lvl="5" indent="-304800">
               <a:spcBef>
                 <a:spcPts val="0"/>
               </a:spcBef>
@@ -3945,7 +4705,7 @@
               <a:buChar char="■"/>
               <a:defRPr sz="1200"/>
             </a:lvl6pPr>
-            <a:lvl7pPr indent="-304800" lvl="6" marL="3200400">
+            <a:lvl7pPr marL="3200400" lvl="6" indent="-304800">
               <a:spcBef>
                 <a:spcPts val="0"/>
               </a:spcBef>
@@ -3956,7 +4716,7 @@
               <a:buChar char="●"/>
               <a:defRPr sz="1200"/>
             </a:lvl7pPr>
-            <a:lvl8pPr indent="-304800" lvl="7" marL="3657600">
+            <a:lvl8pPr marL="3657600" lvl="7" indent="-304800">
               <a:spcBef>
                 <a:spcPts val="0"/>
               </a:spcBef>
@@ -3967,7 +4727,7 @@
               <a:buChar char="○"/>
               <a:defRPr sz="1200"/>
             </a:lvl8pPr>
-            <a:lvl9pPr indent="-304800" lvl="8" marL="4114800">
+            <a:lvl9pPr marL="4114800" lvl="8" indent="-304800">
               <a:spcBef>
                 <a:spcPts val="0"/>
               </a:spcBef>
@@ -3979,15 +4739,19 @@
               <a:defRPr sz="1200"/>
             </a:lvl9pPr>
           </a:lstStyle>
-          <a:p/>
+          <a:p>
+            <a:endParaRPr/>
+          </a:p>
         </p:txBody>
       </p:sp>
       <p:sp>
         <p:nvSpPr>
           <p:cNvPr id="33" name="Google Shape;33;p7"/>
-          <p:cNvSpPr txBox="1"/>
+          <p:cNvSpPr txBox="1">
+            <a:spLocks noGrp="1"/>
+          </p:cNvSpPr>
           <p:nvPr>
-            <p:ph idx="12" type="sldNum"/>
+            <p:ph type="sldNum" idx="12"/>
           </p:nvPr>
         </p:nvSpPr>
         <p:spPr>
@@ -4000,7 +4764,7 @@
           </a:prstGeom>
         </p:spPr>
         <p:txBody>
-          <a:bodyPr anchorCtr="0" anchor="ctr" bIns="91425" lIns="91425" spcFirstLastPara="1" rIns="91425" wrap="square" tIns="91425">
+          <a:bodyPr spcFirstLastPara="1" wrap="square" lIns="91425" tIns="91425" rIns="91425" bIns="91425" anchor="ctr" anchorCtr="0">
             <a:normAutofit/>
           </a:bodyPr>
           <a:lstStyle>
@@ -4042,7 +4806,7 @@
             </a:lvl9pPr>
           </a:lstStyle>
           <a:p>
-            <a:pPr indent="0" lvl="0" marL="0" rtl="0" algn="r">
+            <a:pPr marL="0" lvl="0" indent="0" algn="r" rtl="0">
               <a:spcBef>
                 <a:spcPts val="0"/>
               </a:spcBef>
@@ -4068,11 +4832,11 @@
 </file>
 
 <file path=ppt/slideLayouts/slideLayout7.xml><?xml version="1.0" encoding="utf-8"?>
-<p:sldLayout xmlns:a="http://schemas.openxmlformats.org/drawingml/2006/main" xmlns:r="http://schemas.openxmlformats.org/officeDocument/2006/relationships" xmlns:mc="http://schemas.openxmlformats.org/markup-compatibility/2006" xmlns:mv="urn:schemas-microsoft-com:mac:vml" xmlns:p="http://schemas.openxmlformats.org/presentationml/2006/main" xmlns:c="http://schemas.openxmlformats.org/drawingml/2006/chart" xmlns:dgm="http://schemas.openxmlformats.org/drawingml/2006/diagram" xmlns:o="urn:schemas-microsoft-com:office:office" xmlns:v="urn:schemas-microsoft-com:vml" xmlns:pvml="urn:schemas-microsoft-com:office:powerpoint" xmlns:com="http://schemas.openxmlformats.org/drawingml/2006/compatibility" xmlns:p14="http://schemas.microsoft.com/office/powerpoint/2010/main" xmlns:p15="http://schemas.microsoft.com/office/powerpoint/2012/main" xmlns:ahyp="http://schemas.microsoft.com/office/drawing/2018/hyperlinkcolor" matchingName="Main point">
+<p:sldLayout xmlns:a="http://schemas.openxmlformats.org/drawingml/2006/main" xmlns:r="http://schemas.openxmlformats.org/officeDocument/2006/relationships" xmlns:p="http://schemas.openxmlformats.org/presentationml/2006/main" matchingName="Main point">
   <p:cSld name="MAIN_POINT">
     <p:spTree>
       <p:nvGrpSpPr>
-        <p:cNvPr id="34" name="Shape 34"/>
+        <p:cNvPr id="1" name="Shape 34"/>
         <p:cNvGrpSpPr/>
         <p:nvPr/>
       </p:nvGrpSpPr>
@@ -4087,7 +4851,9 @@
       <p:sp>
         <p:nvSpPr>
           <p:cNvPr id="35" name="Google Shape;35;p8"/>
-          <p:cNvSpPr txBox="1"/>
+          <p:cNvSpPr txBox="1">
+            <a:spLocks noGrp="1"/>
+          </p:cNvSpPr>
           <p:nvPr>
             <p:ph type="title"/>
           </p:nvPr>
@@ -4102,7 +4868,7 @@
           </a:prstGeom>
         </p:spPr>
         <p:txBody>
-          <a:bodyPr anchorCtr="0" anchor="ctr" bIns="91425" lIns="91425" spcFirstLastPara="1" rIns="91425" wrap="square" tIns="91425">
+          <a:bodyPr spcFirstLastPara="1" wrap="square" lIns="91425" tIns="91425" rIns="91425" bIns="91425" anchor="ctr" anchorCtr="0">
             <a:normAutofit/>
           </a:bodyPr>
           <a:lstStyle>
@@ -4206,15 +4972,19 @@
               <a:defRPr sz="4800"/>
             </a:lvl9pPr>
           </a:lstStyle>
-          <a:p/>
+          <a:p>
+            <a:endParaRPr/>
+          </a:p>
         </p:txBody>
       </p:sp>
       <p:sp>
         <p:nvSpPr>
           <p:cNvPr id="36" name="Google Shape;36;p8"/>
-          <p:cNvSpPr txBox="1"/>
+          <p:cNvSpPr txBox="1">
+            <a:spLocks noGrp="1"/>
+          </p:cNvSpPr>
           <p:nvPr>
-            <p:ph idx="12" type="sldNum"/>
+            <p:ph type="sldNum" idx="12"/>
           </p:nvPr>
         </p:nvSpPr>
         <p:spPr>
@@ -4227,7 +4997,7 @@
           </a:prstGeom>
         </p:spPr>
         <p:txBody>
-          <a:bodyPr anchorCtr="0" anchor="ctr" bIns="91425" lIns="91425" spcFirstLastPara="1" rIns="91425" wrap="square" tIns="91425">
+          <a:bodyPr spcFirstLastPara="1" wrap="square" lIns="91425" tIns="91425" rIns="91425" bIns="91425" anchor="ctr" anchorCtr="0">
             <a:normAutofit/>
           </a:bodyPr>
           <a:lstStyle>
@@ -4269,7 +5039,7 @@
             </a:lvl9pPr>
           </a:lstStyle>
           <a:p>
-            <a:pPr indent="0" lvl="0" marL="0" rtl="0" algn="r">
+            <a:pPr marL="0" lvl="0" indent="0" algn="r" rtl="0">
               <a:spcBef>
                 <a:spcPts val="0"/>
               </a:spcBef>
@@ -4295,11 +5065,11 @@
 </file>
 
 <file path=ppt/slideLayouts/slideLayout8.xml><?xml version="1.0" encoding="utf-8"?>
-<p:sldLayout xmlns:a="http://schemas.openxmlformats.org/drawingml/2006/main" xmlns:r="http://schemas.openxmlformats.org/officeDocument/2006/relationships" xmlns:mc="http://schemas.openxmlformats.org/markup-compatibility/2006" xmlns:mv="urn:schemas-microsoft-com:mac:vml" xmlns:p="http://schemas.openxmlformats.org/presentationml/2006/main" xmlns:c="http://schemas.openxmlformats.org/drawingml/2006/chart" xmlns:dgm="http://schemas.openxmlformats.org/drawingml/2006/diagram" xmlns:o="urn:schemas-microsoft-com:office:office" xmlns:v="urn:schemas-microsoft-com:vml" xmlns:pvml="urn:schemas-microsoft-com:office:powerpoint" xmlns:com="http://schemas.openxmlformats.org/drawingml/2006/compatibility" xmlns:p14="http://schemas.microsoft.com/office/powerpoint/2010/main" xmlns:p15="http://schemas.microsoft.com/office/powerpoint/2012/main" xmlns:ahyp="http://schemas.microsoft.com/office/drawing/2018/hyperlinkcolor" matchingName="Section title and description">
+<p:sldLayout xmlns:a="http://schemas.openxmlformats.org/drawingml/2006/main" xmlns:r="http://schemas.openxmlformats.org/officeDocument/2006/relationships" xmlns:p="http://schemas.openxmlformats.org/presentationml/2006/main" matchingName="Section title and description">
   <p:cSld name="SECTION_TITLE_AND_DESCRIPTION">
     <p:spTree>
       <p:nvGrpSpPr>
-        <p:cNvPr id="37" name="Shape 37"/>
+        <p:cNvPr id="1" name="Shape 37"/>
         <p:cNvGrpSpPr/>
         <p:nvPr/>
       </p:nvGrpSpPr>
@@ -4333,12 +5103,12 @@
           </a:ln>
         </p:spPr>
         <p:txBody>
-          <a:bodyPr anchorCtr="0" anchor="ctr" bIns="91425" lIns="91425" spcFirstLastPara="1" rIns="91425" wrap="square" tIns="91425">
+          <a:bodyPr spcFirstLastPara="1" wrap="square" lIns="91425" tIns="91425" rIns="91425" bIns="91425" anchor="ctr" anchorCtr="0">
             <a:noAutofit/>
           </a:bodyPr>
           <a:lstStyle/>
           <a:p>
-            <a:pPr indent="0" lvl="0" marL="0" rtl="0" algn="l">
+            <a:pPr marL="0" lvl="0" indent="0" algn="l" rtl="0">
               <a:spcBef>
                 <a:spcPts val="0"/>
               </a:spcBef>
@@ -4347,9 +5117,6 @@
               </a:spcAft>
               <a:buNone/>
             </a:pPr>
-            <a:r>
-              <a:t/>
-            </a:r>
             <a:endParaRPr/>
           </a:p>
         </p:txBody>
@@ -4357,7 +5124,9 @@
       <p:sp>
         <p:nvSpPr>
           <p:cNvPr id="39" name="Google Shape;39;p9"/>
-          <p:cNvSpPr txBox="1"/>
+          <p:cNvSpPr txBox="1">
+            <a:spLocks noGrp="1"/>
+          </p:cNvSpPr>
           <p:nvPr>
             <p:ph type="title"/>
           </p:nvPr>
@@ -4372,7 +5141,7 @@
           </a:prstGeom>
         </p:spPr>
         <p:txBody>
-          <a:bodyPr anchorCtr="0" anchor="b" bIns="91425" lIns="91425" spcFirstLastPara="1" rIns="91425" wrap="square" tIns="91425">
+          <a:bodyPr spcFirstLastPara="1" wrap="square" lIns="91425" tIns="91425" rIns="91425" bIns="91425" anchor="b" anchorCtr="0">
             <a:normAutofit/>
           </a:bodyPr>
           <a:lstStyle>
@@ -4476,15 +5245,19 @@
               <a:defRPr sz="4200"/>
             </a:lvl9pPr>
           </a:lstStyle>
-          <a:p/>
+          <a:p>
+            <a:endParaRPr/>
+          </a:p>
         </p:txBody>
       </p:sp>
       <p:sp>
         <p:nvSpPr>
           <p:cNvPr id="40" name="Google Shape;40;p9"/>
-          <p:cNvSpPr txBox="1"/>
+          <p:cNvSpPr txBox="1">
+            <a:spLocks noGrp="1"/>
+          </p:cNvSpPr>
           <p:nvPr>
-            <p:ph idx="1" type="subTitle"/>
+            <p:ph type="subTitle" idx="1"/>
           </p:nvPr>
         </p:nvSpPr>
         <p:spPr>
@@ -4497,7 +5270,7 @@
           </a:prstGeom>
         </p:spPr>
         <p:txBody>
-          <a:bodyPr anchorCtr="0" anchor="t" bIns="91425" lIns="91425" spcFirstLastPara="1" rIns="91425" wrap="square" tIns="91425">
+          <a:bodyPr spcFirstLastPara="1" wrap="square" lIns="91425" tIns="91425" rIns="91425" bIns="91425" anchor="t" anchorCtr="0">
             <a:normAutofit/>
           </a:bodyPr>
           <a:lstStyle>
@@ -4628,15 +5401,19 @@
               <a:defRPr sz="2100"/>
             </a:lvl9pPr>
           </a:lstStyle>
-          <a:p/>
+          <a:p>
+            <a:endParaRPr/>
+          </a:p>
         </p:txBody>
       </p:sp>
       <p:sp>
         <p:nvSpPr>
           <p:cNvPr id="41" name="Google Shape;41;p9"/>
-          <p:cNvSpPr txBox="1"/>
+          <p:cNvSpPr txBox="1">
+            <a:spLocks noGrp="1"/>
+          </p:cNvSpPr>
           <p:nvPr>
-            <p:ph idx="2" type="body"/>
+            <p:ph type="body" idx="2"/>
           </p:nvPr>
         </p:nvSpPr>
         <p:spPr>
@@ -4649,11 +5426,11 @@
           </a:prstGeom>
         </p:spPr>
         <p:txBody>
-          <a:bodyPr anchorCtr="0" anchor="ctr" bIns="91425" lIns="91425" spcFirstLastPara="1" rIns="91425" wrap="square" tIns="91425">
+          <a:bodyPr spcFirstLastPara="1" wrap="square" lIns="91425" tIns="91425" rIns="91425" bIns="91425" anchor="ctr" anchorCtr="0">
             <a:normAutofit/>
           </a:bodyPr>
           <a:lstStyle>
-            <a:lvl1pPr indent="-342900" lvl="0" marL="457200">
+            <a:lvl1pPr marL="457200" lvl="0" indent="-342900">
               <a:spcBef>
                 <a:spcPts val="0"/>
               </a:spcBef>
@@ -4664,7 +5441,7 @@
               <a:buChar char="●"/>
               <a:defRPr/>
             </a:lvl1pPr>
-            <a:lvl2pPr indent="-317500" lvl="1" marL="914400">
+            <a:lvl2pPr marL="914400" lvl="1" indent="-317500">
               <a:spcBef>
                 <a:spcPts val="0"/>
               </a:spcBef>
@@ -4675,7 +5452,7 @@
               <a:buChar char="○"/>
               <a:defRPr/>
             </a:lvl2pPr>
-            <a:lvl3pPr indent="-317500" lvl="2" marL="1371600">
+            <a:lvl3pPr marL="1371600" lvl="2" indent="-317500">
               <a:spcBef>
                 <a:spcPts val="0"/>
               </a:spcBef>
@@ -4686,7 +5463,7 @@
               <a:buChar char="■"/>
               <a:defRPr/>
             </a:lvl3pPr>
-            <a:lvl4pPr indent="-317500" lvl="3" marL="1828800">
+            <a:lvl4pPr marL="1828800" lvl="3" indent="-317500">
               <a:spcBef>
                 <a:spcPts val="0"/>
               </a:spcBef>
@@ -4697,7 +5474,7 @@
               <a:buChar char="●"/>
               <a:defRPr/>
             </a:lvl4pPr>
-            <a:lvl5pPr indent="-317500" lvl="4" marL="2286000">
+            <a:lvl5pPr marL="2286000" lvl="4" indent="-317500">
               <a:spcBef>
                 <a:spcPts val="0"/>
               </a:spcBef>
@@ -4708,7 +5485,7 @@
               <a:buChar char="○"/>
               <a:defRPr/>
             </a:lvl5pPr>
-            <a:lvl6pPr indent="-317500" lvl="5" marL="2743200">
+            <a:lvl6pPr marL="2743200" lvl="5" indent="-317500">
               <a:spcBef>
                 <a:spcPts val="0"/>
               </a:spcBef>
@@ -4719,7 +5496,7 @@
               <a:buChar char="■"/>
               <a:defRPr/>
             </a:lvl6pPr>
-            <a:lvl7pPr indent="-317500" lvl="6" marL="3200400">
+            <a:lvl7pPr marL="3200400" lvl="6" indent="-317500">
               <a:spcBef>
                 <a:spcPts val="0"/>
               </a:spcBef>
@@ -4730,7 +5507,7 @@
               <a:buChar char="●"/>
               <a:defRPr/>
             </a:lvl7pPr>
-            <a:lvl8pPr indent="-317500" lvl="7" marL="3657600">
+            <a:lvl8pPr marL="3657600" lvl="7" indent="-317500">
               <a:spcBef>
                 <a:spcPts val="0"/>
               </a:spcBef>
@@ -4741,7 +5518,7 @@
               <a:buChar char="○"/>
               <a:defRPr/>
             </a:lvl8pPr>
-            <a:lvl9pPr indent="-317500" lvl="8" marL="4114800">
+            <a:lvl9pPr marL="4114800" lvl="8" indent="-317500">
               <a:spcBef>
                 <a:spcPts val="0"/>
               </a:spcBef>
@@ -4753,15 +5530,19 @@
               <a:defRPr/>
             </a:lvl9pPr>
           </a:lstStyle>
-          <a:p/>
+          <a:p>
+            <a:endParaRPr/>
+          </a:p>
         </p:txBody>
       </p:sp>
       <p:sp>
         <p:nvSpPr>
           <p:cNvPr id="42" name="Google Shape;42;p9"/>
-          <p:cNvSpPr txBox="1"/>
+          <p:cNvSpPr txBox="1">
+            <a:spLocks noGrp="1"/>
+          </p:cNvSpPr>
           <p:nvPr>
-            <p:ph idx="12" type="sldNum"/>
+            <p:ph type="sldNum" idx="12"/>
           </p:nvPr>
         </p:nvSpPr>
         <p:spPr>
@@ -4774,7 +5555,7 @@
           </a:prstGeom>
         </p:spPr>
         <p:txBody>
-          <a:bodyPr anchorCtr="0" anchor="ctr" bIns="91425" lIns="91425" spcFirstLastPara="1" rIns="91425" wrap="square" tIns="91425">
+          <a:bodyPr spcFirstLastPara="1" wrap="square" lIns="91425" tIns="91425" rIns="91425" bIns="91425" anchor="ctr" anchorCtr="0">
             <a:normAutofit/>
           </a:bodyPr>
           <a:lstStyle>
@@ -4816,7 +5597,7 @@
             </a:lvl9pPr>
           </a:lstStyle>
           <a:p>
-            <a:pPr indent="0" lvl="0" marL="0" rtl="0" algn="r">
+            <a:pPr marL="0" lvl="0" indent="0" algn="r" rtl="0">
               <a:spcBef>
                 <a:spcPts val="0"/>
               </a:spcBef>
@@ -4842,11 +5623,11 @@
 </file>
 
 <file path=ppt/slideLayouts/slideLayout9.xml><?xml version="1.0" encoding="utf-8"?>
-<p:sldLayout xmlns:a="http://schemas.openxmlformats.org/drawingml/2006/main" xmlns:r="http://schemas.openxmlformats.org/officeDocument/2006/relationships" xmlns:mc="http://schemas.openxmlformats.org/markup-compatibility/2006" xmlns:mv="urn:schemas-microsoft-com:mac:vml" xmlns:p="http://schemas.openxmlformats.org/presentationml/2006/main" xmlns:c="http://schemas.openxmlformats.org/drawingml/2006/chart" xmlns:dgm="http://schemas.openxmlformats.org/drawingml/2006/diagram" xmlns:o="urn:schemas-microsoft-com:office:office" xmlns:v="urn:schemas-microsoft-com:vml" xmlns:pvml="urn:schemas-microsoft-com:office:powerpoint" xmlns:com="http://schemas.openxmlformats.org/drawingml/2006/compatibility" xmlns:p14="http://schemas.microsoft.com/office/powerpoint/2010/main" xmlns:p15="http://schemas.microsoft.com/office/powerpoint/2012/main" xmlns:ahyp="http://schemas.microsoft.com/office/drawing/2018/hyperlinkcolor" matchingName="Caption">
+<p:sldLayout xmlns:a="http://schemas.openxmlformats.org/drawingml/2006/main" xmlns:r="http://schemas.openxmlformats.org/officeDocument/2006/relationships" xmlns:p="http://schemas.openxmlformats.org/presentationml/2006/main" matchingName="Caption">
   <p:cSld name="CAPTION_ONLY">
     <p:spTree>
       <p:nvGrpSpPr>
-        <p:cNvPr id="43" name="Shape 43"/>
+        <p:cNvPr id="1" name="Shape 43"/>
         <p:cNvGrpSpPr/>
         <p:nvPr/>
       </p:nvGrpSpPr>
@@ -4861,9 +5642,11 @@
       <p:sp>
         <p:nvSpPr>
           <p:cNvPr id="44" name="Google Shape;44;p10"/>
-          <p:cNvSpPr txBox="1"/>
+          <p:cNvSpPr txBox="1">
+            <a:spLocks noGrp="1"/>
+          </p:cNvSpPr>
           <p:nvPr>
-            <p:ph idx="1" type="body"/>
+            <p:ph type="body" idx="1"/>
           </p:nvPr>
         </p:nvSpPr>
         <p:spPr>
@@ -4876,11 +5659,11 @@
           </a:prstGeom>
         </p:spPr>
         <p:txBody>
-          <a:bodyPr anchorCtr="0" anchor="ctr" bIns="91425" lIns="91425" spcFirstLastPara="1" rIns="91425" wrap="square" tIns="91425">
+          <a:bodyPr spcFirstLastPara="1" wrap="square" lIns="91425" tIns="91425" rIns="91425" bIns="91425" anchor="ctr" anchorCtr="0">
             <a:normAutofit/>
           </a:bodyPr>
           <a:lstStyle>
-            <a:lvl1pPr indent="-228600" lvl="0" marL="457200">
+            <a:lvl1pPr marL="457200" lvl="0" indent="-228600">
               <a:lnSpc>
                 <a:spcPct val="100000"/>
               </a:lnSpc>
@@ -4895,15 +5678,19 @@
               <a:defRPr/>
             </a:lvl1pPr>
           </a:lstStyle>
-          <a:p/>
+          <a:p>
+            <a:endParaRPr/>
+          </a:p>
         </p:txBody>
       </p:sp>
       <p:sp>
         <p:nvSpPr>
           <p:cNvPr id="45" name="Google Shape;45;p10"/>
-          <p:cNvSpPr txBox="1"/>
+          <p:cNvSpPr txBox="1">
+            <a:spLocks noGrp="1"/>
+          </p:cNvSpPr>
           <p:nvPr>
-            <p:ph idx="12" type="sldNum"/>
+            <p:ph type="sldNum" idx="12"/>
           </p:nvPr>
         </p:nvSpPr>
         <p:spPr>
@@ -4916,7 +5703,7 @@
           </a:prstGeom>
         </p:spPr>
         <p:txBody>
-          <a:bodyPr anchorCtr="0" anchor="ctr" bIns="91425" lIns="91425" spcFirstLastPara="1" rIns="91425" wrap="square" tIns="91425">
+          <a:bodyPr spcFirstLastPara="1" wrap="square" lIns="91425" tIns="91425" rIns="91425" bIns="91425" anchor="ctr" anchorCtr="0">
             <a:normAutofit/>
           </a:bodyPr>
           <a:lstStyle>
@@ -4958,7 +5745,7 @@
             </a:lvl9pPr>
           </a:lstStyle>
           <a:p>
-            <a:pPr indent="0" lvl="0" marL="0" rtl="0" algn="r">
+            <a:pPr marL="0" lvl="0" indent="0" algn="r" rtl="0">
               <a:spcBef>
                 <a:spcPts val="0"/>
               </a:spcBef>
@@ -4984,18 +5771,19 @@
 </file>
 
 <file path=ppt/slideMasters/slideMaster1.xml><?xml version="1.0" encoding="utf-8"?>
-<p:sldMaster xmlns:a="http://schemas.openxmlformats.org/drawingml/2006/main" xmlns:r="http://schemas.openxmlformats.org/officeDocument/2006/relationships" xmlns:mc="http://schemas.openxmlformats.org/markup-compatibility/2006" xmlns:mv="urn:schemas-microsoft-com:mac:vml" xmlns:p="http://schemas.openxmlformats.org/presentationml/2006/main" xmlns:c="http://schemas.openxmlformats.org/drawingml/2006/chart" xmlns:dgm="http://schemas.openxmlformats.org/drawingml/2006/diagram" xmlns:o="urn:schemas-microsoft-com:office:office" xmlns:v="urn:schemas-microsoft-com:vml" xmlns:pvml="urn:schemas-microsoft-com:office:powerpoint" xmlns:com="http://schemas.openxmlformats.org/drawingml/2006/compatibility" xmlns:p14="http://schemas.microsoft.com/office/powerpoint/2010/main" xmlns:p15="http://schemas.microsoft.com/office/powerpoint/2012/main" xmlns:ahyp="http://schemas.microsoft.com/office/drawing/2018/hyperlinkcolor">
+<p:sldMaster xmlns:a="http://schemas.openxmlformats.org/drawingml/2006/main" xmlns:r="http://schemas.openxmlformats.org/officeDocument/2006/relationships" xmlns:p="http://schemas.openxmlformats.org/presentationml/2006/main">
   <p:cSld name="simple-light-2">
     <p:bg>
       <p:bgPr>
         <a:solidFill>
           <a:schemeClr val="lt1"/>
         </a:solidFill>
+        <a:effectLst/>
       </p:bgPr>
     </p:bg>
     <p:spTree>
       <p:nvGrpSpPr>
-        <p:cNvPr id="5" name="Shape 5"/>
+        <p:cNvPr id="1" name="Shape 5"/>
         <p:cNvGrpSpPr/>
         <p:nvPr/>
       </p:nvGrpSpPr>
@@ -5010,7 +5798,9 @@
       <p:sp>
         <p:nvSpPr>
           <p:cNvPr id="6" name="Google Shape;6;p1"/>
-          <p:cNvSpPr txBox="1"/>
+          <p:cNvSpPr txBox="1">
+            <a:spLocks noGrp="1"/>
+          </p:cNvSpPr>
           <p:nvPr>
             <p:ph type="title"/>
           </p:nvPr>
@@ -5029,7 +5819,7 @@
           </a:ln>
         </p:spPr>
         <p:txBody>
-          <a:bodyPr anchorCtr="0" anchor="t" bIns="91425" lIns="91425" spcFirstLastPara="1" rIns="91425" wrap="square" tIns="91425">
+          <a:bodyPr spcFirstLastPara="1" wrap="square" lIns="91425" tIns="91425" rIns="91425" bIns="91425" anchor="t" anchorCtr="0">
             <a:normAutofit/>
           </a:bodyPr>
           <a:lstStyle>
@@ -5196,15 +5986,19 @@
               </a:defRPr>
             </a:lvl9pPr>
           </a:lstStyle>
-          <a:p/>
+          <a:p>
+            <a:endParaRPr/>
+          </a:p>
         </p:txBody>
       </p:sp>
       <p:sp>
         <p:nvSpPr>
           <p:cNvPr id="7" name="Google Shape;7;p1"/>
-          <p:cNvSpPr txBox="1"/>
+          <p:cNvSpPr txBox="1">
+            <a:spLocks noGrp="1"/>
+          </p:cNvSpPr>
           <p:nvPr>
-            <p:ph idx="1" type="body"/>
+            <p:ph type="body" idx="1"/>
           </p:nvPr>
         </p:nvSpPr>
         <p:spPr>
@@ -5221,11 +6015,11 @@
           </a:ln>
         </p:spPr>
         <p:txBody>
-          <a:bodyPr anchorCtr="0" anchor="t" bIns="91425" lIns="91425" spcFirstLastPara="1" rIns="91425" wrap="square" tIns="91425">
+          <a:bodyPr spcFirstLastPara="1" wrap="square" lIns="91425" tIns="91425" rIns="91425" bIns="91425" anchor="t" anchorCtr="0">
             <a:normAutofit/>
           </a:bodyPr>
           <a:lstStyle>
-            <a:lvl1pPr indent="-342900" lvl="0" marL="457200">
+            <a:lvl1pPr marL="457200" lvl="0" indent="-342900">
               <a:lnSpc>
                 <a:spcPct val="115000"/>
               </a:lnSpc>
@@ -5246,7 +6040,7 @@
                 </a:solidFill>
               </a:defRPr>
             </a:lvl1pPr>
-            <a:lvl2pPr indent="-317500" lvl="1" marL="914400">
+            <a:lvl2pPr marL="914400" lvl="1" indent="-317500">
               <a:lnSpc>
                 <a:spcPct val="115000"/>
               </a:lnSpc>
@@ -5267,7 +6061,7 @@
                 </a:solidFill>
               </a:defRPr>
             </a:lvl2pPr>
-            <a:lvl3pPr indent="-317500" lvl="2" marL="1371600">
+            <a:lvl3pPr marL="1371600" lvl="2" indent="-317500">
               <a:lnSpc>
                 <a:spcPct val="115000"/>
               </a:lnSpc>
@@ -5288,7 +6082,7 @@
                 </a:solidFill>
               </a:defRPr>
             </a:lvl3pPr>
-            <a:lvl4pPr indent="-317500" lvl="3" marL="1828800">
+            <a:lvl4pPr marL="1828800" lvl="3" indent="-317500">
               <a:lnSpc>
                 <a:spcPct val="115000"/>
               </a:lnSpc>
@@ -5309,7 +6103,7 @@
                 </a:solidFill>
               </a:defRPr>
             </a:lvl4pPr>
-            <a:lvl5pPr indent="-317500" lvl="4" marL="2286000">
+            <a:lvl5pPr marL="2286000" lvl="4" indent="-317500">
               <a:lnSpc>
                 <a:spcPct val="115000"/>
               </a:lnSpc>
@@ -5330,7 +6124,7 @@
                 </a:solidFill>
               </a:defRPr>
             </a:lvl5pPr>
-            <a:lvl6pPr indent="-317500" lvl="5" marL="2743200">
+            <a:lvl6pPr marL="2743200" lvl="5" indent="-317500">
               <a:lnSpc>
                 <a:spcPct val="115000"/>
               </a:lnSpc>
@@ -5351,7 +6145,7 @@
                 </a:solidFill>
               </a:defRPr>
             </a:lvl6pPr>
-            <a:lvl7pPr indent="-317500" lvl="6" marL="3200400">
+            <a:lvl7pPr marL="3200400" lvl="6" indent="-317500">
               <a:lnSpc>
                 <a:spcPct val="115000"/>
               </a:lnSpc>
@@ -5372,7 +6166,7 @@
                 </a:solidFill>
               </a:defRPr>
             </a:lvl7pPr>
-            <a:lvl8pPr indent="-317500" lvl="7" marL="3657600">
+            <a:lvl8pPr marL="3657600" lvl="7" indent="-317500">
               <a:lnSpc>
                 <a:spcPct val="115000"/>
               </a:lnSpc>
@@ -5393,7 +6187,7 @@
                 </a:solidFill>
               </a:defRPr>
             </a:lvl8pPr>
-            <a:lvl9pPr indent="-317500" lvl="8" marL="4114800">
+            <a:lvl9pPr marL="4114800" lvl="8" indent="-317500">
               <a:lnSpc>
                 <a:spcPct val="115000"/>
               </a:lnSpc>
@@ -5415,15 +6209,19 @@
               </a:defRPr>
             </a:lvl9pPr>
           </a:lstStyle>
-          <a:p/>
+          <a:p>
+            <a:endParaRPr/>
+          </a:p>
         </p:txBody>
       </p:sp>
       <p:sp>
         <p:nvSpPr>
           <p:cNvPr id="8" name="Google Shape;8;p1"/>
-          <p:cNvSpPr txBox="1"/>
+          <p:cNvSpPr txBox="1">
+            <a:spLocks noGrp="1"/>
+          </p:cNvSpPr>
           <p:nvPr>
-            <p:ph idx="12" type="sldNum"/>
+            <p:ph type="sldNum" idx="12"/>
           </p:nvPr>
         </p:nvSpPr>
         <p:spPr>
@@ -5440,7 +6238,7 @@
           </a:ln>
         </p:spPr>
         <p:txBody>
-          <a:bodyPr anchorCtr="0" anchor="ctr" bIns="91425" lIns="91425" spcFirstLastPara="1" rIns="91425" wrap="square" tIns="91425">
+          <a:bodyPr spcFirstLastPara="1" wrap="square" lIns="91425" tIns="91425" rIns="91425" bIns="91425" anchor="ctr" anchorCtr="0">
             <a:normAutofit/>
           </a:bodyPr>
           <a:lstStyle>
@@ -5518,7 +6316,7 @@
             </a:lvl9pPr>
           </a:lstStyle>
           <a:p>
-            <a:pPr indent="0" lvl="0" marL="0" rtl="0" algn="r">
+            <a:pPr marL="0" lvl="0" indent="0" algn="r" rtl="0">
               <a:spcBef>
                 <a:spcPts val="0"/>
               </a:spcBef>
@@ -5537,7 +6335,7 @@
       </p:sp>
     </p:spTree>
   </p:cSld>
-  <p:clrMap accent1="accent1" accent2="accent2" accent3="accent3" accent4="accent4" accent5="accent5" accent6="accent6" bg1="lt1" bg2="dk2" tx1="dk1" tx2="lt2" folHlink="folHlink" hlink="hlink"/>
+  <p:clrMap bg1="lt1" tx1="dk1" bg2="dk2" tx2="lt2" accent1="accent1" accent2="accent2" accent3="accent3" accent4="accent4" accent5="accent5" accent6="accent6" hlink="hlink" folHlink="folHlink"/>
   <p:sldLayoutIdLst>
     <p:sldLayoutId id="2147483648" r:id="rId1"/>
     <p:sldLayoutId id="2147483649" r:id="rId2"/>
@@ -5551,10 +6349,10 @@
     <p:sldLayoutId id="2147483657" r:id="rId10"/>
     <p:sldLayoutId id="2147483658" r:id="rId11"/>
   </p:sldLayoutIdLst>
-  <p:hf dt="0" ftr="0" hdr="0" sldNum="0"/>
+  <p:hf sldNum="0" hdr="0" ftr="0" dt="0"/>
   <p:txStyles>
     <p:titleStyle>
-      <a:defPPr lvl="0" marR="0" rtl="0" algn="l">
+      <a:defPPr marR="0" lvl="0" algn="l" rtl="0">
         <a:lnSpc>
           <a:spcPct val="100000"/>
         </a:lnSpc>
@@ -5565,7 +6363,7 @@
           <a:spcPts val="0"/>
         </a:spcAft>
       </a:defPPr>
-      <a:lvl1pPr lvl="0" marR="0" rtl="0" algn="l">
+      <a:lvl1pPr marR="0" lvl="0" algn="l" rtl="0">
         <a:lnSpc>
           <a:spcPct val="100000"/>
         </a:lnSpc>
@@ -5579,7 +6377,7 @@
           <a:srgbClr val="000000"/>
         </a:buClr>
         <a:buFont typeface="Arial"/>
-        <a:defRPr b="0" i="0" sz="1400" u="none" cap="none" strike="noStrike">
+        <a:defRPr sz="1400" b="0" i="0" u="none" strike="noStrike" cap="none">
           <a:solidFill>
             <a:srgbClr val="000000"/>
           </a:solidFill>
@@ -5589,7 +6387,7 @@
           <a:sym typeface="Arial"/>
         </a:defRPr>
       </a:lvl1pPr>
-      <a:lvl2pPr lvl="1" marR="0" rtl="0" algn="l">
+      <a:lvl2pPr marR="0" lvl="1" algn="l" rtl="0">
         <a:lnSpc>
           <a:spcPct val="100000"/>
         </a:lnSpc>
@@ -5603,7 +6401,7 @@
           <a:srgbClr val="000000"/>
         </a:buClr>
         <a:buFont typeface="Arial"/>
-        <a:defRPr b="0" i="0" sz="1400" u="none" cap="none" strike="noStrike">
+        <a:defRPr sz="1400" b="0" i="0" u="none" strike="noStrike" cap="none">
           <a:solidFill>
             <a:srgbClr val="000000"/>
           </a:solidFill>
@@ -5613,7 +6411,7 @@
           <a:sym typeface="Arial"/>
         </a:defRPr>
       </a:lvl2pPr>
-      <a:lvl3pPr lvl="2" marR="0" rtl="0" algn="l">
+      <a:lvl3pPr marR="0" lvl="2" algn="l" rtl="0">
         <a:lnSpc>
           <a:spcPct val="100000"/>
         </a:lnSpc>
@@ -5627,7 +6425,7 @@
           <a:srgbClr val="000000"/>
         </a:buClr>
         <a:buFont typeface="Arial"/>
-        <a:defRPr b="0" i="0" sz="1400" u="none" cap="none" strike="noStrike">
+        <a:defRPr sz="1400" b="0" i="0" u="none" strike="noStrike" cap="none">
           <a:solidFill>
             <a:srgbClr val="000000"/>
           </a:solidFill>
@@ -5637,7 +6435,7 @@
           <a:sym typeface="Arial"/>
         </a:defRPr>
       </a:lvl3pPr>
-      <a:lvl4pPr lvl="3" marR="0" rtl="0" algn="l">
+      <a:lvl4pPr marR="0" lvl="3" algn="l" rtl="0">
         <a:lnSpc>
           <a:spcPct val="100000"/>
         </a:lnSpc>
@@ -5651,7 +6449,7 @@
           <a:srgbClr val="000000"/>
         </a:buClr>
         <a:buFont typeface="Arial"/>
-        <a:defRPr b="0" i="0" sz="1400" u="none" cap="none" strike="noStrike">
+        <a:defRPr sz="1400" b="0" i="0" u="none" strike="noStrike" cap="none">
           <a:solidFill>
             <a:srgbClr val="000000"/>
           </a:solidFill>
@@ -5661,7 +6459,7 @@
           <a:sym typeface="Arial"/>
         </a:defRPr>
       </a:lvl4pPr>
-      <a:lvl5pPr lvl="4" marR="0" rtl="0" algn="l">
+      <a:lvl5pPr marR="0" lvl="4" algn="l" rtl="0">
         <a:lnSpc>
           <a:spcPct val="100000"/>
         </a:lnSpc>
@@ -5675,7 +6473,7 @@
           <a:srgbClr val="000000"/>
         </a:buClr>
         <a:buFont typeface="Arial"/>
-        <a:defRPr b="0" i="0" sz="1400" u="none" cap="none" strike="noStrike">
+        <a:defRPr sz="1400" b="0" i="0" u="none" strike="noStrike" cap="none">
           <a:solidFill>
             <a:srgbClr val="000000"/>
           </a:solidFill>
@@ -5685,7 +6483,7 @@
           <a:sym typeface="Arial"/>
         </a:defRPr>
       </a:lvl5pPr>
-      <a:lvl6pPr lvl="5" marR="0" rtl="0" algn="l">
+      <a:lvl6pPr marR="0" lvl="5" algn="l" rtl="0">
         <a:lnSpc>
           <a:spcPct val="100000"/>
         </a:lnSpc>
@@ -5699,7 +6497,7 @@
           <a:srgbClr val="000000"/>
         </a:buClr>
         <a:buFont typeface="Arial"/>
-        <a:defRPr b="0" i="0" sz="1400" u="none" cap="none" strike="noStrike">
+        <a:defRPr sz="1400" b="0" i="0" u="none" strike="noStrike" cap="none">
           <a:solidFill>
             <a:srgbClr val="000000"/>
           </a:solidFill>
@@ -5709,7 +6507,7 @@
           <a:sym typeface="Arial"/>
         </a:defRPr>
       </a:lvl6pPr>
-      <a:lvl7pPr lvl="6" marR="0" rtl="0" algn="l">
+      <a:lvl7pPr marR="0" lvl="6" algn="l" rtl="0">
         <a:lnSpc>
           <a:spcPct val="100000"/>
         </a:lnSpc>
@@ -5723,7 +6521,7 @@
           <a:srgbClr val="000000"/>
         </a:buClr>
         <a:buFont typeface="Arial"/>
-        <a:defRPr b="0" i="0" sz="1400" u="none" cap="none" strike="noStrike">
+        <a:defRPr sz="1400" b="0" i="0" u="none" strike="noStrike" cap="none">
           <a:solidFill>
             <a:srgbClr val="000000"/>
           </a:solidFill>
@@ -5733,7 +6531,7 @@
           <a:sym typeface="Arial"/>
         </a:defRPr>
       </a:lvl7pPr>
-      <a:lvl8pPr lvl="7" marR="0" rtl="0" algn="l">
+      <a:lvl8pPr marR="0" lvl="7" algn="l" rtl="0">
         <a:lnSpc>
           <a:spcPct val="100000"/>
         </a:lnSpc>
@@ -5747,7 +6545,7 @@
           <a:srgbClr val="000000"/>
         </a:buClr>
         <a:buFont typeface="Arial"/>
-        <a:defRPr b="0" i="0" sz="1400" u="none" cap="none" strike="noStrike">
+        <a:defRPr sz="1400" b="0" i="0" u="none" strike="noStrike" cap="none">
           <a:solidFill>
             <a:srgbClr val="000000"/>
           </a:solidFill>
@@ -5757,7 +6555,7 @@
           <a:sym typeface="Arial"/>
         </a:defRPr>
       </a:lvl8pPr>
-      <a:lvl9pPr lvl="8" marR="0" rtl="0" algn="l">
+      <a:lvl9pPr marR="0" lvl="8" algn="l" rtl="0">
         <a:lnSpc>
           <a:spcPct val="100000"/>
         </a:lnSpc>
@@ -5771,7 +6569,7 @@
           <a:srgbClr val="000000"/>
         </a:buClr>
         <a:buFont typeface="Arial"/>
-        <a:defRPr b="0" i="0" sz="1400" u="none" cap="none" strike="noStrike">
+        <a:defRPr sz="1400" b="0" i="0" u="none" strike="noStrike" cap="none">
           <a:solidFill>
             <a:srgbClr val="000000"/>
           </a:solidFill>
@@ -5783,7 +6581,7 @@
       </a:lvl9pPr>
     </p:titleStyle>
     <p:bodyStyle>
-      <a:defPPr lvl="0" marR="0" rtl="0" algn="l">
+      <a:defPPr marR="0" lvl="0" algn="l" rtl="0">
         <a:lnSpc>
           <a:spcPct val="100000"/>
         </a:lnSpc>
@@ -5794,7 +6592,7 @@
           <a:spcPts val="0"/>
         </a:spcAft>
       </a:defPPr>
-      <a:lvl1pPr lvl="0" marR="0" rtl="0" algn="l">
+      <a:lvl1pPr marR="0" lvl="0" algn="l" rtl="0">
         <a:lnSpc>
           <a:spcPct val="100000"/>
         </a:lnSpc>
@@ -5808,7 +6606,7 @@
           <a:srgbClr val="000000"/>
         </a:buClr>
         <a:buFont typeface="Arial"/>
-        <a:defRPr b="0" i="0" sz="1400" u="none" cap="none" strike="noStrike">
+        <a:defRPr sz="1400" b="0" i="0" u="none" strike="noStrike" cap="none">
           <a:solidFill>
             <a:srgbClr val="000000"/>
           </a:solidFill>
@@ -5818,7 +6616,7 @@
           <a:sym typeface="Arial"/>
         </a:defRPr>
       </a:lvl1pPr>
-      <a:lvl2pPr lvl="1" marR="0" rtl="0" algn="l">
+      <a:lvl2pPr marR="0" lvl="1" algn="l" rtl="0">
         <a:lnSpc>
           <a:spcPct val="100000"/>
         </a:lnSpc>
@@ -5832,7 +6630,7 @@
           <a:srgbClr val="000000"/>
         </a:buClr>
         <a:buFont typeface="Arial"/>
-        <a:defRPr b="0" i="0" sz="1400" u="none" cap="none" strike="noStrike">
+        <a:defRPr sz="1400" b="0" i="0" u="none" strike="noStrike" cap="none">
           <a:solidFill>
             <a:srgbClr val="000000"/>
           </a:solidFill>
@@ -5842,7 +6640,7 @@
           <a:sym typeface="Arial"/>
         </a:defRPr>
       </a:lvl2pPr>
-      <a:lvl3pPr lvl="2" marR="0" rtl="0" algn="l">
+      <a:lvl3pPr marR="0" lvl="2" algn="l" rtl="0">
         <a:lnSpc>
           <a:spcPct val="100000"/>
         </a:lnSpc>
@@ -5856,7 +6654,7 @@
           <a:srgbClr val="000000"/>
         </a:buClr>
         <a:buFont typeface="Arial"/>
-        <a:defRPr b="0" i="0" sz="1400" u="none" cap="none" strike="noStrike">
+        <a:defRPr sz="1400" b="0" i="0" u="none" strike="noStrike" cap="none">
           <a:solidFill>
             <a:srgbClr val="000000"/>
           </a:solidFill>
@@ -5866,7 +6664,7 @@
           <a:sym typeface="Arial"/>
         </a:defRPr>
       </a:lvl3pPr>
-      <a:lvl4pPr lvl="3" marR="0" rtl="0" algn="l">
+      <a:lvl4pPr marR="0" lvl="3" algn="l" rtl="0">
         <a:lnSpc>
           <a:spcPct val="100000"/>
         </a:lnSpc>
@@ -5880,7 +6678,7 @@
           <a:srgbClr val="000000"/>
         </a:buClr>
         <a:buFont typeface="Arial"/>
-        <a:defRPr b="0" i="0" sz="1400" u="none" cap="none" strike="noStrike">
+        <a:defRPr sz="1400" b="0" i="0" u="none" strike="noStrike" cap="none">
           <a:solidFill>
             <a:srgbClr val="000000"/>
           </a:solidFill>
@@ -5890,7 +6688,7 @@
           <a:sym typeface="Arial"/>
         </a:defRPr>
       </a:lvl4pPr>
-      <a:lvl5pPr lvl="4" marR="0" rtl="0" algn="l">
+      <a:lvl5pPr marR="0" lvl="4" algn="l" rtl="0">
         <a:lnSpc>
           <a:spcPct val="100000"/>
         </a:lnSpc>
@@ -5904,7 +6702,7 @@
           <a:srgbClr val="000000"/>
         </a:buClr>
         <a:buFont typeface="Arial"/>
-        <a:defRPr b="0" i="0" sz="1400" u="none" cap="none" strike="noStrike">
+        <a:defRPr sz="1400" b="0" i="0" u="none" strike="noStrike" cap="none">
           <a:solidFill>
             <a:srgbClr val="000000"/>
           </a:solidFill>
@@ -5914,7 +6712,7 @@
           <a:sym typeface="Arial"/>
         </a:defRPr>
       </a:lvl5pPr>
-      <a:lvl6pPr lvl="5" marR="0" rtl="0" algn="l">
+      <a:lvl6pPr marR="0" lvl="5" algn="l" rtl="0">
         <a:lnSpc>
           <a:spcPct val="100000"/>
         </a:lnSpc>
@@ -5928,7 +6726,7 @@
           <a:srgbClr val="000000"/>
         </a:buClr>
         <a:buFont typeface="Arial"/>
-        <a:defRPr b="0" i="0" sz="1400" u="none" cap="none" strike="noStrike">
+        <a:defRPr sz="1400" b="0" i="0" u="none" strike="noStrike" cap="none">
           <a:solidFill>
             <a:srgbClr val="000000"/>
           </a:solidFill>
@@ -5938,7 +6736,7 @@
           <a:sym typeface="Arial"/>
         </a:defRPr>
       </a:lvl6pPr>
-      <a:lvl7pPr lvl="6" marR="0" rtl="0" algn="l">
+      <a:lvl7pPr marR="0" lvl="6" algn="l" rtl="0">
         <a:lnSpc>
           <a:spcPct val="100000"/>
         </a:lnSpc>
@@ -5952,7 +6750,7 @@
           <a:srgbClr val="000000"/>
         </a:buClr>
         <a:buFont typeface="Arial"/>
-        <a:defRPr b="0" i="0" sz="1400" u="none" cap="none" strike="noStrike">
+        <a:defRPr sz="1400" b="0" i="0" u="none" strike="noStrike" cap="none">
           <a:solidFill>
             <a:srgbClr val="000000"/>
           </a:solidFill>
@@ -5962,7 +6760,7 @@
           <a:sym typeface="Arial"/>
         </a:defRPr>
       </a:lvl7pPr>
-      <a:lvl8pPr lvl="7" marR="0" rtl="0" algn="l">
+      <a:lvl8pPr marR="0" lvl="7" algn="l" rtl="0">
         <a:lnSpc>
           <a:spcPct val="100000"/>
         </a:lnSpc>
@@ -5976,7 +6774,7 @@
           <a:srgbClr val="000000"/>
         </a:buClr>
         <a:buFont typeface="Arial"/>
-        <a:defRPr b="0" i="0" sz="1400" u="none" cap="none" strike="noStrike">
+        <a:defRPr sz="1400" b="0" i="0" u="none" strike="noStrike" cap="none">
           <a:solidFill>
             <a:srgbClr val="000000"/>
           </a:solidFill>
@@ -5986,7 +6784,7 @@
           <a:sym typeface="Arial"/>
         </a:defRPr>
       </a:lvl8pPr>
-      <a:lvl9pPr lvl="8" marR="0" rtl="0" algn="l">
+      <a:lvl9pPr marR="0" lvl="8" algn="l" rtl="0">
         <a:lnSpc>
           <a:spcPct val="100000"/>
         </a:lnSpc>
@@ -6000,7 +6798,7 @@
           <a:srgbClr val="000000"/>
         </a:buClr>
         <a:buFont typeface="Arial"/>
-        <a:defRPr b="0" i="0" sz="1400" u="none" cap="none" strike="noStrike">
+        <a:defRPr sz="1400" b="0" i="0" u="none" strike="noStrike" cap="none">
           <a:solidFill>
             <a:srgbClr val="000000"/>
           </a:solidFill>
@@ -6012,7 +6810,7 @@
       </a:lvl9pPr>
     </p:bodyStyle>
     <p:otherStyle>
-      <a:defPPr lvl="0" marR="0" rtl="0" algn="l">
+      <a:defPPr marR="0" lvl="0" algn="l" rtl="0">
         <a:lnSpc>
           <a:spcPct val="100000"/>
         </a:lnSpc>
@@ -6023,7 +6821,7 @@
           <a:spcPts val="0"/>
         </a:spcAft>
       </a:defPPr>
-      <a:lvl1pPr lvl="0" marR="0" rtl="0" algn="l">
+      <a:lvl1pPr marR="0" lvl="0" algn="l" rtl="0">
         <a:lnSpc>
           <a:spcPct val="100000"/>
         </a:lnSpc>
@@ -6037,7 +6835,7 @@
           <a:srgbClr val="000000"/>
         </a:buClr>
         <a:buFont typeface="Arial"/>
-        <a:defRPr b="0" i="0" sz="1400" u="none" cap="none" strike="noStrike">
+        <a:defRPr sz="1400" b="0" i="0" u="none" strike="noStrike" cap="none">
           <a:solidFill>
             <a:srgbClr val="000000"/>
           </a:solidFill>
@@ -6047,7 +6845,7 @@
           <a:sym typeface="Arial"/>
         </a:defRPr>
       </a:lvl1pPr>
-      <a:lvl2pPr lvl="1" marR="0" rtl="0" algn="l">
+      <a:lvl2pPr marR="0" lvl="1" algn="l" rtl="0">
         <a:lnSpc>
           <a:spcPct val="100000"/>
         </a:lnSpc>
@@ -6061,7 +6859,7 @@
           <a:srgbClr val="000000"/>
         </a:buClr>
         <a:buFont typeface="Arial"/>
-        <a:defRPr b="0" i="0" sz="1400" u="none" cap="none" strike="noStrike">
+        <a:defRPr sz="1400" b="0" i="0" u="none" strike="noStrike" cap="none">
           <a:solidFill>
             <a:srgbClr val="000000"/>
           </a:solidFill>
@@ -6071,7 +6869,7 @@
           <a:sym typeface="Arial"/>
         </a:defRPr>
       </a:lvl2pPr>
-      <a:lvl3pPr lvl="2" marR="0" rtl="0" algn="l">
+      <a:lvl3pPr marR="0" lvl="2" algn="l" rtl="0">
         <a:lnSpc>
           <a:spcPct val="100000"/>
         </a:lnSpc>
@@ -6085,7 +6883,7 @@
           <a:srgbClr val="000000"/>
         </a:buClr>
         <a:buFont typeface="Arial"/>
-        <a:defRPr b="0" i="0" sz="1400" u="none" cap="none" strike="noStrike">
+        <a:defRPr sz="1400" b="0" i="0" u="none" strike="noStrike" cap="none">
           <a:solidFill>
             <a:srgbClr val="000000"/>
           </a:solidFill>
@@ -6095,7 +6893,7 @@
           <a:sym typeface="Arial"/>
         </a:defRPr>
       </a:lvl3pPr>
-      <a:lvl4pPr lvl="3" marR="0" rtl="0" algn="l">
+      <a:lvl4pPr marR="0" lvl="3" algn="l" rtl="0">
         <a:lnSpc>
           <a:spcPct val="100000"/>
         </a:lnSpc>
@@ -6109,7 +6907,7 @@
           <a:srgbClr val="000000"/>
         </a:buClr>
         <a:buFont typeface="Arial"/>
-        <a:defRPr b="0" i="0" sz="1400" u="none" cap="none" strike="noStrike">
+        <a:defRPr sz="1400" b="0" i="0" u="none" strike="noStrike" cap="none">
           <a:solidFill>
             <a:srgbClr val="000000"/>
           </a:solidFill>
@@ -6119,7 +6917,7 @@
           <a:sym typeface="Arial"/>
         </a:defRPr>
       </a:lvl4pPr>
-      <a:lvl5pPr lvl="4" marR="0" rtl="0" algn="l">
+      <a:lvl5pPr marR="0" lvl="4" algn="l" rtl="0">
         <a:lnSpc>
           <a:spcPct val="100000"/>
         </a:lnSpc>
@@ -6133,7 +6931,7 @@
           <a:srgbClr val="000000"/>
         </a:buClr>
         <a:buFont typeface="Arial"/>
-        <a:defRPr b="0" i="0" sz="1400" u="none" cap="none" strike="noStrike">
+        <a:defRPr sz="1400" b="0" i="0" u="none" strike="noStrike" cap="none">
           <a:solidFill>
             <a:srgbClr val="000000"/>
           </a:solidFill>
@@ -6143,7 +6941,7 @@
           <a:sym typeface="Arial"/>
         </a:defRPr>
       </a:lvl5pPr>
-      <a:lvl6pPr lvl="5" marR="0" rtl="0" algn="l">
+      <a:lvl6pPr marR="0" lvl="5" algn="l" rtl="0">
         <a:lnSpc>
           <a:spcPct val="100000"/>
         </a:lnSpc>
@@ -6157,7 +6955,7 @@
           <a:srgbClr val="000000"/>
         </a:buClr>
         <a:buFont typeface="Arial"/>
-        <a:defRPr b="0" i="0" sz="1400" u="none" cap="none" strike="noStrike">
+        <a:defRPr sz="1400" b="0" i="0" u="none" strike="noStrike" cap="none">
           <a:solidFill>
             <a:srgbClr val="000000"/>
           </a:solidFill>
@@ -6167,7 +6965,7 @@
           <a:sym typeface="Arial"/>
         </a:defRPr>
       </a:lvl6pPr>
-      <a:lvl7pPr lvl="6" marR="0" rtl="0" algn="l">
+      <a:lvl7pPr marR="0" lvl="6" algn="l" rtl="0">
         <a:lnSpc>
           <a:spcPct val="100000"/>
         </a:lnSpc>
@@ -6181,7 +6979,7 @@
           <a:srgbClr val="000000"/>
         </a:buClr>
         <a:buFont typeface="Arial"/>
-        <a:defRPr b="0" i="0" sz="1400" u="none" cap="none" strike="noStrike">
+        <a:defRPr sz="1400" b="0" i="0" u="none" strike="noStrike" cap="none">
           <a:solidFill>
             <a:srgbClr val="000000"/>
           </a:solidFill>
@@ -6191,7 +6989,7 @@
           <a:sym typeface="Arial"/>
         </a:defRPr>
       </a:lvl7pPr>
-      <a:lvl8pPr lvl="7" marR="0" rtl="0" algn="l">
+      <a:lvl8pPr marR="0" lvl="7" algn="l" rtl="0">
         <a:lnSpc>
           <a:spcPct val="100000"/>
         </a:lnSpc>
@@ -6205,7 +7003,7 @@
           <a:srgbClr val="000000"/>
         </a:buClr>
         <a:buFont typeface="Arial"/>
-        <a:defRPr b="0" i="0" sz="1400" u="none" cap="none" strike="noStrike">
+        <a:defRPr sz="1400" b="0" i="0" u="none" strike="noStrike" cap="none">
           <a:solidFill>
             <a:srgbClr val="000000"/>
           </a:solidFill>
@@ -6215,7 +7013,7 @@
           <a:sym typeface="Arial"/>
         </a:defRPr>
       </a:lvl8pPr>
-      <a:lvl9pPr lvl="8" marR="0" rtl="0" algn="l">
+      <a:lvl9pPr marR="0" lvl="8" algn="l" rtl="0">
         <a:lnSpc>
           <a:spcPct val="100000"/>
         </a:lnSpc>
@@ -6229,7 +7027,7 @@
           <a:srgbClr val="000000"/>
         </a:buClr>
         <a:buFont typeface="Arial"/>
-        <a:defRPr b="0" i="0" sz="1400" u="none" cap="none" strike="noStrike">
+        <a:defRPr sz="1400" b="0" i="0" u="none" strike="noStrike" cap="none">
           <a:solidFill>
             <a:srgbClr val="000000"/>
           </a:solidFill>
@@ -6245,7 +7043,7 @@
 </file>
 
 <file path=ppt/slides/slide1.xml><?xml version="1.0" encoding="utf-8"?>
-<p:sld xmlns:a="http://schemas.openxmlformats.org/drawingml/2006/main" xmlns:r="http://schemas.openxmlformats.org/officeDocument/2006/relationships" xmlns:mc="http://schemas.openxmlformats.org/markup-compatibility/2006" xmlns:mv="urn:schemas-microsoft-com:mac:vml" xmlns:p="http://schemas.openxmlformats.org/presentationml/2006/main" xmlns:c="http://schemas.openxmlformats.org/drawingml/2006/chart" xmlns:dgm="http://schemas.openxmlformats.org/drawingml/2006/diagram" xmlns:o="urn:schemas-microsoft-com:office:office" xmlns:v="urn:schemas-microsoft-com:vml" xmlns:pvml="urn:schemas-microsoft-com:office:powerpoint" xmlns:com="http://schemas.openxmlformats.org/drawingml/2006/compatibility" xmlns:p14="http://schemas.microsoft.com/office/powerpoint/2010/main" xmlns:p15="http://schemas.microsoft.com/office/powerpoint/2012/main" xmlns:ahyp="http://schemas.microsoft.com/office/drawing/2018/hyperlinkcolor">
+<p:sld xmlns:a="http://schemas.openxmlformats.org/drawingml/2006/main" xmlns:r="http://schemas.openxmlformats.org/officeDocument/2006/relationships" xmlns:p="http://schemas.openxmlformats.org/presentationml/2006/main">
   <p:cSld>
     <p:bg>
       <p:bgPr>
@@ -6257,11 +7055,12 @@
             <a:fillRect/>
           </a:stretch>
         </a:blipFill>
+        <a:effectLst/>
       </p:bgPr>
     </p:bg>
     <p:spTree>
       <p:nvGrpSpPr>
-        <p:cNvPr id="55" name="Shape 55"/>
+        <p:cNvPr id="1" name="Shape 55"/>
         <p:cNvGrpSpPr/>
         <p:nvPr/>
       </p:nvGrpSpPr>
@@ -6276,7 +7075,9 @@
       <p:sp>
         <p:nvSpPr>
           <p:cNvPr id="56" name="Google Shape;56;p13"/>
-          <p:cNvSpPr txBox="1"/>
+          <p:cNvSpPr txBox="1">
+            <a:spLocks noGrp="1"/>
+          </p:cNvSpPr>
           <p:nvPr>
             <p:ph type="ctrTitle"/>
           </p:nvPr>
@@ -6291,12 +7092,12 @@
           </a:prstGeom>
         </p:spPr>
         <p:txBody>
-          <a:bodyPr anchorCtr="0" anchor="b" bIns="91425" lIns="91425" spcFirstLastPara="1" rIns="91425" wrap="square" tIns="91425">
+          <a:bodyPr spcFirstLastPara="1" wrap="square" lIns="91425" tIns="91425" rIns="91425" bIns="91425" anchor="b" anchorCtr="0">
             <a:noAutofit/>
           </a:bodyPr>
           <a:lstStyle/>
           <a:p>
-            <a:pPr indent="0" lvl="0" marL="0" rtl="0" algn="ctr">
+            <a:pPr marL="0" lvl="0" indent="0" algn="ctr" rtl="0">
               <a:spcBef>
                 <a:spcPts val="0"/>
               </a:spcBef>
@@ -6327,9 +7128,11 @@
       <p:sp>
         <p:nvSpPr>
           <p:cNvPr id="57" name="Google Shape;57;p13"/>
-          <p:cNvSpPr txBox="1"/>
+          <p:cNvSpPr txBox="1">
+            <a:spLocks noGrp="1"/>
+          </p:cNvSpPr>
           <p:nvPr>
-            <p:ph idx="1" type="subTitle"/>
+            <p:ph type="subTitle" idx="1"/>
           </p:nvPr>
         </p:nvSpPr>
         <p:spPr>
@@ -6342,12 +7145,12 @@
           </a:prstGeom>
         </p:spPr>
         <p:txBody>
-          <a:bodyPr anchorCtr="0" anchor="t" bIns="91425" lIns="91425" spcFirstLastPara="1" rIns="91425" wrap="square" tIns="91425">
+          <a:bodyPr spcFirstLastPara="1" wrap="square" lIns="91425" tIns="91425" rIns="91425" bIns="91425" anchor="t" anchorCtr="0">
             <a:normAutofit fontScale="92500" lnSpcReduction="20000"/>
           </a:bodyPr>
           <a:lstStyle/>
           <a:p>
-            <a:pPr indent="0" lvl="0" marL="0" rtl="0" algn="ctr">
+            <a:pPr marL="0" lvl="0" indent="0" algn="ctr" rtl="0">
               <a:spcBef>
                 <a:spcPts val="0"/>
               </a:spcBef>
@@ -6388,8 +7191,759 @@
                 <a:cs typeface="Roboto Mono"/>
                 <a:sym typeface="Roboto Mono"/>
               </a:rPr>
-              <a:t>Opiekun projektu: mgr inż. Jan </a:t>
+              <a:t>Opiekun projektu: mgr inż. Jan Majkutewicz</a:t>
             </a:r>
+            <a:endParaRPr sz="1700">
+              <a:latin typeface="Roboto Mono"/>
+              <a:ea typeface="Roboto Mono"/>
+              <a:cs typeface="Roboto Mono"/>
+              <a:sym typeface="Roboto Mono"/>
+            </a:endParaRPr>
+          </a:p>
+        </p:txBody>
+      </p:sp>
+    </p:spTree>
+  </p:cSld>
+  <p:clrMapOvr>
+    <a:masterClrMapping/>
+  </p:clrMapOvr>
+</p:sld>
+</file>
+
+<file path=ppt/slides/slide10.xml><?xml version="1.0" encoding="utf-8"?>
+<p:sld xmlns:a="http://schemas.openxmlformats.org/drawingml/2006/main" xmlns:r="http://schemas.openxmlformats.org/officeDocument/2006/relationships" xmlns:p="http://schemas.openxmlformats.org/presentationml/2006/main">
+  <p:cSld>
+    <p:bg>
+      <p:bgPr>
+        <a:blipFill>
+          <a:blip r:embed="rId3">
+            <a:alphaModFix/>
+          </a:blip>
+          <a:stretch>
+            <a:fillRect/>
+          </a:stretch>
+        </a:blipFill>
+        <a:effectLst/>
+      </p:bgPr>
+    </p:bg>
+    <p:spTree>
+      <p:nvGrpSpPr>
+        <p:cNvPr id="1" name="Shape 88">
+          <a:extLst>
+            <a:ext uri="{FF2B5EF4-FFF2-40B4-BE49-F238E27FC236}">
+              <a16:creationId xmlns:a16="http://schemas.microsoft.com/office/drawing/2014/main" id="{05291FCC-24DE-3B5C-6531-8AA354AD54E8}"/>
+            </a:ext>
+          </a:extLst>
+        </p:cNvPr>
+        <p:cNvGrpSpPr/>
+        <p:nvPr/>
+      </p:nvGrpSpPr>
+      <p:grpSpPr>
+        <a:xfrm>
+          <a:off x="0" y="0"/>
+          <a:ext cx="0" cy="0"/>
+          <a:chOff x="0" y="0"/>
+          <a:chExt cx="0" cy="0"/>
+        </a:xfrm>
+      </p:grpSpPr>
+      <p:sp>
+        <p:nvSpPr>
+          <p:cNvPr id="89" name="Google Shape;89;p18">
+            <a:extLst>
+              <a:ext uri="{FF2B5EF4-FFF2-40B4-BE49-F238E27FC236}">
+                <a16:creationId xmlns:a16="http://schemas.microsoft.com/office/drawing/2014/main" id="{A65DCF8A-1284-8BC5-EAA0-FBCBEA133258}"/>
+              </a:ext>
+            </a:extLst>
+          </p:cNvPr>
+          <p:cNvSpPr txBox="1">
+            <a:spLocks noGrp="1"/>
+          </p:cNvSpPr>
+          <p:nvPr>
+            <p:ph type="title"/>
+          </p:nvPr>
+        </p:nvSpPr>
+        <p:spPr>
+          <a:xfrm>
+            <a:off x="311700" y="472350"/>
+            <a:ext cx="8520600" cy="572700"/>
+          </a:xfrm>
+          <a:prstGeom prst="rect">
+            <a:avLst/>
+          </a:prstGeom>
+        </p:spPr>
+        <p:txBody>
+          <a:bodyPr spcFirstLastPara="1" wrap="square" lIns="91425" tIns="91425" rIns="91425" bIns="91425" anchor="t" anchorCtr="0">
+            <a:noAutofit/>
+          </a:bodyPr>
+          <a:lstStyle/>
+          <a:p>
+            <a:pPr algn="ctr">
+              <a:buSzPts val="990"/>
+            </a:pPr>
+            <a:r>
+              <a:rPr lang="pl" sz="3500" b="1" dirty="0">
+                <a:latin typeface="Roboto Mono"/>
+                <a:ea typeface="Roboto Mono"/>
+                <a:cs typeface="Roboto Mono"/>
+                <a:sym typeface="Roboto Mono"/>
+              </a:rPr>
+              <a:t>PRZYKŁADY (4)</a:t>
+            </a:r>
+            <a:endParaRPr sz="3500" b="1" dirty="0">
+              <a:latin typeface="Roboto Mono"/>
+              <a:ea typeface="Roboto Mono"/>
+              <a:cs typeface="Roboto Mono"/>
+              <a:sym typeface="Roboto Mono"/>
+            </a:endParaRPr>
+          </a:p>
+        </p:txBody>
+      </p:sp>
+      <p:sp>
+        <p:nvSpPr>
+          <p:cNvPr id="90" name="Google Shape;90;p18">
+            <a:extLst>
+              <a:ext uri="{FF2B5EF4-FFF2-40B4-BE49-F238E27FC236}">
+                <a16:creationId xmlns:a16="http://schemas.microsoft.com/office/drawing/2014/main" id="{1E151217-DD6D-B01D-C253-473D8FC09A70}"/>
+              </a:ext>
+            </a:extLst>
+          </p:cNvPr>
+          <p:cNvSpPr txBox="1">
+            <a:spLocks noGrp="1"/>
+          </p:cNvSpPr>
+          <p:nvPr>
+            <p:ph type="body" idx="4294967295"/>
+          </p:nvPr>
+        </p:nvSpPr>
+        <p:spPr>
+          <a:xfrm>
+            <a:off x="657300" y="1220850"/>
+            <a:ext cx="7829400" cy="3416400"/>
+          </a:xfrm>
+          <a:prstGeom prst="rect">
+            <a:avLst/>
+          </a:prstGeom>
+        </p:spPr>
+        <p:txBody>
+          <a:bodyPr spcFirstLastPara="1" wrap="square" lIns="91425" tIns="91425" rIns="91425" bIns="91425" anchor="t" anchorCtr="0">
+            <a:normAutofit/>
+          </a:bodyPr>
+          <a:lstStyle/>
+          <a:p>
+            <a:pPr marL="0" indent="0" algn="ctr">
+              <a:lnSpc>
+                <a:spcPct val="130000"/>
+              </a:lnSpc>
+              <a:buNone/>
+            </a:pPr>
+            <a:r>
+              <a:rPr lang="pl" sz="2300" dirty="0">
+                <a:latin typeface="Roboto Mono"/>
+                <a:ea typeface="Roboto Mono"/>
+              </a:rPr>
+              <a:t>z</a:t>
+            </a:r>
+            <a:r>
+              <a:rPr lang="pl" sz="2300" dirty="0">
+                <a:ea typeface="Roboto Mono"/>
+              </a:rPr>
+              <a:t>łe obliczenia + włączone logi</a:t>
+            </a:r>
+          </a:p>
+        </p:txBody>
+      </p:sp>
+      <p:pic>
+        <p:nvPicPr>
+          <p:cNvPr id="2" name="Picture 1">
+            <a:extLst>
+              <a:ext uri="{FF2B5EF4-FFF2-40B4-BE49-F238E27FC236}">
+                <a16:creationId xmlns:a16="http://schemas.microsoft.com/office/drawing/2014/main" id="{1D3BE75A-B14D-F346-FD3B-DE197DF6F85E}"/>
+              </a:ext>
+            </a:extLst>
+          </p:cNvPr>
+          <p:cNvPicPr>
+            <a:picLocks noChangeAspect="1"/>
+          </p:cNvPicPr>
+          <p:nvPr/>
+        </p:nvPicPr>
+        <p:blipFill>
+          <a:blip r:embed="rId4"/>
+          <a:stretch>
+            <a:fillRect/>
+          </a:stretch>
+        </p:blipFill>
+        <p:spPr>
+          <a:xfrm>
+            <a:off x="2681108" y="1743075"/>
+            <a:ext cx="3781783" cy="3043238"/>
+          </a:xfrm>
+          <a:prstGeom prst="rect">
+            <a:avLst/>
+          </a:prstGeom>
+        </p:spPr>
+      </p:pic>
+    </p:spTree>
+    <p:extLst>
+      <p:ext uri="{BB962C8B-B14F-4D97-AF65-F5344CB8AC3E}">
+        <p14:creationId xmlns:p14="http://schemas.microsoft.com/office/powerpoint/2010/main" val="2715207810"/>
+      </p:ext>
+    </p:extLst>
+  </p:cSld>
+  <p:clrMapOvr>
+    <a:masterClrMapping/>
+  </p:clrMapOvr>
+</p:sld>
+</file>
+
+<file path=ppt/slides/slide11.xml><?xml version="1.0" encoding="utf-8"?>
+<p:sld xmlns:a="http://schemas.openxmlformats.org/drawingml/2006/main" xmlns:r="http://schemas.openxmlformats.org/officeDocument/2006/relationships" xmlns:p="http://schemas.openxmlformats.org/presentationml/2006/main">
+  <p:cSld>
+    <p:bg>
+      <p:bgPr>
+        <a:blipFill>
+          <a:blip r:embed="rId3">
+            <a:alphaModFix/>
+          </a:blip>
+          <a:stretch>
+            <a:fillRect/>
+          </a:stretch>
+        </a:blipFill>
+        <a:effectLst/>
+      </p:bgPr>
+    </p:bg>
+    <p:spTree>
+      <p:nvGrpSpPr>
+        <p:cNvPr id="1" name="Shape 88">
+          <a:extLst>
+            <a:ext uri="{FF2B5EF4-FFF2-40B4-BE49-F238E27FC236}">
+              <a16:creationId xmlns:a16="http://schemas.microsoft.com/office/drawing/2014/main" id="{BEBA5002-012F-895C-7F74-E17C6F510B3E}"/>
+            </a:ext>
+          </a:extLst>
+        </p:cNvPr>
+        <p:cNvGrpSpPr/>
+        <p:nvPr/>
+      </p:nvGrpSpPr>
+      <p:grpSpPr>
+        <a:xfrm>
+          <a:off x="0" y="0"/>
+          <a:ext cx="0" cy="0"/>
+          <a:chOff x="0" y="0"/>
+          <a:chExt cx="0" cy="0"/>
+        </a:xfrm>
+      </p:grpSpPr>
+      <p:sp>
+        <p:nvSpPr>
+          <p:cNvPr id="89" name="Google Shape;89;p18">
+            <a:extLst>
+              <a:ext uri="{FF2B5EF4-FFF2-40B4-BE49-F238E27FC236}">
+                <a16:creationId xmlns:a16="http://schemas.microsoft.com/office/drawing/2014/main" id="{FAF202BF-4ED3-7CCA-1029-DA689E6DAA84}"/>
+              </a:ext>
+            </a:extLst>
+          </p:cNvPr>
+          <p:cNvSpPr txBox="1">
+            <a:spLocks noGrp="1"/>
+          </p:cNvSpPr>
+          <p:nvPr>
+            <p:ph type="title"/>
+          </p:nvPr>
+        </p:nvSpPr>
+        <p:spPr>
+          <a:xfrm>
+            <a:off x="311700" y="472350"/>
+            <a:ext cx="8520600" cy="572700"/>
+          </a:xfrm>
+          <a:prstGeom prst="rect">
+            <a:avLst/>
+          </a:prstGeom>
+        </p:spPr>
+        <p:txBody>
+          <a:bodyPr spcFirstLastPara="1" wrap="square" lIns="91425" tIns="91425" rIns="91425" bIns="91425" anchor="t" anchorCtr="0">
+            <a:noAutofit/>
+          </a:bodyPr>
+          <a:lstStyle/>
+          <a:p>
+            <a:pPr algn="ctr">
+              <a:buSzPts val="990"/>
+            </a:pPr>
+            <a:r>
+              <a:rPr lang="pl" sz="3500" b="1" dirty="0">
+                <a:latin typeface="Roboto Mono"/>
+                <a:ea typeface="Roboto Mono"/>
+                <a:cs typeface="Roboto Mono"/>
+                <a:sym typeface="Roboto Mono"/>
+              </a:rPr>
+              <a:t>PRZYKŁADY (5)</a:t>
+            </a:r>
+            <a:endParaRPr sz="3500" b="1" dirty="0">
+              <a:latin typeface="Roboto Mono"/>
+              <a:ea typeface="Roboto Mono"/>
+              <a:cs typeface="Roboto Mono"/>
+              <a:sym typeface="Roboto Mono"/>
+            </a:endParaRPr>
+          </a:p>
+        </p:txBody>
+      </p:sp>
+      <p:sp>
+        <p:nvSpPr>
+          <p:cNvPr id="90" name="Google Shape;90;p18">
+            <a:extLst>
+              <a:ext uri="{FF2B5EF4-FFF2-40B4-BE49-F238E27FC236}">
+                <a16:creationId xmlns:a16="http://schemas.microsoft.com/office/drawing/2014/main" id="{954F4213-5394-24EA-277A-8D9B537ED1E7}"/>
+              </a:ext>
+            </a:extLst>
+          </p:cNvPr>
+          <p:cNvSpPr txBox="1">
+            <a:spLocks noGrp="1"/>
+          </p:cNvSpPr>
+          <p:nvPr>
+            <p:ph type="body" idx="4294967295"/>
+          </p:nvPr>
+        </p:nvSpPr>
+        <p:spPr>
+          <a:xfrm>
+            <a:off x="657300" y="1220850"/>
+            <a:ext cx="7829400" cy="3416400"/>
+          </a:xfrm>
+          <a:prstGeom prst="rect">
+            <a:avLst/>
+          </a:prstGeom>
+        </p:spPr>
+        <p:txBody>
+          <a:bodyPr spcFirstLastPara="1" wrap="square" lIns="91425" tIns="91425" rIns="91425" bIns="91425" anchor="t" anchorCtr="0">
+            <a:normAutofit/>
+          </a:bodyPr>
+          <a:lstStyle/>
+          <a:p>
+            <a:pPr marL="0" indent="0" algn="ctr">
+              <a:lnSpc>
+                <a:spcPct val="130000"/>
+              </a:lnSpc>
+              <a:buNone/>
+            </a:pPr>
+            <a:r>
+              <a:rPr lang="pl" sz="2300" dirty="0">
+                <a:latin typeface="Roboto Mono"/>
+                <a:ea typeface="Roboto Mono"/>
+              </a:rPr>
+              <a:t>Przykładowy </a:t>
+            </a:r>
+            <a:r>
+              <a:rPr lang="pl" sz="2300" dirty="0" err="1">
+                <a:latin typeface="Roboto Mono"/>
+                <a:ea typeface="Roboto Mono"/>
+              </a:rPr>
+              <a:t>research</a:t>
+            </a:r>
+            <a:r>
+              <a:rPr lang="pl" sz="2300" dirty="0">
+                <a:latin typeface="Roboto Mono"/>
+                <a:ea typeface="Roboto Mono"/>
+              </a:rPr>
+              <a:t>:</a:t>
+            </a:r>
+            <a:endParaRPr lang="pl" sz="2300" dirty="0">
+              <a:ea typeface="Roboto Mono"/>
+            </a:endParaRPr>
+          </a:p>
+        </p:txBody>
+      </p:sp>
+      <p:pic>
+        <p:nvPicPr>
+          <p:cNvPr id="3" name="Picture 2">
+            <a:extLst>
+              <a:ext uri="{FF2B5EF4-FFF2-40B4-BE49-F238E27FC236}">
+                <a16:creationId xmlns:a16="http://schemas.microsoft.com/office/drawing/2014/main" id="{889575F3-5547-C806-B260-3CF40E81943C}"/>
+              </a:ext>
+            </a:extLst>
+          </p:cNvPr>
+          <p:cNvPicPr>
+            <a:picLocks noChangeAspect="1"/>
+          </p:cNvPicPr>
+          <p:nvPr/>
+        </p:nvPicPr>
+        <p:blipFill>
+          <a:blip r:embed="rId4"/>
+          <a:stretch>
+            <a:fillRect/>
+          </a:stretch>
+        </p:blipFill>
+        <p:spPr>
+          <a:xfrm>
+            <a:off x="1990725" y="1743075"/>
+            <a:ext cx="5167313" cy="3033713"/>
+          </a:xfrm>
+          <a:prstGeom prst="rect">
+            <a:avLst/>
+          </a:prstGeom>
+        </p:spPr>
+      </p:pic>
+    </p:spTree>
+    <p:extLst>
+      <p:ext uri="{BB962C8B-B14F-4D97-AF65-F5344CB8AC3E}">
+        <p14:creationId xmlns:p14="http://schemas.microsoft.com/office/powerpoint/2010/main" val="77838172"/>
+      </p:ext>
+    </p:extLst>
+  </p:cSld>
+  <p:clrMapOvr>
+    <a:masterClrMapping/>
+  </p:clrMapOvr>
+</p:sld>
+</file>
+
+<file path=ppt/slides/slide12.xml><?xml version="1.0" encoding="utf-8"?>
+<p:sld xmlns:a="http://schemas.openxmlformats.org/drawingml/2006/main" xmlns:r="http://schemas.openxmlformats.org/officeDocument/2006/relationships" xmlns:p="http://schemas.openxmlformats.org/presentationml/2006/main">
+  <p:cSld>
+    <p:bg>
+      <p:bgPr>
+        <a:blipFill>
+          <a:blip r:embed="rId3">
+            <a:alphaModFix/>
+          </a:blip>
+          <a:stretch>
+            <a:fillRect/>
+          </a:stretch>
+        </a:blipFill>
+        <a:effectLst/>
+      </p:bgPr>
+    </p:bg>
+    <p:spTree>
+      <p:nvGrpSpPr>
+        <p:cNvPr id="1" name="Shape 94"/>
+        <p:cNvGrpSpPr/>
+        <p:nvPr/>
+      </p:nvGrpSpPr>
+      <p:grpSpPr>
+        <a:xfrm>
+          <a:off x="0" y="0"/>
+          <a:ext cx="0" cy="0"/>
+          <a:chOff x="0" y="0"/>
+          <a:chExt cx="0" cy="0"/>
+        </a:xfrm>
+      </p:grpSpPr>
+      <p:sp>
+        <p:nvSpPr>
+          <p:cNvPr id="95" name="Google Shape;95;p19"/>
+          <p:cNvSpPr txBox="1">
+            <a:spLocks noGrp="1"/>
+          </p:cNvSpPr>
+          <p:nvPr>
+            <p:ph type="title"/>
+          </p:nvPr>
+        </p:nvSpPr>
+        <p:spPr>
+          <a:xfrm>
+            <a:off x="311700" y="455275"/>
+            <a:ext cx="8520600" cy="572700"/>
+          </a:xfrm>
+          <a:prstGeom prst="rect">
+            <a:avLst/>
+          </a:prstGeom>
+        </p:spPr>
+        <p:txBody>
+          <a:bodyPr spcFirstLastPara="1" wrap="square" lIns="91425" tIns="91425" rIns="91425" bIns="91425" anchor="t" anchorCtr="0">
+            <a:noAutofit/>
+          </a:bodyPr>
+          <a:lstStyle/>
+          <a:p>
+            <a:pPr marL="0" lvl="0" indent="0" algn="ctr" rtl="0">
+              <a:spcBef>
+                <a:spcPts val="0"/>
+              </a:spcBef>
+              <a:spcAft>
+                <a:spcPts val="0"/>
+              </a:spcAft>
+              <a:buSzPts val="990"/>
+              <a:buNone/>
+            </a:pPr>
+            <a:r>
+              <a:rPr lang="pl" sz="3500" b="1">
+                <a:latin typeface="Roboto Mono"/>
+                <a:ea typeface="Roboto Mono"/>
+                <a:cs typeface="Roboto Mono"/>
+                <a:sym typeface="Roboto Mono"/>
+              </a:rPr>
+              <a:t>PLANY NA KOLEJNY SEMESTR</a:t>
+            </a:r>
+            <a:endParaRPr sz="3500" b="1">
+              <a:latin typeface="Roboto Mono"/>
+              <a:ea typeface="Roboto Mono"/>
+              <a:cs typeface="Roboto Mono"/>
+              <a:sym typeface="Roboto Mono"/>
+            </a:endParaRPr>
+          </a:p>
+        </p:txBody>
+      </p:sp>
+      <p:sp>
+        <p:nvSpPr>
+          <p:cNvPr id="96" name="Google Shape;96;p19"/>
+          <p:cNvSpPr txBox="1">
+            <a:spLocks noGrp="1"/>
+          </p:cNvSpPr>
+          <p:nvPr>
+            <p:ph type="body" idx="4294967295"/>
+          </p:nvPr>
+        </p:nvSpPr>
+        <p:spPr>
+          <a:xfrm>
+            <a:off x="724800" y="1451525"/>
+            <a:ext cx="7694400" cy="2883600"/>
+          </a:xfrm>
+          <a:prstGeom prst="rect">
+            <a:avLst/>
+          </a:prstGeom>
+        </p:spPr>
+        <p:txBody>
+          <a:bodyPr spcFirstLastPara="1" wrap="square" lIns="91425" tIns="91425" rIns="91425" bIns="91425" anchor="t" anchorCtr="0">
+            <a:normAutofit fontScale="92500" lnSpcReduction="20000"/>
+          </a:bodyPr>
+          <a:lstStyle/>
+          <a:p>
+            <a:pPr marL="0" lvl="0" indent="0" algn="ctr" rtl="0">
+              <a:lnSpc>
+                <a:spcPct val="130000"/>
+              </a:lnSpc>
+              <a:spcBef>
+                <a:spcPts val="1000"/>
+              </a:spcBef>
+              <a:spcAft>
+                <a:spcPts val="0"/>
+              </a:spcAft>
+              <a:buNone/>
+            </a:pPr>
+            <a:r>
+              <a:rPr lang="pl" sz="2700">
+                <a:latin typeface="Roboto Mono"/>
+                <a:ea typeface="Roboto Mono"/>
+                <a:cs typeface="Roboto Mono"/>
+                <a:sym typeface="Roboto Mono"/>
+              </a:rPr>
+              <a:t>Zróżnicowanie wykorzystywanych </a:t>
+            </a:r>
+            <a:br>
+              <a:rPr lang="pl" sz="2700">
+                <a:latin typeface="Roboto Mono"/>
+                <a:ea typeface="Roboto Mono"/>
+                <a:cs typeface="Roboto Mono"/>
+                <a:sym typeface="Roboto Mono"/>
+              </a:rPr>
+            </a:br>
+            <a:r>
+              <a:rPr lang="pl" sz="2700">
+                <a:latin typeface="Roboto Mono"/>
+                <a:ea typeface="Roboto Mono"/>
+                <a:cs typeface="Roboto Mono"/>
+                <a:sym typeface="Roboto Mono"/>
+              </a:rPr>
+              <a:t>modeli LLM</a:t>
+            </a:r>
+            <a:endParaRPr sz="2700">
+              <a:latin typeface="Roboto Mono"/>
+              <a:ea typeface="Roboto Mono"/>
+              <a:cs typeface="Roboto Mono"/>
+              <a:sym typeface="Roboto Mono"/>
+            </a:endParaRPr>
+          </a:p>
+          <a:p>
+            <a:pPr marL="0" lvl="0" indent="0" algn="ctr" rtl="0">
+              <a:lnSpc>
+                <a:spcPct val="130000"/>
+              </a:lnSpc>
+              <a:spcBef>
+                <a:spcPts val="2000"/>
+              </a:spcBef>
+              <a:spcAft>
+                <a:spcPts val="0"/>
+              </a:spcAft>
+              <a:buNone/>
+            </a:pPr>
+            <a:r>
+              <a:rPr lang="pl" sz="2700">
+                <a:latin typeface="Roboto Mono"/>
+                <a:ea typeface="Roboto Mono"/>
+                <a:cs typeface="Roboto Mono"/>
+                <a:sym typeface="Roboto Mono"/>
+              </a:rPr>
+              <a:t>Implementacja równoległej współpracy agentów</a:t>
+            </a:r>
+            <a:endParaRPr sz="2700">
+              <a:latin typeface="Roboto Mono"/>
+              <a:ea typeface="Roboto Mono"/>
+              <a:cs typeface="Roboto Mono"/>
+              <a:sym typeface="Roboto Mono"/>
+            </a:endParaRPr>
+          </a:p>
+          <a:p>
+            <a:pPr marL="0" lvl="0" indent="0" algn="ctr" rtl="0">
+              <a:lnSpc>
+                <a:spcPct val="130000"/>
+              </a:lnSpc>
+              <a:spcBef>
+                <a:spcPts val="2000"/>
+              </a:spcBef>
+              <a:spcAft>
+                <a:spcPts val="2000"/>
+              </a:spcAft>
+              <a:buNone/>
+            </a:pPr>
+            <a:r>
+              <a:rPr lang="pl" sz="2700">
+                <a:latin typeface="Roboto Mono"/>
+                <a:ea typeface="Roboto Mono"/>
+                <a:cs typeface="Roboto Mono"/>
+                <a:sym typeface="Roboto Mono"/>
+              </a:rPr>
+              <a:t>Ulepszenie otrzymywanych rezultatów</a:t>
+            </a:r>
+            <a:endParaRPr sz="2700">
+              <a:latin typeface="Roboto Mono"/>
+              <a:ea typeface="Roboto Mono"/>
+              <a:cs typeface="Roboto Mono"/>
+              <a:sym typeface="Roboto Mono"/>
+            </a:endParaRPr>
+          </a:p>
+        </p:txBody>
+      </p:sp>
+    </p:spTree>
+  </p:cSld>
+  <p:clrMapOvr>
+    <a:masterClrMapping/>
+  </p:clrMapOvr>
+</p:sld>
+</file>
+
+<file path=ppt/slides/slide13.xml><?xml version="1.0" encoding="utf-8"?>
+<p:sld xmlns:a="http://schemas.openxmlformats.org/drawingml/2006/main" xmlns:r="http://schemas.openxmlformats.org/officeDocument/2006/relationships" xmlns:p="http://schemas.openxmlformats.org/presentationml/2006/main">
+  <p:cSld>
+    <p:bg>
+      <p:bgPr>
+        <a:blipFill>
+          <a:blip r:embed="rId3">
+            <a:alphaModFix/>
+          </a:blip>
+          <a:stretch>
+            <a:fillRect/>
+          </a:stretch>
+        </a:blipFill>
+        <a:effectLst/>
+      </p:bgPr>
+    </p:bg>
+    <p:spTree>
+      <p:nvGrpSpPr>
+        <p:cNvPr id="1" name="Shape 100"/>
+        <p:cNvGrpSpPr/>
+        <p:nvPr/>
+      </p:nvGrpSpPr>
+      <p:grpSpPr>
+        <a:xfrm>
+          <a:off x="0" y="0"/>
+          <a:ext cx="0" cy="0"/>
+          <a:chOff x="0" y="0"/>
+          <a:chExt cx="0" cy="0"/>
+        </a:xfrm>
+      </p:grpSpPr>
+      <p:sp>
+        <p:nvSpPr>
+          <p:cNvPr id="101" name="Google Shape;101;p20"/>
+          <p:cNvSpPr txBox="1">
+            <a:spLocks noGrp="1"/>
+          </p:cNvSpPr>
+          <p:nvPr>
+            <p:ph type="ctrTitle"/>
+          </p:nvPr>
+        </p:nvSpPr>
+        <p:spPr>
+          <a:xfrm>
+            <a:off x="311700" y="1320150"/>
+            <a:ext cx="8520600" cy="1905300"/>
+          </a:xfrm>
+          <a:prstGeom prst="rect">
+            <a:avLst/>
+          </a:prstGeom>
+        </p:spPr>
+        <p:txBody>
+          <a:bodyPr spcFirstLastPara="1" wrap="square" lIns="91425" tIns="91425" rIns="91425" bIns="91425" anchor="b" anchorCtr="0">
+            <a:noAutofit/>
+          </a:bodyPr>
+          <a:lstStyle/>
+          <a:p>
+            <a:pPr marL="0" lvl="0" indent="0" algn="ctr" rtl="0">
+              <a:spcBef>
+                <a:spcPts val="0"/>
+              </a:spcBef>
+              <a:spcAft>
+                <a:spcPts val="0"/>
+              </a:spcAft>
+              <a:buSzPts val="990"/>
+              <a:buNone/>
+            </a:pPr>
+            <a:r>
+              <a:rPr lang="pl" sz="5780">
+                <a:latin typeface="Roboto Mono Medium"/>
+                <a:ea typeface="Roboto Mono Medium"/>
+                <a:cs typeface="Roboto Mono Medium"/>
+                <a:sym typeface="Roboto Mono Medium"/>
+              </a:rPr>
+              <a:t>DZIĘKUJEMY </a:t>
+            </a:r>
+            <a:br>
+              <a:rPr lang="pl" sz="5780">
+                <a:latin typeface="Roboto Mono Medium"/>
+                <a:ea typeface="Roboto Mono Medium"/>
+                <a:cs typeface="Roboto Mono Medium"/>
+                <a:sym typeface="Roboto Mono Medium"/>
+              </a:rPr>
+            </a:br>
+            <a:r>
+              <a:rPr lang="pl" sz="5780">
+                <a:latin typeface="Roboto Mono Medium"/>
+                <a:ea typeface="Roboto Mono Medium"/>
+                <a:cs typeface="Roboto Mono Medium"/>
+                <a:sym typeface="Roboto Mono Medium"/>
+              </a:rPr>
+              <a:t>ZA UWAGĘ!</a:t>
+            </a:r>
+            <a:endParaRPr sz="5780">
+              <a:latin typeface="Roboto Mono Medium"/>
+              <a:ea typeface="Roboto Mono Medium"/>
+              <a:cs typeface="Roboto Mono Medium"/>
+              <a:sym typeface="Roboto Mono Medium"/>
+            </a:endParaRPr>
+          </a:p>
+        </p:txBody>
+      </p:sp>
+      <p:sp>
+        <p:nvSpPr>
+          <p:cNvPr id="102" name="Google Shape;102;p20"/>
+          <p:cNvSpPr txBox="1">
+            <a:spLocks noGrp="1"/>
+          </p:cNvSpPr>
+          <p:nvPr>
+            <p:ph type="subTitle" idx="1"/>
+          </p:nvPr>
+        </p:nvSpPr>
+        <p:spPr>
+          <a:xfrm>
+            <a:off x="311700" y="3661200"/>
+            <a:ext cx="8520600" cy="792600"/>
+          </a:xfrm>
+          <a:prstGeom prst="rect">
+            <a:avLst/>
+          </a:prstGeom>
+        </p:spPr>
+        <p:txBody>
+          <a:bodyPr spcFirstLastPara="1" wrap="square" lIns="91425" tIns="91425" rIns="91425" bIns="91425" anchor="t" anchorCtr="0">
+            <a:normAutofit fontScale="92500" lnSpcReduction="20000"/>
+          </a:bodyPr>
+          <a:lstStyle/>
+          <a:p>
+            <a:pPr marL="0" lvl="0" indent="0" algn="ctr" rtl="0">
+              <a:spcBef>
+                <a:spcPts val="0"/>
+              </a:spcBef>
+              <a:spcAft>
+                <a:spcPts val="0"/>
+              </a:spcAft>
+              <a:buNone/>
+            </a:pPr>
             <a:r>
               <a:rPr lang="pl" sz="1700">
                 <a:latin typeface="Roboto Mono"/>
@@ -6397,7 +7951,32 @@
                 <a:cs typeface="Roboto Mono"/>
                 <a:sym typeface="Roboto Mono"/>
               </a:rPr>
-              <a:t>Majkutewicz</a:t>
+              <a:t>Jakub Nowak, Alicja Sobiech, Oliwier Komorowski, Kacper Skudlarz</a:t>
+            </a:r>
+            <a:br>
+              <a:rPr lang="pl" sz="1700">
+                <a:latin typeface="Roboto Mono"/>
+                <a:ea typeface="Roboto Mono"/>
+                <a:cs typeface="Roboto Mono"/>
+                <a:sym typeface="Roboto Mono"/>
+              </a:rPr>
+            </a:br>
+            <a:br>
+              <a:rPr lang="pl" sz="1700">
+                <a:latin typeface="Roboto Mono"/>
+                <a:ea typeface="Roboto Mono"/>
+                <a:cs typeface="Roboto Mono"/>
+                <a:sym typeface="Roboto Mono"/>
+              </a:rPr>
+            </a:br>
+            <a:r>
+              <a:rPr lang="pl" sz="1700">
+                <a:latin typeface="Roboto Mono"/>
+                <a:ea typeface="Roboto Mono"/>
+                <a:cs typeface="Roboto Mono"/>
+                <a:sym typeface="Roboto Mono"/>
+              </a:rPr>
+              <a:t>Opiekun projektu: mgr inż. Jan Majkutewicz</a:t>
             </a:r>
             <a:endParaRPr sz="1700">
               <a:latin typeface="Roboto Mono"/>
@@ -6417,7 +7996,7 @@
 </file>
 
 <file path=ppt/slides/slide2.xml><?xml version="1.0" encoding="utf-8"?>
-<p:sld xmlns:a="http://schemas.openxmlformats.org/drawingml/2006/main" xmlns:r="http://schemas.openxmlformats.org/officeDocument/2006/relationships" xmlns:mc="http://schemas.openxmlformats.org/markup-compatibility/2006" xmlns:mv="urn:schemas-microsoft-com:mac:vml" xmlns:p="http://schemas.openxmlformats.org/presentationml/2006/main" xmlns:c="http://schemas.openxmlformats.org/drawingml/2006/chart" xmlns:dgm="http://schemas.openxmlformats.org/drawingml/2006/diagram" xmlns:o="urn:schemas-microsoft-com:office:office" xmlns:v="urn:schemas-microsoft-com:vml" xmlns:pvml="urn:schemas-microsoft-com:office:powerpoint" xmlns:com="http://schemas.openxmlformats.org/drawingml/2006/compatibility" xmlns:p14="http://schemas.microsoft.com/office/powerpoint/2010/main" xmlns:p15="http://schemas.microsoft.com/office/powerpoint/2012/main" xmlns:ahyp="http://schemas.microsoft.com/office/drawing/2018/hyperlinkcolor">
+<p:sld xmlns:a="http://schemas.openxmlformats.org/drawingml/2006/main" xmlns:r="http://schemas.openxmlformats.org/officeDocument/2006/relationships" xmlns:p="http://schemas.openxmlformats.org/presentationml/2006/main">
   <p:cSld>
     <p:bg>
       <p:bgPr>
@@ -6429,11 +8008,12 @@
             <a:fillRect/>
           </a:stretch>
         </a:blipFill>
+        <a:effectLst/>
       </p:bgPr>
     </p:bg>
     <p:spTree>
       <p:nvGrpSpPr>
-        <p:cNvPr id="61" name="Shape 61"/>
+        <p:cNvPr id="1" name="Shape 61"/>
         <p:cNvGrpSpPr/>
         <p:nvPr/>
       </p:nvGrpSpPr>
@@ -6448,7 +8028,9 @@
       <p:sp>
         <p:nvSpPr>
           <p:cNvPr id="62" name="Google Shape;62;p14"/>
-          <p:cNvSpPr txBox="1"/>
+          <p:cNvSpPr txBox="1">
+            <a:spLocks noGrp="1"/>
+          </p:cNvSpPr>
           <p:nvPr>
             <p:ph type="title"/>
           </p:nvPr>
@@ -6463,12 +8045,12 @@
           </a:prstGeom>
         </p:spPr>
         <p:txBody>
-          <a:bodyPr anchorCtr="0" anchor="t" bIns="91425" lIns="91425" spcFirstLastPara="1" rIns="91425" wrap="square" tIns="91425">
+          <a:bodyPr spcFirstLastPara="1" wrap="square" lIns="91425" tIns="91425" rIns="91425" bIns="91425" anchor="t" anchorCtr="0">
             <a:noAutofit/>
           </a:bodyPr>
           <a:lstStyle/>
           <a:p>
-            <a:pPr indent="0" lvl="0" marL="0" rtl="0" algn="ctr">
+            <a:pPr marL="0" lvl="0" indent="0" algn="ctr" rtl="0">
               <a:spcBef>
                 <a:spcPts val="0"/>
               </a:spcBef>
@@ -6483,7 +8065,7 @@
               <a:buNone/>
             </a:pPr>
             <a:r>
-              <a:rPr b="1" lang="pl" sz="3520">
+              <a:rPr lang="pl" sz="3520" b="1">
                 <a:latin typeface="Roboto Mono"/>
                 <a:ea typeface="Roboto Mono"/>
                 <a:cs typeface="Roboto Mono"/>
@@ -6491,7 +8073,7 @@
               </a:rPr>
               <a:t>PLAN PREZENTACJI</a:t>
             </a:r>
-            <a:endParaRPr b="1" sz="3520">
+            <a:endParaRPr sz="3520" b="1">
               <a:latin typeface="Roboto Mono"/>
               <a:ea typeface="Roboto Mono"/>
               <a:cs typeface="Roboto Mono"/>
@@ -6499,7 +8081,7 @@
             </a:endParaRPr>
           </a:p>
           <a:p>
-            <a:pPr indent="0" lvl="0" marL="0" rtl="0" algn="l">
+            <a:pPr marL="0" lvl="0" indent="0" algn="l" rtl="0">
               <a:spcBef>
                 <a:spcPts val="0"/>
               </a:spcBef>
@@ -6509,19 +8091,18 @@
               <a:buSzPts val="990"/>
               <a:buNone/>
             </a:pPr>
-            <a:r>
-              <a:t/>
-            </a:r>
-            <a:endParaRPr b="1" sz="3220"/>
+            <a:endParaRPr sz="3220" b="1"/>
           </a:p>
         </p:txBody>
       </p:sp>
       <p:sp>
         <p:nvSpPr>
           <p:cNvPr id="63" name="Google Shape;63;p14"/>
-          <p:cNvSpPr txBox="1"/>
+          <p:cNvSpPr txBox="1">
+            <a:spLocks noGrp="1"/>
+          </p:cNvSpPr>
           <p:nvPr>
-            <p:ph idx="4294967295" type="body"/>
+            <p:ph type="body" idx="4294967295"/>
           </p:nvPr>
         </p:nvSpPr>
         <p:spPr>
@@ -6534,12 +8115,12 @@
           </a:prstGeom>
         </p:spPr>
         <p:txBody>
-          <a:bodyPr anchorCtr="0" anchor="t" bIns="91425" lIns="91425" spcFirstLastPara="1" rIns="91425" wrap="square" tIns="91425">
+          <a:bodyPr spcFirstLastPara="1" wrap="square" lIns="91425" tIns="91425" rIns="91425" bIns="91425" anchor="t" anchorCtr="0">
             <a:normAutofit/>
           </a:bodyPr>
           <a:lstStyle/>
           <a:p>
-            <a:pPr indent="-381000" lvl="0" marL="457200" rtl="0" algn="l">
+            <a:pPr marL="457200" lvl="0" indent="-381000" algn="l" rtl="0">
               <a:spcBef>
                 <a:spcPts val="0"/>
               </a:spcBef>
@@ -6565,7 +8146,7 @@
               </a:rPr>
               <a:t>Informacje Ogólne</a:t>
             </a:r>
-            <a:endParaRPr i="1" sz="2400">
+            <a:endParaRPr sz="2400" i="1">
               <a:solidFill>
                 <a:srgbClr val="434343"/>
               </a:solidFill>
@@ -6576,7 +8157,7 @@
             </a:endParaRPr>
           </a:p>
           <a:p>
-            <a:pPr indent="-381000" lvl="0" marL="457200" rtl="0" algn="l">
+            <a:pPr marL="457200" lvl="0" indent="-381000" algn="l" rtl="0">
               <a:spcBef>
                 <a:spcPts val="1000"/>
               </a:spcBef>
@@ -6613,7 +8194,7 @@
             </a:endParaRPr>
           </a:p>
           <a:p>
-            <a:pPr indent="-381000" lvl="0" marL="457200" rtl="0" algn="l">
+            <a:pPr marL="457200" lvl="0" indent="-381000" algn="l" rtl="0">
               <a:spcBef>
                 <a:spcPts val="1000"/>
               </a:spcBef>
@@ -6650,7 +8231,7 @@
             </a:endParaRPr>
           </a:p>
           <a:p>
-            <a:pPr indent="-381000" lvl="0" marL="457200" rtl="0" algn="l">
+            <a:pPr marL="457200" lvl="0" indent="-381000" algn="l" rtl="0">
               <a:spcBef>
                 <a:spcPts val="1000"/>
               </a:spcBef>
@@ -6687,7 +8268,7 @@
             </a:endParaRPr>
           </a:p>
           <a:p>
-            <a:pPr indent="-381000" lvl="0" marL="457200" rtl="0" algn="l">
+            <a:pPr marL="457200" lvl="0" indent="-381000" algn="l" rtl="0">
               <a:spcBef>
                 <a:spcPts val="1000"/>
               </a:spcBef>
@@ -6734,7 +8315,7 @@
 </file>
 
 <file path=ppt/slides/slide3.xml><?xml version="1.0" encoding="utf-8"?>
-<p:sld xmlns:a="http://schemas.openxmlformats.org/drawingml/2006/main" xmlns:r="http://schemas.openxmlformats.org/officeDocument/2006/relationships" xmlns:mc="http://schemas.openxmlformats.org/markup-compatibility/2006" xmlns:mv="urn:schemas-microsoft-com:mac:vml" xmlns:p="http://schemas.openxmlformats.org/presentationml/2006/main" xmlns:c="http://schemas.openxmlformats.org/drawingml/2006/chart" xmlns:dgm="http://schemas.openxmlformats.org/drawingml/2006/diagram" xmlns:o="urn:schemas-microsoft-com:office:office" xmlns:v="urn:schemas-microsoft-com:vml" xmlns:pvml="urn:schemas-microsoft-com:office:powerpoint" xmlns:com="http://schemas.openxmlformats.org/drawingml/2006/compatibility" xmlns:p14="http://schemas.microsoft.com/office/powerpoint/2010/main" xmlns:p15="http://schemas.microsoft.com/office/powerpoint/2012/main" xmlns:ahyp="http://schemas.microsoft.com/office/drawing/2018/hyperlinkcolor">
+<p:sld xmlns:a="http://schemas.openxmlformats.org/drawingml/2006/main" xmlns:r="http://schemas.openxmlformats.org/officeDocument/2006/relationships" xmlns:p="http://schemas.openxmlformats.org/presentationml/2006/main">
   <p:cSld>
     <p:bg>
       <p:bgPr>
@@ -6746,11 +8327,12 @@
             <a:fillRect/>
           </a:stretch>
         </a:blipFill>
+        <a:effectLst/>
       </p:bgPr>
     </p:bg>
     <p:spTree>
       <p:nvGrpSpPr>
-        <p:cNvPr id="67" name="Shape 67"/>
+        <p:cNvPr id="1" name="Shape 67"/>
         <p:cNvGrpSpPr/>
         <p:nvPr/>
       </p:nvGrpSpPr>
@@ -6765,7 +8347,9 @@
       <p:sp>
         <p:nvSpPr>
           <p:cNvPr id="68" name="Google Shape;68;p15"/>
-          <p:cNvSpPr txBox="1"/>
+          <p:cNvSpPr txBox="1">
+            <a:spLocks noGrp="1"/>
+          </p:cNvSpPr>
           <p:nvPr>
             <p:ph type="title"/>
           </p:nvPr>
@@ -6780,12 +8364,12 @@
           </a:prstGeom>
         </p:spPr>
         <p:txBody>
-          <a:bodyPr anchorCtr="0" anchor="t" bIns="91425" lIns="91425" spcFirstLastPara="1" rIns="91425" wrap="square" tIns="91425">
+          <a:bodyPr spcFirstLastPara="1" wrap="square" lIns="91425" tIns="91425" rIns="91425" bIns="91425" anchor="t" anchorCtr="0">
             <a:noAutofit/>
           </a:bodyPr>
           <a:lstStyle/>
           <a:p>
-            <a:pPr indent="0" lvl="0" marL="0" rtl="0" algn="ctr">
+            <a:pPr marL="0" lvl="0" indent="0" algn="ctr" rtl="0">
               <a:spcBef>
                 <a:spcPts val="0"/>
               </a:spcBef>
@@ -6800,7 +8384,7 @@
               <a:buNone/>
             </a:pPr>
             <a:r>
-              <a:rPr b="1" lang="pl" sz="3520">
+              <a:rPr lang="pl" sz="3520" b="1">
                 <a:latin typeface="Roboto Mono"/>
                 <a:ea typeface="Roboto Mono"/>
                 <a:cs typeface="Roboto Mono"/>
@@ -6808,7 +8392,7 @@
               </a:rPr>
               <a:t>INFORMACJE OGÓLNE</a:t>
             </a:r>
-            <a:endParaRPr b="1" sz="3520">
+            <a:endParaRPr sz="3520" b="1">
               <a:latin typeface="Roboto Mono"/>
               <a:ea typeface="Roboto Mono"/>
               <a:cs typeface="Roboto Mono"/>
@@ -6816,7 +8400,7 @@
             </a:endParaRPr>
           </a:p>
           <a:p>
-            <a:pPr indent="0" lvl="0" marL="0" rtl="0" algn="l">
+            <a:pPr marL="0" lvl="0" indent="0" algn="l" rtl="0">
               <a:spcBef>
                 <a:spcPts val="0"/>
               </a:spcBef>
@@ -6826,19 +8410,18 @@
               <a:buSzPts val="990"/>
               <a:buNone/>
             </a:pPr>
-            <a:r>
-              <a:t/>
-            </a:r>
-            <a:endParaRPr b="1" sz="3220"/>
+            <a:endParaRPr sz="3220" b="1"/>
           </a:p>
         </p:txBody>
       </p:sp>
       <p:sp>
         <p:nvSpPr>
           <p:cNvPr id="69" name="Google Shape;69;p15"/>
-          <p:cNvSpPr txBox="1"/>
+          <p:cNvSpPr txBox="1">
+            <a:spLocks noGrp="1"/>
+          </p:cNvSpPr>
           <p:nvPr>
-            <p:ph idx="4294967295" type="body"/>
+            <p:ph type="body" idx="4294967295"/>
           </p:nvPr>
         </p:nvSpPr>
         <p:spPr>
@@ -6851,12 +8434,12 @@
           </a:prstGeom>
         </p:spPr>
         <p:txBody>
-          <a:bodyPr anchorCtr="0" anchor="t" bIns="91425" lIns="91425" spcFirstLastPara="1" rIns="91425" wrap="square" tIns="91425">
+          <a:bodyPr spcFirstLastPara="1" wrap="square" lIns="91425" tIns="91425" rIns="91425" bIns="91425" anchor="t" anchorCtr="0">
             <a:normAutofit/>
           </a:bodyPr>
           <a:lstStyle/>
           <a:p>
-            <a:pPr indent="0" lvl="0" marL="0" rtl="0" algn="ctr">
+            <a:pPr marL="0" lvl="0" indent="0" algn="ctr" rtl="0">
               <a:lnSpc>
                 <a:spcPct val="150000"/>
               </a:lnSpc>
@@ -6881,7 +8464,7 @@
               <a:t>Celem projektu jest opracowanie systemu </a:t>
             </a:r>
             <a:r>
-              <a:rPr b="1" lang="pl" sz="2700">
+              <a:rPr lang="pl" sz="2700" b="1">
                 <a:solidFill>
                   <a:srgbClr val="434343"/>
                 </a:solidFill>
@@ -6925,7 +8508,7 @@
 </file>
 
 <file path=ppt/slides/slide4.xml><?xml version="1.0" encoding="utf-8"?>
-<p:sld xmlns:a="http://schemas.openxmlformats.org/drawingml/2006/main" xmlns:r="http://schemas.openxmlformats.org/officeDocument/2006/relationships" xmlns:mc="http://schemas.openxmlformats.org/markup-compatibility/2006" xmlns:mv="urn:schemas-microsoft-com:mac:vml" xmlns:p="http://schemas.openxmlformats.org/presentationml/2006/main" xmlns:c="http://schemas.openxmlformats.org/drawingml/2006/chart" xmlns:dgm="http://schemas.openxmlformats.org/drawingml/2006/diagram" xmlns:o="urn:schemas-microsoft-com:office:office" xmlns:v="urn:schemas-microsoft-com:vml" xmlns:pvml="urn:schemas-microsoft-com:office:powerpoint" xmlns:com="http://schemas.openxmlformats.org/drawingml/2006/compatibility" xmlns:p14="http://schemas.microsoft.com/office/powerpoint/2010/main" xmlns:p15="http://schemas.microsoft.com/office/powerpoint/2012/main" xmlns:ahyp="http://schemas.microsoft.com/office/drawing/2018/hyperlinkcolor">
+<p:sld xmlns:a="http://schemas.openxmlformats.org/drawingml/2006/main" xmlns:r="http://schemas.openxmlformats.org/officeDocument/2006/relationships" xmlns:p="http://schemas.openxmlformats.org/presentationml/2006/main">
   <p:cSld>
     <p:bg>
       <p:bgPr>
@@ -6937,11 +8520,12 @@
             <a:fillRect/>
           </a:stretch>
         </a:blipFill>
+        <a:effectLst/>
       </p:bgPr>
     </p:bg>
     <p:spTree>
       <p:nvGrpSpPr>
-        <p:cNvPr id="73" name="Shape 73"/>
+        <p:cNvPr id="1" name="Shape 73"/>
         <p:cNvGrpSpPr/>
         <p:nvPr/>
       </p:nvGrpSpPr>
@@ -6956,7 +8540,9 @@
       <p:sp>
         <p:nvSpPr>
           <p:cNvPr id="74" name="Google Shape;74;p16"/>
-          <p:cNvSpPr txBox="1"/>
+          <p:cNvSpPr txBox="1">
+            <a:spLocks noGrp="1"/>
+          </p:cNvSpPr>
           <p:nvPr>
             <p:ph type="title"/>
           </p:nvPr>
@@ -6971,12 +8557,12 @@
           </a:prstGeom>
         </p:spPr>
         <p:txBody>
-          <a:bodyPr anchorCtr="0" anchor="t" bIns="91425" lIns="91425" spcFirstLastPara="1" rIns="91425" wrap="square" tIns="91425">
+          <a:bodyPr spcFirstLastPara="1" wrap="square" lIns="91425" tIns="91425" rIns="91425" bIns="91425" anchor="t" anchorCtr="0">
             <a:noAutofit/>
           </a:bodyPr>
           <a:lstStyle/>
           <a:p>
-            <a:pPr indent="0" lvl="0" marL="0" rtl="0" algn="ctr">
+            <a:pPr marL="0" lvl="0" indent="0" algn="ctr" rtl="0">
               <a:spcBef>
                 <a:spcPts val="0"/>
               </a:spcBef>
@@ -6991,7 +8577,7 @@
               <a:buNone/>
             </a:pPr>
             <a:r>
-              <a:rPr b="1" lang="pl" sz="3520">
+              <a:rPr lang="pl" sz="3520" b="1">
                 <a:latin typeface="Roboto Mono"/>
                 <a:ea typeface="Roboto Mono"/>
                 <a:cs typeface="Roboto Mono"/>
@@ -6999,7 +8585,7 @@
               </a:rPr>
               <a:t>GŁÓWNE ZAŁOŻENIA PROJEKTOWE</a:t>
             </a:r>
-            <a:endParaRPr b="1" sz="3520">
+            <a:endParaRPr sz="3520" b="1">
               <a:latin typeface="Roboto Mono"/>
               <a:ea typeface="Roboto Mono"/>
               <a:cs typeface="Roboto Mono"/>
@@ -7007,7 +8593,7 @@
             </a:endParaRPr>
           </a:p>
           <a:p>
-            <a:pPr indent="0" lvl="0" marL="0" rtl="0" algn="l">
+            <a:pPr marL="0" lvl="0" indent="0" algn="l" rtl="0">
               <a:spcBef>
                 <a:spcPts val="0"/>
               </a:spcBef>
@@ -7017,19 +8603,18 @@
               <a:buSzPts val="990"/>
               <a:buNone/>
             </a:pPr>
-            <a:r>
-              <a:t/>
-            </a:r>
-            <a:endParaRPr b="1" sz="3220"/>
+            <a:endParaRPr sz="3220" b="1"/>
           </a:p>
         </p:txBody>
       </p:sp>
       <p:sp>
         <p:nvSpPr>
           <p:cNvPr id="75" name="Google Shape;75;p16"/>
-          <p:cNvSpPr txBox="1"/>
+          <p:cNvSpPr txBox="1">
+            <a:spLocks noGrp="1"/>
+          </p:cNvSpPr>
           <p:nvPr>
-            <p:ph idx="4294967295" type="body"/>
+            <p:ph type="body" idx="4294967295"/>
           </p:nvPr>
         </p:nvSpPr>
         <p:spPr>
@@ -7042,12 +8627,12 @@
           </a:prstGeom>
         </p:spPr>
         <p:txBody>
-          <a:bodyPr anchorCtr="0" anchor="t" bIns="91425" lIns="91425" spcFirstLastPara="1" rIns="91425" wrap="square" tIns="91425">
+          <a:bodyPr spcFirstLastPara="1" wrap="square" lIns="91425" tIns="91425" rIns="91425" bIns="91425" anchor="t" anchorCtr="0">
             <a:normAutofit/>
           </a:bodyPr>
           <a:lstStyle/>
           <a:p>
-            <a:pPr indent="0" lvl="0" marL="0" rtl="0" algn="ctr">
+            <a:pPr marL="0" lvl="0" indent="0" algn="ctr" rtl="0">
               <a:lnSpc>
                 <a:spcPct val="105000"/>
               </a:lnSpc>
@@ -7083,7 +8668,7 @@
             </a:endParaRPr>
           </a:p>
           <a:p>
-            <a:pPr indent="0" lvl="0" marL="0" rtl="0" algn="ctr">
+            <a:pPr marL="0" lvl="0" indent="0" algn="ctr" rtl="0">
               <a:lnSpc>
                 <a:spcPct val="105000"/>
               </a:lnSpc>
@@ -7119,7 +8704,7 @@
             </a:endParaRPr>
           </a:p>
           <a:p>
-            <a:pPr indent="0" lvl="0" marL="0" rtl="0" algn="ctr">
+            <a:pPr marL="0" lvl="0" indent="0" algn="ctr" rtl="0">
               <a:lnSpc>
                 <a:spcPct val="105000"/>
               </a:lnSpc>
@@ -7155,7 +8740,7 @@
             </a:endParaRPr>
           </a:p>
           <a:p>
-            <a:pPr indent="0" lvl="0" marL="0" rtl="0" algn="ctr">
+            <a:pPr marL="0" lvl="0" indent="0" algn="ctr" rtl="0">
               <a:lnSpc>
                 <a:spcPct val="105000"/>
               </a:lnSpc>
@@ -7201,7 +8786,7 @@
 </file>
 
 <file path=ppt/slides/slide5.xml><?xml version="1.0" encoding="utf-8"?>
-<p:sld xmlns:a="http://schemas.openxmlformats.org/drawingml/2006/main" xmlns:r="http://schemas.openxmlformats.org/officeDocument/2006/relationships" xmlns:mc="http://schemas.openxmlformats.org/markup-compatibility/2006" xmlns:mv="urn:schemas-microsoft-com:mac:vml" xmlns:p="http://schemas.openxmlformats.org/presentationml/2006/main" xmlns:c="http://schemas.openxmlformats.org/drawingml/2006/chart" xmlns:dgm="http://schemas.openxmlformats.org/drawingml/2006/diagram" xmlns:o="urn:schemas-microsoft-com:office:office" xmlns:v="urn:schemas-microsoft-com:vml" xmlns:pvml="urn:schemas-microsoft-com:office:powerpoint" xmlns:com="http://schemas.openxmlformats.org/drawingml/2006/compatibility" xmlns:p14="http://schemas.microsoft.com/office/powerpoint/2010/main" xmlns:p15="http://schemas.microsoft.com/office/powerpoint/2012/main" xmlns:ahyp="http://schemas.microsoft.com/office/drawing/2018/hyperlinkcolor">
+<p:sld xmlns:a="http://schemas.openxmlformats.org/drawingml/2006/main" xmlns:r="http://schemas.openxmlformats.org/officeDocument/2006/relationships" xmlns:p="http://schemas.openxmlformats.org/presentationml/2006/main">
   <p:cSld>
     <p:bg>
       <p:bgPr>
@@ -7213,11 +8798,12 @@
             <a:fillRect/>
           </a:stretch>
         </a:blipFill>
+        <a:effectLst/>
       </p:bgPr>
     </p:bg>
     <p:spTree>
       <p:nvGrpSpPr>
-        <p:cNvPr id="79" name="Shape 79"/>
+        <p:cNvPr id="1" name="Shape 79"/>
         <p:cNvGrpSpPr/>
         <p:nvPr/>
       </p:nvGrpSpPr>
@@ -7232,7 +8818,9 @@
       <p:sp>
         <p:nvSpPr>
           <p:cNvPr id="80" name="Google Shape;80;p17"/>
-          <p:cNvSpPr txBox="1"/>
+          <p:cNvSpPr txBox="1">
+            <a:spLocks noGrp="1"/>
+          </p:cNvSpPr>
           <p:nvPr>
             <p:ph type="title"/>
           </p:nvPr>
@@ -7247,12 +8835,12 @@
           </a:prstGeom>
         </p:spPr>
         <p:txBody>
-          <a:bodyPr anchorCtr="0" anchor="t" bIns="91425" lIns="91425" spcFirstLastPara="1" rIns="91425" wrap="square" tIns="91425">
+          <a:bodyPr spcFirstLastPara="1" wrap="square" lIns="91425" tIns="91425" rIns="91425" bIns="91425" anchor="t" anchorCtr="0">
             <a:noAutofit/>
           </a:bodyPr>
           <a:lstStyle/>
           <a:p>
-            <a:pPr indent="0" lvl="0" marL="0" rtl="0" algn="ctr">
+            <a:pPr marL="0" lvl="0" indent="0" algn="ctr" rtl="0">
               <a:spcBef>
                 <a:spcPts val="0"/>
               </a:spcBef>
@@ -7263,7 +8851,7 @@
               <a:buNone/>
             </a:pPr>
             <a:r>
-              <a:rPr b="1" lang="pl" sz="2950">
+              <a:rPr lang="pl" sz="2950" b="1">
                 <a:latin typeface="Roboto Mono"/>
                 <a:ea typeface="Roboto Mono"/>
                 <a:cs typeface="Roboto Mono"/>
@@ -7271,7 +8859,7 @@
               </a:rPr>
               <a:t>WYKORZYSTANE TECHNOLOGIE I NARZĘDZIA</a:t>
             </a:r>
-            <a:endParaRPr b="1" sz="2950">
+            <a:endParaRPr sz="2950" b="1">
               <a:latin typeface="Roboto Mono"/>
               <a:ea typeface="Roboto Mono"/>
               <a:cs typeface="Roboto Mono"/>
@@ -7388,7 +8976,7 @@
 </file>
 
 <file path=ppt/slides/slide6.xml><?xml version="1.0" encoding="utf-8"?>
-<p:sld xmlns:a="http://schemas.openxmlformats.org/drawingml/2006/main" xmlns:r="http://schemas.openxmlformats.org/officeDocument/2006/relationships" xmlns:mc="http://schemas.openxmlformats.org/markup-compatibility/2006" xmlns:mv="urn:schemas-microsoft-com:mac:vml" xmlns:p="http://schemas.openxmlformats.org/presentationml/2006/main" xmlns:c="http://schemas.openxmlformats.org/drawingml/2006/chart" xmlns:dgm="http://schemas.openxmlformats.org/drawingml/2006/diagram" xmlns:o="urn:schemas-microsoft-com:office:office" xmlns:v="urn:schemas-microsoft-com:vml" xmlns:pvml="urn:schemas-microsoft-com:office:powerpoint" xmlns:com="http://schemas.openxmlformats.org/drawingml/2006/compatibility" xmlns:p14="http://schemas.microsoft.com/office/powerpoint/2010/main" xmlns:p15="http://schemas.microsoft.com/office/powerpoint/2012/main" xmlns:ahyp="http://schemas.microsoft.com/office/drawing/2018/hyperlinkcolor">
+<p:sld xmlns:a="http://schemas.openxmlformats.org/drawingml/2006/main" xmlns:r="http://schemas.openxmlformats.org/officeDocument/2006/relationships" xmlns:p="http://schemas.openxmlformats.org/presentationml/2006/main">
   <p:cSld>
     <p:bg>
       <p:bgPr>
@@ -7400,11 +8988,12 @@
             <a:fillRect/>
           </a:stretch>
         </a:blipFill>
+        <a:effectLst/>
       </p:bgPr>
     </p:bg>
     <p:spTree>
       <p:nvGrpSpPr>
-        <p:cNvPr id="88" name="Shape 88"/>
+        <p:cNvPr id="1" name="Shape 88"/>
         <p:cNvGrpSpPr/>
         <p:nvPr/>
       </p:nvGrpSpPr>
@@ -7419,7 +9008,9 @@
       <p:sp>
         <p:nvSpPr>
           <p:cNvPr id="89" name="Google Shape;89;p18"/>
-          <p:cNvSpPr txBox="1"/>
+          <p:cNvSpPr txBox="1">
+            <a:spLocks noGrp="1"/>
+          </p:cNvSpPr>
           <p:nvPr>
             <p:ph type="title"/>
           </p:nvPr>
@@ -7434,12 +9025,12 @@
           </a:prstGeom>
         </p:spPr>
         <p:txBody>
-          <a:bodyPr anchorCtr="0" anchor="t" bIns="91425" lIns="91425" spcFirstLastPara="1" rIns="91425" wrap="square" tIns="91425">
+          <a:bodyPr spcFirstLastPara="1" wrap="square" lIns="91425" tIns="91425" rIns="91425" bIns="91425" anchor="t" anchorCtr="0">
             <a:noAutofit/>
           </a:bodyPr>
           <a:lstStyle/>
           <a:p>
-            <a:pPr indent="0" lvl="0" marL="0" rtl="0" algn="ctr">
+            <a:pPr marL="0" lvl="0" indent="0" algn="ctr" rtl="0">
               <a:spcBef>
                 <a:spcPts val="0"/>
               </a:spcBef>
@@ -7450,7 +9041,7 @@
               <a:buNone/>
             </a:pPr>
             <a:r>
-              <a:rPr b="1" lang="pl" sz="3500">
+              <a:rPr lang="pl" sz="3500" b="1">
                 <a:latin typeface="Roboto Mono"/>
                 <a:ea typeface="Roboto Mono"/>
                 <a:cs typeface="Roboto Mono"/>
@@ -7458,7 +9049,7 @@
               </a:rPr>
               <a:t>OSIĄGNIĘTE REZULTATY</a:t>
             </a:r>
-            <a:endParaRPr b="1" sz="3500">
+            <a:endParaRPr sz="3500" b="1">
               <a:latin typeface="Roboto Mono"/>
               <a:ea typeface="Roboto Mono"/>
               <a:cs typeface="Roboto Mono"/>
@@ -7470,9 +9061,11 @@
       <p:sp>
         <p:nvSpPr>
           <p:cNvPr id="90" name="Google Shape;90;p18"/>
-          <p:cNvSpPr txBox="1"/>
+          <p:cNvSpPr txBox="1">
+            <a:spLocks noGrp="1"/>
+          </p:cNvSpPr>
           <p:nvPr>
-            <p:ph idx="4294967295" type="body"/>
+            <p:ph type="body" idx="4294967295"/>
           </p:nvPr>
         </p:nvSpPr>
         <p:spPr>
@@ -7485,12 +9078,12 @@
           </a:prstGeom>
         </p:spPr>
         <p:txBody>
-          <a:bodyPr anchorCtr="0" anchor="t" bIns="91425" lIns="91425" spcFirstLastPara="1" rIns="91425" wrap="square" tIns="91425">
+          <a:bodyPr spcFirstLastPara="1" wrap="square" lIns="91425" tIns="91425" rIns="91425" bIns="91425" anchor="t" anchorCtr="0">
             <a:normAutofit/>
           </a:bodyPr>
           <a:lstStyle/>
           <a:p>
-            <a:pPr indent="0" lvl="0" marL="0" rtl="0" algn="ctr">
+            <a:pPr marL="0" lvl="0" indent="0" algn="ctr" rtl="0">
               <a:lnSpc>
                 <a:spcPct val="130000"/>
               </a:lnSpc>
@@ -7519,7 +9112,7 @@
             </a:endParaRPr>
           </a:p>
           <a:p>
-            <a:pPr indent="0" lvl="0" marL="0" rtl="0" algn="ctr">
+            <a:pPr marL="0" lvl="0" indent="0" algn="ctr" rtl="0">
               <a:lnSpc>
                 <a:spcPct val="130000"/>
               </a:lnSpc>
@@ -7548,7 +9141,7 @@
             </a:endParaRPr>
           </a:p>
           <a:p>
-            <a:pPr indent="0" lvl="0" marL="0" rtl="0" algn="ctr">
+            <a:pPr marL="0" lvl="0" indent="0" algn="ctr" rtl="0">
               <a:lnSpc>
                 <a:spcPct val="130000"/>
               </a:lnSpc>
@@ -7587,7 +9180,7 @@
 </file>
 
 <file path=ppt/slides/slide7.xml><?xml version="1.0" encoding="utf-8"?>
-<p:sld xmlns:a="http://schemas.openxmlformats.org/drawingml/2006/main" xmlns:r="http://schemas.openxmlformats.org/officeDocument/2006/relationships" xmlns:mc="http://schemas.openxmlformats.org/markup-compatibility/2006" xmlns:mv="urn:schemas-microsoft-com:mac:vml" xmlns:p="http://schemas.openxmlformats.org/presentationml/2006/main" xmlns:c="http://schemas.openxmlformats.org/drawingml/2006/chart" xmlns:dgm="http://schemas.openxmlformats.org/drawingml/2006/diagram" xmlns:o="urn:schemas-microsoft-com:office:office" xmlns:v="urn:schemas-microsoft-com:vml" xmlns:pvml="urn:schemas-microsoft-com:office:powerpoint" xmlns:com="http://schemas.openxmlformats.org/drawingml/2006/compatibility" xmlns:p14="http://schemas.microsoft.com/office/powerpoint/2010/main" xmlns:p15="http://schemas.microsoft.com/office/powerpoint/2012/main" xmlns:ahyp="http://schemas.microsoft.com/office/drawing/2018/hyperlinkcolor">
+<p:sld xmlns:a="http://schemas.openxmlformats.org/drawingml/2006/main" xmlns:r="http://schemas.openxmlformats.org/officeDocument/2006/relationships" xmlns:p="http://schemas.openxmlformats.org/presentationml/2006/main">
   <p:cSld>
     <p:bg>
       <p:bgPr>
@@ -7599,11 +9192,18 @@
             <a:fillRect/>
           </a:stretch>
         </a:blipFill>
+        <a:effectLst/>
       </p:bgPr>
     </p:bg>
     <p:spTree>
       <p:nvGrpSpPr>
-        <p:cNvPr id="94" name="Shape 94"/>
+        <p:cNvPr id="1" name="Shape 88">
+          <a:extLst>
+            <a:ext uri="{FF2B5EF4-FFF2-40B4-BE49-F238E27FC236}">
+              <a16:creationId xmlns:a16="http://schemas.microsoft.com/office/drawing/2014/main" id="{365755B8-DC3D-BC9E-3B7F-429366FFBE8A}"/>
+            </a:ext>
+          </a:extLst>
+        </p:cNvPr>
         <p:cNvGrpSpPr/>
         <p:nvPr/>
       </p:nvGrpSpPr>
@@ -7617,15 +9217,23 @@
       </p:grpSpPr>
       <p:sp>
         <p:nvSpPr>
-          <p:cNvPr id="95" name="Google Shape;95;p19"/>
-          <p:cNvSpPr txBox="1"/>
+          <p:cNvPr id="89" name="Google Shape;89;p18">
+            <a:extLst>
+              <a:ext uri="{FF2B5EF4-FFF2-40B4-BE49-F238E27FC236}">
+                <a16:creationId xmlns:a16="http://schemas.microsoft.com/office/drawing/2014/main" id="{5A339104-11F7-B3BA-8071-3B653716D4E9}"/>
+              </a:ext>
+            </a:extLst>
+          </p:cNvPr>
+          <p:cNvSpPr txBox="1">
+            <a:spLocks noGrp="1"/>
+          </p:cNvSpPr>
           <p:nvPr>
             <p:ph type="title"/>
           </p:nvPr>
         </p:nvSpPr>
         <p:spPr>
           <a:xfrm>
-            <a:off x="311700" y="455275"/>
+            <a:off x="311700" y="472350"/>
             <a:ext cx="8520600" cy="572700"/>
           </a:xfrm>
           <a:prstGeom prst="rect">
@@ -7633,31 +9241,24 @@
           </a:prstGeom>
         </p:spPr>
         <p:txBody>
-          <a:bodyPr anchorCtr="0" anchor="t" bIns="91425" lIns="91425" spcFirstLastPara="1" rIns="91425" wrap="square" tIns="91425">
+          <a:bodyPr spcFirstLastPara="1" wrap="square" lIns="91425" tIns="91425" rIns="91425" bIns="91425" anchor="t" anchorCtr="0">
             <a:noAutofit/>
           </a:bodyPr>
           <a:lstStyle/>
           <a:p>
-            <a:pPr indent="0" lvl="0" marL="0" rtl="0" algn="ctr">
-              <a:spcBef>
-                <a:spcPts val="0"/>
-              </a:spcBef>
-              <a:spcAft>
-                <a:spcPts val="0"/>
-              </a:spcAft>
+            <a:pPr algn="ctr">
               <a:buSzPts val="990"/>
-              <a:buNone/>
             </a:pPr>
             <a:r>
-              <a:rPr b="1" lang="pl" sz="3500">
+              <a:rPr lang="pl" sz="3500" b="1" dirty="0">
                 <a:latin typeface="Roboto Mono"/>
                 <a:ea typeface="Roboto Mono"/>
                 <a:cs typeface="Roboto Mono"/>
                 <a:sym typeface="Roboto Mono"/>
               </a:rPr>
-              <a:t>PLANY NA KOLEJNY SEMESTR</a:t>
+              <a:t>PRZYKŁADY (1)</a:t>
             </a:r>
-            <a:endParaRPr b="1" sz="3500">
+            <a:endParaRPr sz="3500" b="1" dirty="0">
               <a:latin typeface="Roboto Mono"/>
               <a:ea typeface="Roboto Mono"/>
               <a:cs typeface="Roboto Mono"/>
@@ -7668,133 +9269,98 @@
       </p:sp>
       <p:sp>
         <p:nvSpPr>
-          <p:cNvPr id="96" name="Google Shape;96;p19"/>
-          <p:cNvSpPr txBox="1"/>
+          <p:cNvPr id="90" name="Google Shape;90;p18">
+            <a:extLst>
+              <a:ext uri="{FF2B5EF4-FFF2-40B4-BE49-F238E27FC236}">
+                <a16:creationId xmlns:a16="http://schemas.microsoft.com/office/drawing/2014/main" id="{FEE3E1FB-BB00-67FD-7505-A98F811CABCE}"/>
+              </a:ext>
+            </a:extLst>
+          </p:cNvPr>
+          <p:cNvSpPr txBox="1">
+            <a:spLocks noGrp="1"/>
+          </p:cNvSpPr>
           <p:nvPr>
-            <p:ph idx="4294967295" type="body"/>
+            <p:ph type="body" idx="4294967295"/>
           </p:nvPr>
         </p:nvSpPr>
         <p:spPr>
           <a:xfrm>
-            <a:off x="724800" y="1451525"/>
-            <a:ext cx="7694400" cy="2883600"/>
+            <a:off x="657300" y="1220850"/>
+            <a:ext cx="7829400" cy="3416400"/>
           </a:xfrm>
           <a:prstGeom prst="rect">
             <a:avLst/>
           </a:prstGeom>
         </p:spPr>
         <p:txBody>
-          <a:bodyPr anchorCtr="0" anchor="t" bIns="91425" lIns="91425" spcFirstLastPara="1" rIns="91425" wrap="square" tIns="91425">
-            <a:normAutofit fontScale="92500" lnSpcReduction="20000"/>
+          <a:bodyPr spcFirstLastPara="1" wrap="square" lIns="91425" tIns="91425" rIns="91425" bIns="91425" anchor="t" anchorCtr="0">
+            <a:normAutofit/>
           </a:bodyPr>
           <a:lstStyle/>
           <a:p>
-            <a:pPr indent="0" lvl="0" marL="0" rtl="0" algn="ctr">
+            <a:pPr marL="0" indent="0" algn="ctr">
               <a:lnSpc>
                 <a:spcPct val="130000"/>
               </a:lnSpc>
-              <a:spcBef>
-                <a:spcPts val="1000"/>
-              </a:spcBef>
-              <a:spcAft>
-                <a:spcPts val="0"/>
-              </a:spcAft>
               <a:buNone/>
             </a:pPr>
             <a:r>
-              <a:rPr lang="pl" sz="2700">
+              <a:rPr lang="pl" sz="2300" dirty="0">
                 <a:latin typeface="Roboto Mono"/>
                 <a:ea typeface="Roboto Mono"/>
                 <a:cs typeface="Roboto Mono"/>
-                <a:sym typeface="Roboto Mono"/>
               </a:rPr>
-              <a:t>Zróżnicowanie wykorzystywanych </a:t>
+              <a:t>Polecenie 1: </a:t>
             </a:r>
-            <a:br>
-              <a:rPr lang="pl" sz="2700">
-                <a:latin typeface="Roboto Mono"/>
+            <a:r>
+              <a:rPr lang="pl" sz="2300" dirty="0">
                 <a:ea typeface="Roboto Mono"/>
-                <a:cs typeface="Roboto Mono"/>
-                <a:sym typeface="Roboto Mono"/>
               </a:rPr>
-            </a:br>
-            <a:r>
-              <a:rPr lang="pl" sz="2700">
-                <a:latin typeface="Roboto Mono"/>
-                <a:ea typeface="Roboto Mono"/>
-                <a:cs typeface="Roboto Mono"/>
-                <a:sym typeface="Roboto Mono"/>
-              </a:rPr>
-              <a:t>modeli LLM</a:t>
+              <a:t>Znajdź długość przeciwprostokątnej trójkąta prostokątnego o przyprostokątnych 3 i 4.</a:t>
             </a:r>
-            <a:endParaRPr sz="2700">
-              <a:latin typeface="Roboto Mono"/>
+            <a:endParaRPr lang="pl" sz="2300" dirty="0">
               <a:ea typeface="Roboto Mono"/>
               <a:cs typeface="Roboto Mono"/>
-              <a:sym typeface="Roboto Mono"/>
-            </a:endParaRPr>
-          </a:p>
-          <a:p>
-            <a:pPr indent="0" lvl="0" marL="0" rtl="0" algn="ctr">
-              <a:lnSpc>
-                <a:spcPct val="130000"/>
-              </a:lnSpc>
-              <a:spcBef>
-                <a:spcPts val="2000"/>
-              </a:spcBef>
-              <a:spcAft>
-                <a:spcPts val="0"/>
-              </a:spcAft>
-              <a:buNone/>
-            </a:pPr>
-            <a:r>
-              <a:rPr lang="pl" sz="2700">
-                <a:latin typeface="Roboto Mono"/>
-                <a:ea typeface="Roboto Mono"/>
-                <a:cs typeface="Roboto Mono"/>
-                <a:sym typeface="Roboto Mono"/>
-              </a:rPr>
-              <a:t>Implementacja równoległej współpracy agentów</a:t>
-            </a:r>
-            <a:endParaRPr sz="2700">
-              <a:latin typeface="Roboto Mono"/>
-              <a:ea typeface="Roboto Mono"/>
-              <a:cs typeface="Roboto Mono"/>
-              <a:sym typeface="Roboto Mono"/>
-            </a:endParaRPr>
-          </a:p>
-          <a:p>
-            <a:pPr indent="0" lvl="0" marL="0" rtl="0" algn="ctr">
-              <a:lnSpc>
-                <a:spcPct val="130000"/>
-              </a:lnSpc>
-              <a:spcBef>
-                <a:spcPts val="2000"/>
-              </a:spcBef>
-              <a:spcAft>
-                <a:spcPts val="2000"/>
-              </a:spcAft>
-              <a:buNone/>
-            </a:pPr>
-            <a:r>
-              <a:rPr lang="pl" sz="2700">
-                <a:latin typeface="Roboto Mono"/>
-                <a:ea typeface="Roboto Mono"/>
-                <a:cs typeface="Roboto Mono"/>
-                <a:sym typeface="Roboto Mono"/>
-              </a:rPr>
-              <a:t>Ulepszenie otrzymywanych rezultatów</a:t>
-            </a:r>
-            <a:endParaRPr sz="2700">
-              <a:latin typeface="Roboto Mono"/>
-              <a:ea typeface="Roboto Mono"/>
-              <a:cs typeface="Roboto Mono"/>
-              <a:sym typeface="Roboto Mono"/>
             </a:endParaRPr>
           </a:p>
         </p:txBody>
       </p:sp>
+      <p:pic>
+        <p:nvPicPr>
+          <p:cNvPr id="2" name="Picture 1">
+            <a:extLst>
+              <a:ext uri="{FF2B5EF4-FFF2-40B4-BE49-F238E27FC236}">
+                <a16:creationId xmlns:a16="http://schemas.microsoft.com/office/drawing/2014/main" id="{BFDB105D-ADCF-4FE9-FD3B-2D08B6DB6919}"/>
+              </a:ext>
+            </a:extLst>
+          </p:cNvPr>
+          <p:cNvPicPr>
+            <a:picLocks noChangeAspect="1"/>
+          </p:cNvPicPr>
+          <p:nvPr/>
+        </p:nvPicPr>
+        <p:blipFill>
+          <a:blip r:embed="rId4"/>
+          <a:stretch>
+            <a:fillRect/>
+          </a:stretch>
+        </p:blipFill>
+        <p:spPr>
+          <a:xfrm>
+            <a:off x="1690688" y="2690813"/>
+            <a:ext cx="5762625" cy="1028700"/>
+          </a:xfrm>
+          <a:prstGeom prst="rect">
+            <a:avLst/>
+          </a:prstGeom>
+        </p:spPr>
+      </p:pic>
     </p:spTree>
+    <p:extLst>
+      <p:ext uri="{BB962C8B-B14F-4D97-AF65-F5344CB8AC3E}">
+        <p14:creationId xmlns:p14="http://schemas.microsoft.com/office/powerpoint/2010/main" val="170213433"/>
+      </p:ext>
+    </p:extLst>
   </p:cSld>
   <p:clrMapOvr>
     <a:masterClrMapping/>
@@ -7803,7 +9369,7 @@
 </file>
 
 <file path=ppt/slides/slide8.xml><?xml version="1.0" encoding="utf-8"?>
-<p:sld xmlns:a="http://schemas.openxmlformats.org/drawingml/2006/main" xmlns:r="http://schemas.openxmlformats.org/officeDocument/2006/relationships" xmlns:mc="http://schemas.openxmlformats.org/markup-compatibility/2006" xmlns:mv="urn:schemas-microsoft-com:mac:vml" xmlns:p="http://schemas.openxmlformats.org/presentationml/2006/main" xmlns:c="http://schemas.openxmlformats.org/drawingml/2006/chart" xmlns:dgm="http://schemas.openxmlformats.org/drawingml/2006/diagram" xmlns:o="urn:schemas-microsoft-com:office:office" xmlns:v="urn:schemas-microsoft-com:vml" xmlns:pvml="urn:schemas-microsoft-com:office:powerpoint" xmlns:com="http://schemas.openxmlformats.org/drawingml/2006/compatibility" xmlns:p14="http://schemas.microsoft.com/office/powerpoint/2010/main" xmlns:p15="http://schemas.microsoft.com/office/powerpoint/2012/main" xmlns:ahyp="http://schemas.microsoft.com/office/drawing/2018/hyperlinkcolor">
+<p:sld xmlns:a="http://schemas.openxmlformats.org/drawingml/2006/main" xmlns:r="http://schemas.openxmlformats.org/officeDocument/2006/relationships" xmlns:p="http://schemas.openxmlformats.org/presentationml/2006/main">
   <p:cSld>
     <p:bg>
       <p:bgPr>
@@ -7815,11 +9381,18 @@
             <a:fillRect/>
           </a:stretch>
         </a:blipFill>
+        <a:effectLst/>
       </p:bgPr>
     </p:bg>
     <p:spTree>
       <p:nvGrpSpPr>
-        <p:cNvPr id="100" name="Shape 100"/>
+        <p:cNvPr id="1" name="Shape 88">
+          <a:extLst>
+            <a:ext uri="{FF2B5EF4-FFF2-40B4-BE49-F238E27FC236}">
+              <a16:creationId xmlns:a16="http://schemas.microsoft.com/office/drawing/2014/main" id="{D59CAAA0-CF28-2D30-4E10-E1FD495DDBAB}"/>
+            </a:ext>
+          </a:extLst>
+        </p:cNvPr>
         <p:cNvGrpSpPr/>
         <p:nvPr/>
       </p:nvGrpSpPr>
@@ -7833,139 +9406,48 @@
       </p:grpSpPr>
       <p:sp>
         <p:nvSpPr>
-          <p:cNvPr id="101" name="Google Shape;101;p20"/>
-          <p:cNvSpPr txBox="1"/>
+          <p:cNvPr id="89" name="Google Shape;89;p18">
+            <a:extLst>
+              <a:ext uri="{FF2B5EF4-FFF2-40B4-BE49-F238E27FC236}">
+                <a16:creationId xmlns:a16="http://schemas.microsoft.com/office/drawing/2014/main" id="{94DF2EC2-B88F-95F6-2545-3312C79B3F27}"/>
+              </a:ext>
+            </a:extLst>
+          </p:cNvPr>
+          <p:cNvSpPr txBox="1">
+            <a:spLocks noGrp="1"/>
+          </p:cNvSpPr>
           <p:nvPr>
-            <p:ph type="ctrTitle"/>
+            <p:ph type="title"/>
           </p:nvPr>
         </p:nvSpPr>
         <p:spPr>
           <a:xfrm>
-            <a:off x="311700" y="1320150"/>
-            <a:ext cx="8520600" cy="1905300"/>
+            <a:off x="311700" y="472350"/>
+            <a:ext cx="8520600" cy="572700"/>
           </a:xfrm>
           <a:prstGeom prst="rect">
             <a:avLst/>
           </a:prstGeom>
         </p:spPr>
         <p:txBody>
-          <a:bodyPr anchorCtr="0" anchor="b" bIns="91425" lIns="91425" spcFirstLastPara="1" rIns="91425" wrap="square" tIns="91425">
+          <a:bodyPr spcFirstLastPara="1" wrap="square" lIns="91425" tIns="91425" rIns="91425" bIns="91425" anchor="t" anchorCtr="0">
             <a:noAutofit/>
           </a:bodyPr>
           <a:lstStyle/>
           <a:p>
-            <a:pPr indent="0" lvl="0" marL="0" rtl="0" algn="ctr">
-              <a:spcBef>
-                <a:spcPts val="0"/>
-              </a:spcBef>
-              <a:spcAft>
-                <a:spcPts val="0"/>
-              </a:spcAft>
+            <a:pPr algn="ctr">
               <a:buSzPts val="990"/>
-              <a:buNone/>
             </a:pPr>
             <a:r>
-              <a:rPr lang="pl" sz="5780">
-                <a:latin typeface="Roboto Mono Medium"/>
-                <a:ea typeface="Roboto Mono Medium"/>
-                <a:cs typeface="Roboto Mono Medium"/>
-                <a:sym typeface="Roboto Mono Medium"/>
-              </a:rPr>
-              <a:t>DZIĘKUJEMY </a:t>
-            </a:r>
-            <a:br>
-              <a:rPr lang="pl" sz="5780">
-                <a:latin typeface="Roboto Mono Medium"/>
-                <a:ea typeface="Roboto Mono Medium"/>
-                <a:cs typeface="Roboto Mono Medium"/>
-                <a:sym typeface="Roboto Mono Medium"/>
-              </a:rPr>
-            </a:br>
-            <a:r>
-              <a:rPr lang="pl" sz="5780">
-                <a:latin typeface="Roboto Mono Medium"/>
-                <a:ea typeface="Roboto Mono Medium"/>
-                <a:cs typeface="Roboto Mono Medium"/>
-                <a:sym typeface="Roboto Mono Medium"/>
-              </a:rPr>
-              <a:t>ZA UWAGĘ!</a:t>
-            </a:r>
-            <a:endParaRPr sz="5780">
-              <a:latin typeface="Roboto Mono Medium"/>
-              <a:ea typeface="Roboto Mono Medium"/>
-              <a:cs typeface="Roboto Mono Medium"/>
-              <a:sym typeface="Roboto Mono Medium"/>
-            </a:endParaRPr>
-          </a:p>
-        </p:txBody>
-      </p:sp>
-      <p:sp>
-        <p:nvSpPr>
-          <p:cNvPr id="102" name="Google Shape;102;p20"/>
-          <p:cNvSpPr txBox="1"/>
-          <p:nvPr>
-            <p:ph idx="1" type="subTitle"/>
-          </p:nvPr>
-        </p:nvSpPr>
-        <p:spPr>
-          <a:xfrm>
-            <a:off x="311700" y="3661200"/>
-            <a:ext cx="8520600" cy="792600"/>
-          </a:xfrm>
-          <a:prstGeom prst="rect">
-            <a:avLst/>
-          </a:prstGeom>
-        </p:spPr>
-        <p:txBody>
-          <a:bodyPr anchorCtr="0" anchor="t" bIns="91425" lIns="91425" spcFirstLastPara="1" rIns="91425" wrap="square" tIns="91425">
-            <a:normAutofit fontScale="92500" lnSpcReduction="20000"/>
-          </a:bodyPr>
-          <a:lstStyle/>
-          <a:p>
-            <a:pPr indent="0" lvl="0" marL="0" rtl="0" algn="ctr">
-              <a:spcBef>
-                <a:spcPts val="0"/>
-              </a:spcBef>
-              <a:spcAft>
-                <a:spcPts val="0"/>
-              </a:spcAft>
-              <a:buNone/>
-            </a:pPr>
-            <a:r>
-              <a:rPr lang="pl" sz="1700">
+              <a:rPr lang="pl" sz="3500" b="1" dirty="0">
                 <a:latin typeface="Roboto Mono"/>
                 <a:ea typeface="Roboto Mono"/>
                 <a:cs typeface="Roboto Mono"/>
                 <a:sym typeface="Roboto Mono"/>
               </a:rPr>
-              <a:t>Jakub Nowak, Alicja Sobiech, Oliwier Komorowski, Kacper Skudlarz</a:t>
+              <a:t>PRZYKŁADY (2)</a:t>
             </a:r>
-            <a:br>
-              <a:rPr lang="pl" sz="1700">
-                <a:latin typeface="Roboto Mono"/>
-                <a:ea typeface="Roboto Mono"/>
-                <a:cs typeface="Roboto Mono"/>
-                <a:sym typeface="Roboto Mono"/>
-              </a:rPr>
-            </a:br>
-            <a:br>
-              <a:rPr lang="pl" sz="1700">
-                <a:latin typeface="Roboto Mono"/>
-                <a:ea typeface="Roboto Mono"/>
-                <a:cs typeface="Roboto Mono"/>
-                <a:sym typeface="Roboto Mono"/>
-              </a:rPr>
-            </a:br>
-            <a:r>
-              <a:rPr lang="pl" sz="1700">
-                <a:latin typeface="Roboto Mono"/>
-                <a:ea typeface="Roboto Mono"/>
-                <a:cs typeface="Roboto Mono"/>
-                <a:sym typeface="Roboto Mono"/>
-              </a:rPr>
-              <a:t>Opiekun projektu: mgr inż. Jan Majkutewicz</a:t>
-            </a:r>
-            <a:endParaRPr sz="1700">
+            <a:endParaRPr sz="3500" b="1" dirty="0">
               <a:latin typeface="Roboto Mono"/>
               <a:ea typeface="Roboto Mono"/>
               <a:cs typeface="Roboto Mono"/>
@@ -7974,7 +9456,291 @@
           </a:p>
         </p:txBody>
       </p:sp>
+      <p:sp>
+        <p:nvSpPr>
+          <p:cNvPr id="90" name="Google Shape;90;p18">
+            <a:extLst>
+              <a:ext uri="{FF2B5EF4-FFF2-40B4-BE49-F238E27FC236}">
+                <a16:creationId xmlns:a16="http://schemas.microsoft.com/office/drawing/2014/main" id="{E452B64B-6335-0A73-A5BD-F269E98FBE0B}"/>
+              </a:ext>
+            </a:extLst>
+          </p:cNvPr>
+          <p:cNvSpPr txBox="1">
+            <a:spLocks noGrp="1"/>
+          </p:cNvSpPr>
+          <p:nvPr>
+            <p:ph type="body" idx="4294967295"/>
+          </p:nvPr>
+        </p:nvSpPr>
+        <p:spPr>
+          <a:xfrm>
+            <a:off x="657300" y="1220850"/>
+            <a:ext cx="7829400" cy="3416400"/>
+          </a:xfrm>
+          <a:prstGeom prst="rect">
+            <a:avLst/>
+          </a:prstGeom>
+        </p:spPr>
+        <p:txBody>
+          <a:bodyPr spcFirstLastPara="1" wrap="square" lIns="91425" tIns="91425" rIns="91425" bIns="91425" anchor="t" anchorCtr="0">
+            <a:normAutofit/>
+          </a:bodyPr>
+          <a:lstStyle/>
+          <a:p>
+            <a:pPr marL="0" indent="0" algn="ctr">
+              <a:lnSpc>
+                <a:spcPct val="130000"/>
+              </a:lnSpc>
+              <a:buNone/>
+            </a:pPr>
+            <a:r>
+              <a:rPr lang="pl" sz="2300" dirty="0">
+                <a:latin typeface="Roboto Mono"/>
+                <a:ea typeface="Roboto Mono"/>
+                <a:cs typeface="Roboto Mono"/>
+              </a:rPr>
+              <a:t>Polecenie 2: </a:t>
+            </a:r>
+            <a:r>
+              <a:rPr lang="pl" sz="2300" dirty="0">
+                <a:ea typeface="Roboto Mono"/>
+              </a:rPr>
+              <a:t>Znajdź wymierne przybliżenie liczby π z mianownikiem mniejszym niż 1000.</a:t>
+            </a:r>
+            <a:endParaRPr lang="pl" sz="2300" dirty="0">
+              <a:latin typeface="Roboto Mono"/>
+              <a:ea typeface="Roboto Mono"/>
+              <a:cs typeface="Roboto Mono"/>
+            </a:endParaRPr>
+          </a:p>
+        </p:txBody>
+      </p:sp>
+      <p:pic>
+        <p:nvPicPr>
+          <p:cNvPr id="2" name="Picture 1">
+            <a:extLst>
+              <a:ext uri="{FF2B5EF4-FFF2-40B4-BE49-F238E27FC236}">
+                <a16:creationId xmlns:a16="http://schemas.microsoft.com/office/drawing/2014/main" id="{4000B59B-105B-3772-FD34-D10DE26CF97E}"/>
+              </a:ext>
+            </a:extLst>
+          </p:cNvPr>
+          <p:cNvPicPr>
+            <a:picLocks noChangeAspect="1"/>
+          </p:cNvPicPr>
+          <p:nvPr/>
+        </p:nvPicPr>
+        <p:blipFill>
+          <a:blip r:embed="rId4"/>
+          <a:stretch>
+            <a:fillRect/>
+          </a:stretch>
+        </p:blipFill>
+        <p:spPr>
+          <a:xfrm>
+            <a:off x="1857375" y="2705100"/>
+            <a:ext cx="5429250" cy="1019175"/>
+          </a:xfrm>
+          <a:prstGeom prst="rect">
+            <a:avLst/>
+          </a:prstGeom>
+        </p:spPr>
+      </p:pic>
     </p:spTree>
+    <p:extLst>
+      <p:ext uri="{BB962C8B-B14F-4D97-AF65-F5344CB8AC3E}">
+        <p14:creationId xmlns:p14="http://schemas.microsoft.com/office/powerpoint/2010/main" val="1245780094"/>
+      </p:ext>
+    </p:extLst>
+  </p:cSld>
+  <p:clrMapOvr>
+    <a:masterClrMapping/>
+  </p:clrMapOvr>
+</p:sld>
+</file>
+
+<file path=ppt/slides/slide9.xml><?xml version="1.0" encoding="utf-8"?>
+<p:sld xmlns:a="http://schemas.openxmlformats.org/drawingml/2006/main" xmlns:r="http://schemas.openxmlformats.org/officeDocument/2006/relationships" xmlns:p="http://schemas.openxmlformats.org/presentationml/2006/main">
+  <p:cSld>
+    <p:bg>
+      <p:bgPr>
+        <a:blipFill>
+          <a:blip r:embed="rId3">
+            <a:alphaModFix/>
+          </a:blip>
+          <a:stretch>
+            <a:fillRect/>
+          </a:stretch>
+        </a:blipFill>
+        <a:effectLst/>
+      </p:bgPr>
+    </p:bg>
+    <p:spTree>
+      <p:nvGrpSpPr>
+        <p:cNvPr id="1" name="Shape 88">
+          <a:extLst>
+            <a:ext uri="{FF2B5EF4-FFF2-40B4-BE49-F238E27FC236}">
+              <a16:creationId xmlns:a16="http://schemas.microsoft.com/office/drawing/2014/main" id="{386961D0-4188-F152-8602-F1D35962F6DF}"/>
+            </a:ext>
+          </a:extLst>
+        </p:cNvPr>
+        <p:cNvGrpSpPr/>
+        <p:nvPr/>
+      </p:nvGrpSpPr>
+      <p:grpSpPr>
+        <a:xfrm>
+          <a:off x="0" y="0"/>
+          <a:ext cx="0" cy="0"/>
+          <a:chOff x="0" y="0"/>
+          <a:chExt cx="0" cy="0"/>
+        </a:xfrm>
+      </p:grpSpPr>
+      <p:sp>
+        <p:nvSpPr>
+          <p:cNvPr id="89" name="Google Shape;89;p18">
+            <a:extLst>
+              <a:ext uri="{FF2B5EF4-FFF2-40B4-BE49-F238E27FC236}">
+                <a16:creationId xmlns:a16="http://schemas.microsoft.com/office/drawing/2014/main" id="{40DFEE00-6F70-1D0B-269C-1328E7C54B68}"/>
+              </a:ext>
+            </a:extLst>
+          </p:cNvPr>
+          <p:cNvSpPr txBox="1">
+            <a:spLocks noGrp="1"/>
+          </p:cNvSpPr>
+          <p:nvPr>
+            <p:ph type="title"/>
+          </p:nvPr>
+        </p:nvSpPr>
+        <p:spPr>
+          <a:xfrm>
+            <a:off x="311700" y="472350"/>
+            <a:ext cx="8520600" cy="572700"/>
+          </a:xfrm>
+          <a:prstGeom prst="rect">
+            <a:avLst/>
+          </a:prstGeom>
+        </p:spPr>
+        <p:txBody>
+          <a:bodyPr spcFirstLastPara="1" wrap="square" lIns="91425" tIns="91425" rIns="91425" bIns="91425" anchor="t" anchorCtr="0">
+            <a:noAutofit/>
+          </a:bodyPr>
+          <a:lstStyle/>
+          <a:p>
+            <a:pPr algn="ctr">
+              <a:buSzPts val="990"/>
+            </a:pPr>
+            <a:r>
+              <a:rPr lang="pl" sz="3500" b="1" dirty="0">
+                <a:latin typeface="Roboto Mono"/>
+                <a:ea typeface="Roboto Mono"/>
+                <a:cs typeface="Roboto Mono"/>
+                <a:sym typeface="Roboto Mono"/>
+              </a:rPr>
+              <a:t>PRZYKŁADY (3)</a:t>
+            </a:r>
+            <a:endParaRPr sz="3500" b="1" dirty="0">
+              <a:latin typeface="Roboto Mono"/>
+              <a:ea typeface="Roboto Mono"/>
+              <a:cs typeface="Roboto Mono"/>
+              <a:sym typeface="Roboto Mono"/>
+            </a:endParaRPr>
+          </a:p>
+        </p:txBody>
+      </p:sp>
+      <p:sp>
+        <p:nvSpPr>
+          <p:cNvPr id="90" name="Google Shape;90;p18">
+            <a:extLst>
+              <a:ext uri="{FF2B5EF4-FFF2-40B4-BE49-F238E27FC236}">
+                <a16:creationId xmlns:a16="http://schemas.microsoft.com/office/drawing/2014/main" id="{05EBDC40-AD59-444E-CB4F-8635FBF5438F}"/>
+              </a:ext>
+            </a:extLst>
+          </p:cNvPr>
+          <p:cNvSpPr txBox="1">
+            <a:spLocks noGrp="1"/>
+          </p:cNvSpPr>
+          <p:nvPr>
+            <p:ph type="body" idx="4294967295"/>
+          </p:nvPr>
+        </p:nvSpPr>
+        <p:spPr>
+          <a:xfrm>
+            <a:off x="657300" y="1220850"/>
+            <a:ext cx="7829400" cy="3416400"/>
+          </a:xfrm>
+          <a:prstGeom prst="rect">
+            <a:avLst/>
+          </a:prstGeom>
+        </p:spPr>
+        <p:txBody>
+          <a:bodyPr spcFirstLastPara="1" wrap="square" lIns="91425" tIns="91425" rIns="91425" bIns="91425" anchor="t" anchorCtr="0">
+            <a:normAutofit/>
+          </a:bodyPr>
+          <a:lstStyle/>
+          <a:p>
+            <a:pPr marL="0" indent="0" algn="ctr">
+              <a:lnSpc>
+                <a:spcPct val="130000"/>
+              </a:lnSpc>
+              <a:buNone/>
+            </a:pPr>
+            <a:r>
+              <a:rPr lang="pl" sz="2300" dirty="0">
+                <a:latin typeface="Roboto Mono"/>
+                <a:ea typeface="Roboto Mono"/>
+                <a:cs typeface="Roboto Mono"/>
+              </a:rPr>
+              <a:t>Polecenie 2: </a:t>
+            </a:r>
+            <a:r>
+              <a:rPr lang="pl" sz="2300" dirty="0">
+                <a:ea typeface="Roboto Mono"/>
+              </a:rPr>
+              <a:t>Znajdź wymierne przybliżenie liczby π z mianownikiem mniejszym niż 1000. (włączone logi)</a:t>
+            </a:r>
+            <a:endParaRPr lang="pl" sz="2300" dirty="0">
+              <a:latin typeface="Roboto Mono"/>
+              <a:ea typeface="Roboto Mono"/>
+              <a:cs typeface="Roboto Mono"/>
+            </a:endParaRPr>
+          </a:p>
+        </p:txBody>
+      </p:sp>
+      <p:pic>
+        <p:nvPicPr>
+          <p:cNvPr id="3" name="Picture 2">
+            <a:extLst>
+              <a:ext uri="{FF2B5EF4-FFF2-40B4-BE49-F238E27FC236}">
+                <a16:creationId xmlns:a16="http://schemas.microsoft.com/office/drawing/2014/main" id="{651C6451-5840-28E2-96D8-4F045C080D6F}"/>
+              </a:ext>
+            </a:extLst>
+          </p:cNvPr>
+          <p:cNvPicPr>
+            <a:picLocks noChangeAspect="1"/>
+          </p:cNvPicPr>
+          <p:nvPr/>
+        </p:nvPicPr>
+        <p:blipFill>
+          <a:blip r:embed="rId4"/>
+          <a:stretch>
+            <a:fillRect/>
+          </a:stretch>
+        </p:blipFill>
+        <p:spPr>
+          <a:xfrm>
+            <a:off x="1895475" y="2224088"/>
+            <a:ext cx="5357813" cy="2524125"/>
+          </a:xfrm>
+          <a:prstGeom prst="rect">
+            <a:avLst/>
+          </a:prstGeom>
+        </p:spPr>
+      </p:pic>
+    </p:spTree>
+    <p:extLst>
+      <p:ext uri="{BB962C8B-B14F-4D97-AF65-F5344CB8AC3E}">
+        <p14:creationId xmlns:p14="http://schemas.microsoft.com/office/powerpoint/2010/main" val="244805565"/>
+      </p:ext>
+    </p:extLst>
   </p:cSld>
   <p:clrMapOvr>
     <a:masterClrMapping/>
@@ -7983,7 +9749,7 @@
 </file>
 
 <file path=ppt/theme/theme1.xml><?xml version="1.0" encoding="utf-8"?>
-<a:theme xmlns:a="http://schemas.openxmlformats.org/drawingml/2006/main" xmlns:r="http://schemas.openxmlformats.org/officeDocument/2006/relationships" name="Simple Light">
+<a:theme xmlns:a="http://schemas.openxmlformats.org/drawingml/2006/main" name="Simple Light">
   <a:themeElements>
     <a:clrScheme name="Simple Light">
       <a:dk1>
@@ -8258,11 +10024,13 @@
       </a:bgFillStyleLst>
     </a:fmtScheme>
   </a:themeElements>
+  <a:objectDefaults/>
+  <a:extraClrSchemeLst/>
 </a:theme>
 </file>
 
 <file path=ppt/theme/theme2.xml><?xml version="1.0" encoding="utf-8"?>
-<a:theme xmlns:a="http://schemas.openxmlformats.org/drawingml/2006/main" xmlns:r="http://schemas.openxmlformats.org/officeDocument/2006/relationships">
+<a:theme xmlns:a="http://schemas.openxmlformats.org/drawingml/2006/main">
   <a:themeElements>
     <a:clrScheme name="Default">
       <a:dk1>
@@ -8537,5 +10305,7 @@
       </a:bgFillStyleLst>
     </a:fmtScheme>
   </a:themeElements>
+  <a:objectDefaults/>
+  <a:extraClrSchemeLst/>
 </a:theme>
 </file>